--- a/Mentoring/Mentoring.pptx
+++ b/Mentoring/Mentoring.pptx
@@ -13,6 +13,11 @@
     <p:sldId id="261" r:id="rId7"/>
     <p:sldId id="262" r:id="rId8"/>
     <p:sldId id="263" r:id="rId9"/>
+    <p:sldId id="264" r:id="rId10"/>
+    <p:sldId id="265" r:id="rId11"/>
+    <p:sldId id="266" r:id="rId12"/>
+    <p:sldId id="267" r:id="rId13"/>
+    <p:sldId id="268" r:id="rId14"/>
   </p:sldIdLst>
   <p:sldSz cx="12192000" cy="6858000"/>
   <p:notesSz cx="6858000" cy="9144000"/>
@@ -245,7 +250,8 @@
           <a:p>
             <a:fld id="{86493750-F22B-4E7D-BCCE-8D9C8E191F2D}" type="datetimeFigureOut">
               <a:rPr lang="en-GB" smtClean="0"/>
-              <a:t>16/04/2015</a:t>
+              <a:pPr/>
+              <a:t>20/04/2015</a:t>
             </a:fld>
             <a:endParaRPr lang="en-GB"/>
           </a:p>
@@ -287,6 +293,7 @@
           <a:p>
             <a:fld id="{78F0BDE1-EB65-47D1-8AB5-509AA27E389E}" type="slidenum">
               <a:rPr lang="en-GB" smtClean="0"/>
+              <a:pPr/>
               <a:t>‹#›</a:t>
             </a:fld>
             <a:endParaRPr lang="en-GB"/>
@@ -296,7 +303,7 @@
     </p:spTree>
     <p:extLst>
       <p:ext uri="{BB962C8B-B14F-4D97-AF65-F5344CB8AC3E}">
-        <p14:creationId xmlns:p14="http://schemas.microsoft.com/office/powerpoint/2010/main" val="2058599619"/>
+        <p14:creationId xmlns:p14="http://schemas.microsoft.com/office/powerpoint/2010/main" xmlns="" val="2058599619"/>
       </p:ext>
     </p:extLst>
   </p:cSld>
@@ -415,7 +422,8 @@
           <a:p>
             <a:fld id="{86493750-F22B-4E7D-BCCE-8D9C8E191F2D}" type="datetimeFigureOut">
               <a:rPr lang="en-GB" smtClean="0"/>
-              <a:t>16/04/2015</a:t>
+              <a:pPr/>
+              <a:t>20/04/2015</a:t>
             </a:fld>
             <a:endParaRPr lang="en-GB"/>
           </a:p>
@@ -457,6 +465,7 @@
           <a:p>
             <a:fld id="{78F0BDE1-EB65-47D1-8AB5-509AA27E389E}" type="slidenum">
               <a:rPr lang="en-GB" smtClean="0"/>
+              <a:pPr/>
               <a:t>‹#›</a:t>
             </a:fld>
             <a:endParaRPr lang="en-GB"/>
@@ -466,7 +475,7 @@
     </p:spTree>
     <p:extLst>
       <p:ext uri="{BB962C8B-B14F-4D97-AF65-F5344CB8AC3E}">
-        <p14:creationId xmlns:p14="http://schemas.microsoft.com/office/powerpoint/2010/main" val="3984300148"/>
+        <p14:creationId xmlns:p14="http://schemas.microsoft.com/office/powerpoint/2010/main" xmlns="" val="3984300148"/>
       </p:ext>
     </p:extLst>
   </p:cSld>
@@ -595,7 +604,8 @@
           <a:p>
             <a:fld id="{86493750-F22B-4E7D-BCCE-8D9C8E191F2D}" type="datetimeFigureOut">
               <a:rPr lang="en-GB" smtClean="0"/>
-              <a:t>16/04/2015</a:t>
+              <a:pPr/>
+              <a:t>20/04/2015</a:t>
             </a:fld>
             <a:endParaRPr lang="en-GB"/>
           </a:p>
@@ -637,6 +647,7 @@
           <a:p>
             <a:fld id="{78F0BDE1-EB65-47D1-8AB5-509AA27E389E}" type="slidenum">
               <a:rPr lang="en-GB" smtClean="0"/>
+              <a:pPr/>
               <a:t>‹#›</a:t>
             </a:fld>
             <a:endParaRPr lang="en-GB"/>
@@ -646,7 +657,7 @@
     </p:spTree>
     <p:extLst>
       <p:ext uri="{BB962C8B-B14F-4D97-AF65-F5344CB8AC3E}">
-        <p14:creationId xmlns:p14="http://schemas.microsoft.com/office/powerpoint/2010/main" val="1263319666"/>
+        <p14:creationId xmlns:p14="http://schemas.microsoft.com/office/powerpoint/2010/main" xmlns="" val="1263319666"/>
       </p:ext>
     </p:extLst>
   </p:cSld>
@@ -765,7 +776,8 @@
           <a:p>
             <a:fld id="{86493750-F22B-4E7D-BCCE-8D9C8E191F2D}" type="datetimeFigureOut">
               <a:rPr lang="en-GB" smtClean="0"/>
-              <a:t>16/04/2015</a:t>
+              <a:pPr/>
+              <a:t>20/04/2015</a:t>
             </a:fld>
             <a:endParaRPr lang="en-GB"/>
           </a:p>
@@ -807,6 +819,7 @@
           <a:p>
             <a:fld id="{78F0BDE1-EB65-47D1-8AB5-509AA27E389E}" type="slidenum">
               <a:rPr lang="en-GB" smtClean="0"/>
+              <a:pPr/>
               <a:t>‹#›</a:t>
             </a:fld>
             <a:endParaRPr lang="en-GB"/>
@@ -816,7 +829,7 @@
     </p:spTree>
     <p:extLst>
       <p:ext uri="{BB962C8B-B14F-4D97-AF65-F5344CB8AC3E}">
-        <p14:creationId xmlns:p14="http://schemas.microsoft.com/office/powerpoint/2010/main" val="100123728"/>
+        <p14:creationId xmlns:p14="http://schemas.microsoft.com/office/powerpoint/2010/main" xmlns="" val="100123728"/>
       </p:ext>
     </p:extLst>
   </p:cSld>
@@ -1011,7 +1024,8 @@
           <a:p>
             <a:fld id="{86493750-F22B-4E7D-BCCE-8D9C8E191F2D}" type="datetimeFigureOut">
               <a:rPr lang="en-GB" smtClean="0"/>
-              <a:t>16/04/2015</a:t>
+              <a:pPr/>
+              <a:t>20/04/2015</a:t>
             </a:fld>
             <a:endParaRPr lang="en-GB"/>
           </a:p>
@@ -1053,6 +1067,7 @@
           <a:p>
             <a:fld id="{78F0BDE1-EB65-47D1-8AB5-509AA27E389E}" type="slidenum">
               <a:rPr lang="en-GB" smtClean="0"/>
+              <a:pPr/>
               <a:t>‹#›</a:t>
             </a:fld>
             <a:endParaRPr lang="en-GB"/>
@@ -1062,7 +1077,7 @@
     </p:spTree>
     <p:extLst>
       <p:ext uri="{BB962C8B-B14F-4D97-AF65-F5344CB8AC3E}">
-        <p14:creationId xmlns:p14="http://schemas.microsoft.com/office/powerpoint/2010/main" val="3090918771"/>
+        <p14:creationId xmlns:p14="http://schemas.microsoft.com/office/powerpoint/2010/main" xmlns="" val="3090918771"/>
       </p:ext>
     </p:extLst>
   </p:cSld>
@@ -1243,7 +1258,8 @@
           <a:p>
             <a:fld id="{86493750-F22B-4E7D-BCCE-8D9C8E191F2D}" type="datetimeFigureOut">
               <a:rPr lang="en-GB" smtClean="0"/>
-              <a:t>16/04/2015</a:t>
+              <a:pPr/>
+              <a:t>20/04/2015</a:t>
             </a:fld>
             <a:endParaRPr lang="en-GB"/>
           </a:p>
@@ -1285,6 +1301,7 @@
           <a:p>
             <a:fld id="{78F0BDE1-EB65-47D1-8AB5-509AA27E389E}" type="slidenum">
               <a:rPr lang="en-GB" smtClean="0"/>
+              <a:pPr/>
               <a:t>‹#›</a:t>
             </a:fld>
             <a:endParaRPr lang="en-GB"/>
@@ -1294,7 +1311,7 @@
     </p:spTree>
     <p:extLst>
       <p:ext uri="{BB962C8B-B14F-4D97-AF65-F5344CB8AC3E}">
-        <p14:creationId xmlns:p14="http://schemas.microsoft.com/office/powerpoint/2010/main" val="73995833"/>
+        <p14:creationId xmlns:p14="http://schemas.microsoft.com/office/powerpoint/2010/main" xmlns="" val="73995833"/>
       </p:ext>
     </p:extLst>
   </p:cSld>
@@ -1610,7 +1627,8 @@
           <a:p>
             <a:fld id="{86493750-F22B-4E7D-BCCE-8D9C8E191F2D}" type="datetimeFigureOut">
               <a:rPr lang="en-GB" smtClean="0"/>
-              <a:t>16/04/2015</a:t>
+              <a:pPr/>
+              <a:t>20/04/2015</a:t>
             </a:fld>
             <a:endParaRPr lang="en-GB"/>
           </a:p>
@@ -1652,6 +1670,7 @@
           <a:p>
             <a:fld id="{78F0BDE1-EB65-47D1-8AB5-509AA27E389E}" type="slidenum">
               <a:rPr lang="en-GB" smtClean="0"/>
+              <a:pPr/>
               <a:t>‹#›</a:t>
             </a:fld>
             <a:endParaRPr lang="en-GB"/>
@@ -1661,7 +1680,7 @@
     </p:spTree>
     <p:extLst>
       <p:ext uri="{BB962C8B-B14F-4D97-AF65-F5344CB8AC3E}">
-        <p14:creationId xmlns:p14="http://schemas.microsoft.com/office/powerpoint/2010/main" val="4212562317"/>
+        <p14:creationId xmlns:p14="http://schemas.microsoft.com/office/powerpoint/2010/main" xmlns="" val="4212562317"/>
       </p:ext>
     </p:extLst>
   </p:cSld>
@@ -1728,7 +1747,8 @@
           <a:p>
             <a:fld id="{86493750-F22B-4E7D-BCCE-8D9C8E191F2D}" type="datetimeFigureOut">
               <a:rPr lang="en-GB" smtClean="0"/>
-              <a:t>16/04/2015</a:t>
+              <a:pPr/>
+              <a:t>20/04/2015</a:t>
             </a:fld>
             <a:endParaRPr lang="en-GB"/>
           </a:p>
@@ -1770,6 +1790,7 @@
           <a:p>
             <a:fld id="{78F0BDE1-EB65-47D1-8AB5-509AA27E389E}" type="slidenum">
               <a:rPr lang="en-GB" smtClean="0"/>
+              <a:pPr/>
               <a:t>‹#›</a:t>
             </a:fld>
             <a:endParaRPr lang="en-GB"/>
@@ -1779,7 +1800,7 @@
     </p:spTree>
     <p:extLst>
       <p:ext uri="{BB962C8B-B14F-4D97-AF65-F5344CB8AC3E}">
-        <p14:creationId xmlns:p14="http://schemas.microsoft.com/office/powerpoint/2010/main" val="268999207"/>
+        <p14:creationId xmlns:p14="http://schemas.microsoft.com/office/powerpoint/2010/main" xmlns="" val="268999207"/>
       </p:ext>
     </p:extLst>
   </p:cSld>
@@ -1823,7 +1844,8 @@
           <a:p>
             <a:fld id="{86493750-F22B-4E7D-BCCE-8D9C8E191F2D}" type="datetimeFigureOut">
               <a:rPr lang="en-GB" smtClean="0"/>
-              <a:t>16/04/2015</a:t>
+              <a:pPr/>
+              <a:t>20/04/2015</a:t>
             </a:fld>
             <a:endParaRPr lang="en-GB"/>
           </a:p>
@@ -1865,6 +1887,7 @@
           <a:p>
             <a:fld id="{78F0BDE1-EB65-47D1-8AB5-509AA27E389E}" type="slidenum">
               <a:rPr lang="en-GB" smtClean="0"/>
+              <a:pPr/>
               <a:t>‹#›</a:t>
             </a:fld>
             <a:endParaRPr lang="en-GB"/>
@@ -1874,7 +1897,7 @@
     </p:spTree>
     <p:extLst>
       <p:ext uri="{BB962C8B-B14F-4D97-AF65-F5344CB8AC3E}">
-        <p14:creationId xmlns:p14="http://schemas.microsoft.com/office/powerpoint/2010/main" val="1253232629"/>
+        <p14:creationId xmlns:p14="http://schemas.microsoft.com/office/powerpoint/2010/main" xmlns="" val="1253232629"/>
       </p:ext>
     </p:extLst>
   </p:cSld>
@@ -2100,7 +2123,8 @@
           <a:p>
             <a:fld id="{86493750-F22B-4E7D-BCCE-8D9C8E191F2D}" type="datetimeFigureOut">
               <a:rPr lang="en-GB" smtClean="0"/>
-              <a:t>16/04/2015</a:t>
+              <a:pPr/>
+              <a:t>20/04/2015</a:t>
             </a:fld>
             <a:endParaRPr lang="en-GB"/>
           </a:p>
@@ -2142,6 +2166,7 @@
           <a:p>
             <a:fld id="{78F0BDE1-EB65-47D1-8AB5-509AA27E389E}" type="slidenum">
               <a:rPr lang="en-GB" smtClean="0"/>
+              <a:pPr/>
               <a:t>‹#›</a:t>
             </a:fld>
             <a:endParaRPr lang="en-GB"/>
@@ -2151,7 +2176,7 @@
     </p:spTree>
     <p:extLst>
       <p:ext uri="{BB962C8B-B14F-4D97-AF65-F5344CB8AC3E}">
-        <p14:creationId xmlns:p14="http://schemas.microsoft.com/office/powerpoint/2010/main" val="1566747817"/>
+        <p14:creationId xmlns:p14="http://schemas.microsoft.com/office/powerpoint/2010/main" xmlns="" val="1566747817"/>
       </p:ext>
     </p:extLst>
   </p:cSld>
@@ -2353,7 +2378,8 @@
           <a:p>
             <a:fld id="{86493750-F22B-4E7D-BCCE-8D9C8E191F2D}" type="datetimeFigureOut">
               <a:rPr lang="en-GB" smtClean="0"/>
-              <a:t>16/04/2015</a:t>
+              <a:pPr/>
+              <a:t>20/04/2015</a:t>
             </a:fld>
             <a:endParaRPr lang="en-GB"/>
           </a:p>
@@ -2395,6 +2421,7 @@
           <a:p>
             <a:fld id="{78F0BDE1-EB65-47D1-8AB5-509AA27E389E}" type="slidenum">
               <a:rPr lang="en-GB" smtClean="0"/>
+              <a:pPr/>
               <a:t>‹#›</a:t>
             </a:fld>
             <a:endParaRPr lang="en-GB"/>
@@ -2404,7 +2431,7 @@
     </p:spTree>
     <p:extLst>
       <p:ext uri="{BB962C8B-B14F-4D97-AF65-F5344CB8AC3E}">
-        <p14:creationId xmlns:p14="http://schemas.microsoft.com/office/powerpoint/2010/main" val="2197038133"/>
+        <p14:creationId xmlns:p14="http://schemas.microsoft.com/office/powerpoint/2010/main" xmlns="" val="2197038133"/>
       </p:ext>
     </p:extLst>
   </p:cSld>
@@ -2566,7 +2593,8 @@
           <a:p>
             <a:fld id="{86493750-F22B-4E7D-BCCE-8D9C8E191F2D}" type="datetimeFigureOut">
               <a:rPr lang="en-GB" smtClean="0"/>
-              <a:t>16/04/2015</a:t>
+              <a:pPr/>
+              <a:t>20/04/2015</a:t>
             </a:fld>
             <a:endParaRPr lang="en-GB"/>
           </a:p>
@@ -2644,6 +2672,7 @@
           <a:p>
             <a:fld id="{78F0BDE1-EB65-47D1-8AB5-509AA27E389E}" type="slidenum">
               <a:rPr lang="en-GB" smtClean="0"/>
+              <a:pPr/>
               <a:t>‹#›</a:t>
             </a:fld>
             <a:endParaRPr lang="en-GB"/>
@@ -2653,7 +2682,7 @@
     </p:spTree>
     <p:extLst>
       <p:ext uri="{BB962C8B-B14F-4D97-AF65-F5344CB8AC3E}">
-        <p14:creationId xmlns:p14="http://schemas.microsoft.com/office/powerpoint/2010/main" val="2454303294"/>
+        <p14:creationId xmlns:p14="http://schemas.microsoft.com/office/powerpoint/2010/main" xmlns="" val="2454303294"/>
       </p:ext>
     </p:extLst>
   </p:cSld>
@@ -3020,7 +3049,474 @@
     </p:spTree>
     <p:extLst>
       <p:ext uri="{BB962C8B-B14F-4D97-AF65-F5344CB8AC3E}">
-        <p14:creationId xmlns:p14="http://schemas.microsoft.com/office/powerpoint/2010/main" val="1185252511"/>
+        <p14:creationId xmlns:p14="http://schemas.microsoft.com/office/powerpoint/2010/main" xmlns="" val="1185252511"/>
+      </p:ext>
+    </p:extLst>
+  </p:cSld>
+  <p:clrMapOvr>
+    <a:masterClrMapping/>
+  </p:clrMapOvr>
+</p:sld>
+</file>
+
+<file path=ppt/slides/slide10.xml><?xml version="1.0" encoding="utf-8"?>
+<p:sld xmlns:a="http://schemas.openxmlformats.org/drawingml/2006/main" xmlns:r="http://schemas.openxmlformats.org/officeDocument/2006/relationships" xmlns:p="http://schemas.openxmlformats.org/presentationml/2006/main">
+  <p:cSld>
+    <p:spTree>
+      <p:nvGrpSpPr>
+        <p:cNvPr id="1" name=""/>
+        <p:cNvGrpSpPr/>
+        <p:nvPr/>
+      </p:nvGrpSpPr>
+      <p:grpSpPr>
+        <a:xfrm>
+          <a:off x="0" y="0"/>
+          <a:ext cx="0" cy="0"/>
+          <a:chOff x="0" y="0"/>
+          <a:chExt cx="0" cy="0"/>
+        </a:xfrm>
+      </p:grpSpPr>
+      <p:sp>
+        <p:nvSpPr>
+          <p:cNvPr id="2" name="Title 1"/>
+          <p:cNvSpPr>
+            <a:spLocks noGrp="1"/>
+          </p:cNvSpPr>
+          <p:nvPr>
+            <p:ph type="title"/>
+          </p:nvPr>
+        </p:nvSpPr>
+        <p:spPr/>
+        <p:txBody>
+          <a:bodyPr/>
+          <a:lstStyle/>
+          <a:p>
+            <a:r>
+              <a:rPr lang="en-GB" dirty="0" smtClean="0"/>
+              <a:t>Methods</a:t>
+            </a:r>
+            <a:endParaRPr lang="en-GB" dirty="0"/>
+          </a:p>
+        </p:txBody>
+      </p:sp>
+      <p:sp>
+        <p:nvSpPr>
+          <p:cNvPr id="3" name="Content Placeholder 2"/>
+          <p:cNvSpPr>
+            <a:spLocks noGrp="1"/>
+          </p:cNvSpPr>
+          <p:nvPr>
+            <p:ph idx="1"/>
+          </p:nvPr>
+        </p:nvSpPr>
+        <p:spPr/>
+        <p:txBody>
+          <a:bodyPr/>
+          <a:lstStyle/>
+          <a:p>
+            <a:r>
+              <a:rPr lang="en-GB" dirty="0" smtClean="0"/>
+              <a:t>Method has a access modifier, return type, name and arguments</a:t>
+            </a:r>
+          </a:p>
+          <a:p>
+            <a:pPr>
+              <a:buNone/>
+            </a:pPr>
+            <a:r>
+              <a:rPr lang="en-GB" dirty="0" smtClean="0"/>
+              <a:t>e.g. public </a:t>
+            </a:r>
+            <a:r>
+              <a:rPr lang="en-GB" dirty="0" err="1" smtClean="0"/>
+              <a:t>int</a:t>
+            </a:r>
+            <a:r>
+              <a:rPr lang="en-GB" dirty="0" smtClean="0"/>
+              <a:t> Add (</a:t>
+            </a:r>
+            <a:r>
+              <a:rPr lang="en-GB" dirty="0" err="1" smtClean="0"/>
+              <a:t>int</a:t>
+            </a:r>
+            <a:r>
+              <a:rPr lang="en-GB" dirty="0" smtClean="0"/>
+              <a:t> a, </a:t>
+            </a:r>
+            <a:r>
+              <a:rPr lang="en-GB" dirty="0" err="1" smtClean="0"/>
+              <a:t>int</a:t>
+            </a:r>
+            <a:r>
+              <a:rPr lang="en-GB" dirty="0" smtClean="0"/>
+              <a:t> b)</a:t>
+            </a:r>
+          </a:p>
+          <a:p>
+            <a:r>
+              <a:rPr lang="en-GB" dirty="0" smtClean="0"/>
+              <a:t>Access modifiers:</a:t>
+            </a:r>
+          </a:p>
+          <a:p>
+            <a:r>
+              <a:rPr lang="en-GB" dirty="0" smtClean="0"/>
+              <a:t>private - accessible in the class/</a:t>
+            </a:r>
+            <a:r>
+              <a:rPr lang="en-GB" dirty="0" err="1" smtClean="0"/>
+              <a:t>struct</a:t>
+            </a:r>
+            <a:r>
+              <a:rPr lang="en-GB" dirty="0" smtClean="0"/>
+              <a:t> only </a:t>
+            </a:r>
+          </a:p>
+          <a:p>
+            <a:r>
+              <a:rPr lang="en-GB" dirty="0" smtClean="0"/>
+              <a:t>protected – accessible in the class/</a:t>
+            </a:r>
+            <a:r>
+              <a:rPr lang="en-GB" dirty="0" err="1" smtClean="0"/>
+              <a:t>struct</a:t>
+            </a:r>
+            <a:r>
+              <a:rPr lang="en-GB" dirty="0" smtClean="0"/>
+              <a:t> and any derived classes</a:t>
+            </a:r>
+          </a:p>
+          <a:p>
+            <a:r>
+              <a:rPr lang="en-GB" dirty="0" smtClean="0"/>
+              <a:t>Internal – accessible anywhere within the assembly</a:t>
+            </a:r>
+          </a:p>
+          <a:p>
+            <a:r>
+              <a:rPr lang="en-GB" dirty="0" smtClean="0"/>
+              <a:t>Public – accessible anywhere within the assembly and any other assemblies referencing the assembly.</a:t>
+            </a:r>
+            <a:endParaRPr lang="en-GB" dirty="0"/>
+          </a:p>
+        </p:txBody>
+      </p:sp>
+    </p:spTree>
+    <p:extLst>
+      <p:ext uri="{BB962C8B-B14F-4D97-AF65-F5344CB8AC3E}">
+        <p14:creationId xmlns:p14="http://schemas.microsoft.com/office/powerpoint/2010/main" xmlns="" val="3132902260"/>
+      </p:ext>
+    </p:extLst>
+  </p:cSld>
+  <p:clrMapOvr>
+    <a:masterClrMapping/>
+  </p:clrMapOvr>
+</p:sld>
+</file>
+
+<file path=ppt/slides/slide11.xml><?xml version="1.0" encoding="utf-8"?>
+<p:sld xmlns:a="http://schemas.openxmlformats.org/drawingml/2006/main" xmlns:r="http://schemas.openxmlformats.org/officeDocument/2006/relationships" xmlns:p="http://schemas.openxmlformats.org/presentationml/2006/main">
+  <p:cSld>
+    <p:spTree>
+      <p:nvGrpSpPr>
+        <p:cNvPr id="1" name=""/>
+        <p:cNvGrpSpPr/>
+        <p:nvPr/>
+      </p:nvGrpSpPr>
+      <p:grpSpPr>
+        <a:xfrm>
+          <a:off x="0" y="0"/>
+          <a:ext cx="0" cy="0"/>
+          <a:chOff x="0" y="0"/>
+          <a:chExt cx="0" cy="0"/>
+        </a:xfrm>
+      </p:grpSpPr>
+      <p:sp>
+        <p:nvSpPr>
+          <p:cNvPr id="2" name="Title 1"/>
+          <p:cNvSpPr>
+            <a:spLocks noGrp="1"/>
+          </p:cNvSpPr>
+          <p:nvPr>
+            <p:ph type="title"/>
+          </p:nvPr>
+        </p:nvSpPr>
+        <p:spPr/>
+        <p:txBody>
+          <a:bodyPr/>
+          <a:lstStyle/>
+          <a:p>
+            <a:r>
+              <a:rPr lang="en-GB" dirty="0" smtClean="0"/>
+              <a:t>Methods – ref parameters</a:t>
+            </a:r>
+            <a:endParaRPr lang="en-GB" dirty="0"/>
+          </a:p>
+        </p:txBody>
+      </p:sp>
+      <p:sp>
+        <p:nvSpPr>
+          <p:cNvPr id="3" name="Content Placeholder 2"/>
+          <p:cNvSpPr>
+            <a:spLocks noGrp="1"/>
+          </p:cNvSpPr>
+          <p:nvPr>
+            <p:ph idx="1"/>
+          </p:nvPr>
+        </p:nvSpPr>
+        <p:spPr/>
+        <p:txBody>
+          <a:bodyPr/>
+          <a:lstStyle/>
+          <a:p>
+            <a:r>
+              <a:rPr lang="en-GB" dirty="0" smtClean="0"/>
+              <a:t>Normally an argument passed into a method remains unchanged</a:t>
+            </a:r>
+          </a:p>
+          <a:p>
+            <a:r>
+              <a:rPr lang="en-GB" dirty="0" smtClean="0"/>
+              <a:t>A ref keyword allows you to change the value of the argument – the argument is passed by reference rather than by value</a:t>
+            </a:r>
+          </a:p>
+          <a:p>
+            <a:r>
+              <a:rPr lang="en-GB" dirty="0" smtClean="0"/>
+              <a:t>Tends not to be used much as can become an unpredictable and difficult to understand side effect.  </a:t>
+            </a:r>
+          </a:p>
+          <a:p>
+            <a:pPr>
+              <a:buNone/>
+            </a:pPr>
+            <a:endParaRPr lang="en-GB" dirty="0" smtClean="0"/>
+          </a:p>
+        </p:txBody>
+      </p:sp>
+    </p:spTree>
+    <p:extLst>
+      <p:ext uri="{BB962C8B-B14F-4D97-AF65-F5344CB8AC3E}">
+        <p14:creationId xmlns:p14="http://schemas.microsoft.com/office/powerpoint/2010/main" xmlns="" val="3132902260"/>
+      </p:ext>
+    </p:extLst>
+  </p:cSld>
+  <p:clrMapOvr>
+    <a:masterClrMapping/>
+  </p:clrMapOvr>
+</p:sld>
+</file>
+
+<file path=ppt/slides/slide12.xml><?xml version="1.0" encoding="utf-8"?>
+<p:sld xmlns:a="http://schemas.openxmlformats.org/drawingml/2006/main" xmlns:r="http://schemas.openxmlformats.org/officeDocument/2006/relationships" xmlns:p="http://schemas.openxmlformats.org/presentationml/2006/main">
+  <p:cSld>
+    <p:spTree>
+      <p:nvGrpSpPr>
+        <p:cNvPr id="1" name=""/>
+        <p:cNvGrpSpPr/>
+        <p:nvPr/>
+      </p:nvGrpSpPr>
+      <p:grpSpPr>
+        <a:xfrm>
+          <a:off x="0" y="0"/>
+          <a:ext cx="0" cy="0"/>
+          <a:chOff x="0" y="0"/>
+          <a:chExt cx="0" cy="0"/>
+        </a:xfrm>
+      </p:grpSpPr>
+      <p:sp>
+        <p:nvSpPr>
+          <p:cNvPr id="2" name="Title 1"/>
+          <p:cNvSpPr>
+            <a:spLocks noGrp="1"/>
+          </p:cNvSpPr>
+          <p:nvPr>
+            <p:ph type="title"/>
+          </p:nvPr>
+        </p:nvSpPr>
+        <p:spPr/>
+        <p:txBody>
+          <a:bodyPr/>
+          <a:lstStyle/>
+          <a:p>
+            <a:r>
+              <a:rPr lang="en-GB" dirty="0" smtClean="0"/>
+              <a:t>Methods – out parameters</a:t>
+            </a:r>
+            <a:endParaRPr lang="en-GB" dirty="0"/>
+          </a:p>
+        </p:txBody>
+      </p:sp>
+      <p:sp>
+        <p:nvSpPr>
+          <p:cNvPr id="3" name="Content Placeholder 2"/>
+          <p:cNvSpPr>
+            <a:spLocks noGrp="1"/>
+          </p:cNvSpPr>
+          <p:nvPr>
+            <p:ph idx="1"/>
+          </p:nvPr>
+        </p:nvSpPr>
+        <p:spPr/>
+        <p:txBody>
+          <a:bodyPr/>
+          <a:lstStyle/>
+          <a:p>
+            <a:r>
+              <a:rPr lang="en-GB" dirty="0" smtClean="0"/>
+              <a:t>Normally a method will return a single result, but sometimes you may want it to return something else</a:t>
+            </a:r>
+          </a:p>
+          <a:p>
+            <a:r>
+              <a:rPr lang="en-GB" dirty="0" smtClean="0"/>
+              <a:t>Out keyword lets you define an argument which will get set within the method, but is not its return value</a:t>
+            </a:r>
+          </a:p>
+          <a:p>
+            <a:r>
+              <a:rPr lang="en-GB" dirty="0" smtClean="0"/>
+              <a:t>Tends not to be used much any more as it suggests more the method has more than one responsibility</a:t>
+            </a:r>
+          </a:p>
+          <a:p>
+            <a:pPr>
+              <a:buNone/>
+            </a:pPr>
+            <a:endParaRPr lang="en-GB" dirty="0" smtClean="0"/>
+          </a:p>
+          <a:p>
+            <a:pPr>
+              <a:buNone/>
+            </a:pPr>
+            <a:r>
+              <a:rPr lang="en-GB" dirty="0" smtClean="0"/>
+              <a:t>public static </a:t>
+            </a:r>
+            <a:r>
+              <a:rPr lang="en-GB" dirty="0" err="1" smtClean="0"/>
+              <a:t>bool</a:t>
+            </a:r>
+            <a:r>
+              <a:rPr lang="en-GB" dirty="0" smtClean="0"/>
+              <a:t> </a:t>
+            </a:r>
+            <a:r>
+              <a:rPr lang="en-GB" dirty="0" err="1" smtClean="0"/>
+              <a:t>TryParse</a:t>
+            </a:r>
+            <a:r>
+              <a:rPr lang="en-GB" dirty="0" smtClean="0"/>
+              <a:t>( string s, out </a:t>
+            </a:r>
+            <a:r>
+              <a:rPr lang="en-GB" dirty="0" err="1" smtClean="0"/>
+              <a:t>int</a:t>
+            </a:r>
+            <a:r>
+              <a:rPr lang="en-GB" dirty="0" smtClean="0"/>
+              <a:t> result )</a:t>
+            </a:r>
+          </a:p>
+          <a:p>
+            <a:pPr>
+              <a:buNone/>
+            </a:pPr>
+            <a:endParaRPr lang="en-GB" dirty="0" smtClean="0"/>
+          </a:p>
+        </p:txBody>
+      </p:sp>
+    </p:spTree>
+    <p:extLst>
+      <p:ext uri="{BB962C8B-B14F-4D97-AF65-F5344CB8AC3E}">
+        <p14:creationId xmlns:p14="http://schemas.microsoft.com/office/powerpoint/2010/main" xmlns="" val="3132902260"/>
+      </p:ext>
+    </p:extLst>
+  </p:cSld>
+  <p:clrMapOvr>
+    <a:masterClrMapping/>
+  </p:clrMapOvr>
+</p:sld>
+</file>
+
+<file path=ppt/slides/slide13.xml><?xml version="1.0" encoding="utf-8"?>
+<p:sld xmlns:a="http://schemas.openxmlformats.org/drawingml/2006/main" xmlns:r="http://schemas.openxmlformats.org/officeDocument/2006/relationships" xmlns:p="http://schemas.openxmlformats.org/presentationml/2006/main">
+  <p:cSld>
+    <p:spTree>
+      <p:nvGrpSpPr>
+        <p:cNvPr id="1" name=""/>
+        <p:cNvGrpSpPr/>
+        <p:nvPr/>
+      </p:nvGrpSpPr>
+      <p:grpSpPr>
+        <a:xfrm>
+          <a:off x="0" y="0"/>
+          <a:ext cx="0" cy="0"/>
+          <a:chOff x="0" y="0"/>
+          <a:chExt cx="0" cy="0"/>
+        </a:xfrm>
+      </p:grpSpPr>
+      <p:sp>
+        <p:nvSpPr>
+          <p:cNvPr id="2" name="Title 1"/>
+          <p:cNvSpPr>
+            <a:spLocks noGrp="1"/>
+          </p:cNvSpPr>
+          <p:nvPr>
+            <p:ph type="title"/>
+          </p:nvPr>
+        </p:nvSpPr>
+        <p:spPr/>
+        <p:txBody>
+          <a:bodyPr/>
+          <a:lstStyle/>
+          <a:p>
+            <a:r>
+              <a:rPr lang="en-GB" dirty="0" smtClean="0"/>
+              <a:t>Methods – </a:t>
+            </a:r>
+            <a:r>
+              <a:rPr lang="en-GB" dirty="0" err="1" smtClean="0"/>
+              <a:t>params</a:t>
+            </a:r>
+            <a:r>
+              <a:rPr lang="en-GB" dirty="0" smtClean="0"/>
+              <a:t> keyword</a:t>
+            </a:r>
+            <a:endParaRPr lang="en-GB" dirty="0"/>
+          </a:p>
+        </p:txBody>
+      </p:sp>
+      <p:sp>
+        <p:nvSpPr>
+          <p:cNvPr id="3" name="Content Placeholder 2"/>
+          <p:cNvSpPr>
+            <a:spLocks noGrp="1"/>
+          </p:cNvSpPr>
+          <p:nvPr>
+            <p:ph idx="1"/>
+          </p:nvPr>
+        </p:nvSpPr>
+        <p:spPr/>
+        <p:txBody>
+          <a:bodyPr/>
+          <a:lstStyle/>
+          <a:p>
+            <a:r>
+              <a:rPr lang="en-GB" dirty="0" err="1" smtClean="0"/>
+              <a:t>Params</a:t>
+            </a:r>
+            <a:r>
+              <a:rPr lang="en-GB" dirty="0" smtClean="0"/>
+              <a:t> allows a variable number of parameters to be passed into a method</a:t>
+            </a:r>
+          </a:p>
+        </p:txBody>
+      </p:sp>
+    </p:spTree>
+    <p:extLst>
+      <p:ext uri="{BB962C8B-B14F-4D97-AF65-F5344CB8AC3E}">
+        <p14:creationId xmlns:p14="http://schemas.microsoft.com/office/powerpoint/2010/main" xmlns="" val="3132902260"/>
       </p:ext>
     </p:extLst>
   </p:cSld>
@@ -3165,7 +3661,7 @@
     </p:spTree>
     <p:extLst>
       <p:ext uri="{BB962C8B-B14F-4D97-AF65-F5344CB8AC3E}">
-        <p14:creationId xmlns:p14="http://schemas.microsoft.com/office/powerpoint/2010/main" val="35582945"/>
+        <p14:creationId xmlns:p14="http://schemas.microsoft.com/office/powerpoint/2010/main" xmlns="" val="35582945"/>
       </p:ext>
     </p:extLst>
   </p:cSld>
@@ -3338,7 +3834,7 @@
     </p:spTree>
     <p:extLst>
       <p:ext uri="{BB962C8B-B14F-4D97-AF65-F5344CB8AC3E}">
-        <p14:creationId xmlns:p14="http://schemas.microsoft.com/office/powerpoint/2010/main" val="2154589627"/>
+        <p14:creationId xmlns:p14="http://schemas.microsoft.com/office/powerpoint/2010/main" xmlns="" val="2154589627"/>
       </p:ext>
     </p:extLst>
   </p:cSld>
@@ -3484,7 +3980,7 @@
           <p:nvPr/>
         </p:nvPicPr>
         <p:blipFill>
-          <a:blip r:embed="rId2"/>
+          <a:blip r:embed="rId2" cstate="print"/>
           <a:stretch>
             <a:fillRect/>
           </a:stretch>
@@ -3502,7 +3998,7 @@
     </p:spTree>
     <p:extLst>
       <p:ext uri="{BB962C8B-B14F-4D97-AF65-F5344CB8AC3E}">
-        <p14:creationId xmlns:p14="http://schemas.microsoft.com/office/powerpoint/2010/main" val="4232262784"/>
+        <p14:creationId xmlns:p14="http://schemas.microsoft.com/office/powerpoint/2010/main" xmlns="" val="4232262784"/>
       </p:ext>
     </p:extLst>
   </p:cSld>
@@ -3619,7 +4115,7 @@
     </p:spTree>
     <p:extLst>
       <p:ext uri="{BB962C8B-B14F-4D97-AF65-F5344CB8AC3E}">
-        <p14:creationId xmlns:p14="http://schemas.microsoft.com/office/powerpoint/2010/main" val="3488989693"/>
+        <p14:creationId xmlns:p14="http://schemas.microsoft.com/office/powerpoint/2010/main" xmlns="" val="3488989693"/>
       </p:ext>
     </p:extLst>
   </p:cSld>
@@ -3679,24 +4175,24 @@
             <p:ph idx="1"/>
             <p:extLst>
               <p:ext uri="{D42A27DB-BD31-4B8C-83A1-F6EECF244321}">
-                <p14:modId xmlns:p14="http://schemas.microsoft.com/office/powerpoint/2010/main" val="3856182305"/>
+                <p14:modId xmlns:p14="http://schemas.microsoft.com/office/powerpoint/2010/main" xmlns="" val="3856182305"/>
               </p:ext>
             </p:extLst>
           </p:nvPr>
         </p:nvGraphicFramePr>
         <p:xfrm>
-          <a:off x="838200" y="1378041"/>
-          <a:ext cx="5753100" cy="5022759"/>
+          <a:off x="743919" y="1378041"/>
+          <a:ext cx="10476854" cy="4841234"/>
         </p:xfrm>
         <a:graphic>
           <a:graphicData uri="http://schemas.openxmlformats.org/drawingml/2006/table">
             <a:tbl>
               <a:tblPr/>
               <a:tblGrid>
-                <a:gridCol w="648774"/>
-                <a:gridCol w="1908159"/>
-                <a:gridCol w="2528311"/>
-                <a:gridCol w="667856"/>
+                <a:gridCol w="1265119"/>
+                <a:gridCol w="3880318"/>
+                <a:gridCol w="4126143"/>
+                <a:gridCol w="1205274"/>
               </a:tblGrid>
               <a:tr h="348518">
                 <a:tc>
@@ -3706,7 +4202,7 @@
                     <a:p>
                       <a:pPr algn="l" fontAlgn="t"/>
                       <a:r>
-                        <a:rPr lang="en-GB" sz="700" dirty="0">
+                        <a:rPr lang="en-GB" sz="1200" dirty="0">
                           <a:effectLst/>
                         </a:rPr>
                         <a:t>Type</a:t>
@@ -3762,7 +4258,7 @@
                     <a:p>
                       <a:pPr algn="l" fontAlgn="t"/>
                       <a:r>
-                        <a:rPr lang="en-GB" sz="700">
+                        <a:rPr lang="en-GB" sz="1200">
                           <a:effectLst/>
                         </a:rPr>
                         <a:t>Represents</a:t>
@@ -3818,7 +4314,7 @@
                     <a:p>
                       <a:pPr algn="l" fontAlgn="t"/>
                       <a:r>
-                        <a:rPr lang="en-GB" sz="700">
+                        <a:rPr lang="en-GB" sz="1200">
                           <a:effectLst/>
                         </a:rPr>
                         <a:t>Range</a:t>
@@ -3874,7 +4370,7 @@
                     <a:p>
                       <a:pPr algn="l" fontAlgn="t"/>
                       <a:r>
-                        <a:rPr lang="en-GB" sz="700">
+                        <a:rPr lang="en-GB" sz="1200">
                           <a:effectLst/>
                         </a:rPr>
                         <a:t>Default Value</a:t>
@@ -3924,7 +4420,7 @@
                   </a:tcPr>
                 </a:tc>
               </a:tr>
-              <a:tr h="348518">
+              <a:tr h="288027">
                 <a:tc>
                   <a:txBody>
                     <a:bodyPr/>
@@ -3932,11 +4428,14 @@
                     <a:p>
                       <a:pPr fontAlgn="t"/>
                       <a:r>
-                        <a:rPr lang="en-GB" sz="700">
+                        <a:rPr lang="en-GB" sz="1200" dirty="0" err="1">
                           <a:effectLst/>
                         </a:rPr>
                         <a:t>bool</a:t>
                       </a:r>
+                      <a:endParaRPr lang="en-GB" sz="1200" dirty="0">
+                        <a:effectLst/>
+                      </a:endParaRPr>
                     </a:p>
                   </a:txBody>
                   <a:tcPr marL="76200" marR="76200" marT="76200" marB="76200">
@@ -3985,7 +4484,7 @@
                     <a:p>
                       <a:pPr fontAlgn="t"/>
                       <a:r>
-                        <a:rPr lang="en-GB" sz="700">
+                        <a:rPr lang="en-GB" sz="1200">
                           <a:effectLst/>
                         </a:rPr>
                         <a:t>Boolean value</a:t>
@@ -4038,7 +4537,7 @@
                     <a:p>
                       <a:pPr fontAlgn="t"/>
                       <a:r>
-                        <a:rPr lang="en-GB" sz="700">
+                        <a:rPr lang="en-GB" sz="1200">
                           <a:effectLst/>
                         </a:rPr>
                         <a:t>True or False</a:t>
@@ -4091,10 +4590,685 @@
                     <a:p>
                       <a:pPr fontAlgn="t"/>
                       <a:r>
-                        <a:rPr lang="en-GB" sz="700">
+                        <a:rPr lang="en-GB" sz="1200">
                           <a:effectLst/>
                         </a:rPr>
                         <a:t>False</a:t>
+                      </a:r>
+                    </a:p>
+                  </a:txBody>
+                  <a:tcPr marL="76200" marR="76200" marT="76200" marB="76200">
+                    <a:lnL w="9525" cap="flat" cmpd="sng" algn="ctr">
+                      <a:solidFill>
+                        <a:srgbClr val="DDDDDD"/>
+                      </a:solidFill>
+                      <a:prstDash val="solid"/>
+                      <a:round/>
+                      <a:headEnd type="none" w="med" len="med"/>
+                      <a:tailEnd type="none" w="med" len="med"/>
+                    </a:lnL>
+                    <a:lnR w="9525" cap="flat" cmpd="sng" algn="ctr">
+                      <a:solidFill>
+                        <a:srgbClr val="DDDDDD"/>
+                      </a:solidFill>
+                      <a:prstDash val="solid"/>
+                      <a:round/>
+                      <a:headEnd type="none" w="med" len="med"/>
+                      <a:tailEnd type="none" w="med" len="med"/>
+                    </a:lnR>
+                    <a:lnT w="9525" cap="flat" cmpd="sng" algn="ctr">
+                      <a:solidFill>
+                        <a:srgbClr val="DDDDDD"/>
+                      </a:solidFill>
+                      <a:prstDash val="solid"/>
+                      <a:round/>
+                      <a:headEnd type="none" w="med" len="med"/>
+                      <a:tailEnd type="none" w="med" len="med"/>
+                    </a:lnT>
+                    <a:lnB w="9525" cap="flat" cmpd="sng" algn="ctr">
+                      <a:solidFill>
+                        <a:srgbClr val="DDDDDD"/>
+                      </a:solidFill>
+                      <a:prstDash val="solid"/>
+                      <a:round/>
+                      <a:headEnd type="none" w="med" len="med"/>
+                      <a:tailEnd type="none" w="med" len="med"/>
+                    </a:lnB>
+                  </a:tcPr>
+                </a:tc>
+              </a:tr>
+              <a:tr h="277695">
+                <a:tc>
+                  <a:txBody>
+                    <a:bodyPr/>
+                    <a:lstStyle/>
+                    <a:p>
+                      <a:pPr fontAlgn="t"/>
+                      <a:r>
+                        <a:rPr lang="en-GB" sz="1200" dirty="0">
+                          <a:effectLst/>
+                        </a:rPr>
+                        <a:t>byte</a:t>
+                      </a:r>
+                    </a:p>
+                  </a:txBody>
+                  <a:tcPr marL="76200" marR="76200" marT="76200" marB="76200">
+                    <a:lnL w="9525" cap="flat" cmpd="sng" algn="ctr">
+                      <a:solidFill>
+                        <a:srgbClr val="DDDDDD"/>
+                      </a:solidFill>
+                      <a:prstDash val="solid"/>
+                      <a:round/>
+                      <a:headEnd type="none" w="med" len="med"/>
+                      <a:tailEnd type="none" w="med" len="med"/>
+                    </a:lnL>
+                    <a:lnR w="9525" cap="flat" cmpd="sng" algn="ctr">
+                      <a:solidFill>
+                        <a:srgbClr val="DDDDDD"/>
+                      </a:solidFill>
+                      <a:prstDash val="solid"/>
+                      <a:round/>
+                      <a:headEnd type="none" w="med" len="med"/>
+                      <a:tailEnd type="none" w="med" len="med"/>
+                    </a:lnR>
+                    <a:lnT w="9525" cap="flat" cmpd="sng" algn="ctr">
+                      <a:solidFill>
+                        <a:srgbClr val="DDDDDD"/>
+                      </a:solidFill>
+                      <a:prstDash val="solid"/>
+                      <a:round/>
+                      <a:headEnd type="none" w="med" len="med"/>
+                      <a:tailEnd type="none" w="med" len="med"/>
+                    </a:lnT>
+                    <a:lnB w="9525" cap="flat" cmpd="sng" algn="ctr">
+                      <a:solidFill>
+                        <a:srgbClr val="DDDDDD"/>
+                      </a:solidFill>
+                      <a:prstDash val="solid"/>
+                      <a:round/>
+                      <a:headEnd type="none" w="med" len="med"/>
+                      <a:tailEnd type="none" w="med" len="med"/>
+                    </a:lnB>
+                  </a:tcPr>
+                </a:tc>
+                <a:tc>
+                  <a:txBody>
+                    <a:bodyPr/>
+                    <a:lstStyle/>
+                    <a:p>
+                      <a:pPr fontAlgn="t"/>
+                      <a:r>
+                        <a:rPr lang="en-GB" sz="1200" dirty="0">
+                          <a:effectLst/>
+                        </a:rPr>
+                        <a:t>8-bit unsigned integer</a:t>
+                      </a:r>
+                    </a:p>
+                  </a:txBody>
+                  <a:tcPr marL="76200" marR="76200" marT="76200" marB="76200">
+                    <a:lnL w="9525" cap="flat" cmpd="sng" algn="ctr">
+                      <a:solidFill>
+                        <a:srgbClr val="DDDDDD"/>
+                      </a:solidFill>
+                      <a:prstDash val="solid"/>
+                      <a:round/>
+                      <a:headEnd type="none" w="med" len="med"/>
+                      <a:tailEnd type="none" w="med" len="med"/>
+                    </a:lnL>
+                    <a:lnR w="9525" cap="flat" cmpd="sng" algn="ctr">
+                      <a:solidFill>
+                        <a:srgbClr val="DDDDDD"/>
+                      </a:solidFill>
+                      <a:prstDash val="solid"/>
+                      <a:round/>
+                      <a:headEnd type="none" w="med" len="med"/>
+                      <a:tailEnd type="none" w="med" len="med"/>
+                    </a:lnR>
+                    <a:lnT w="9525" cap="flat" cmpd="sng" algn="ctr">
+                      <a:solidFill>
+                        <a:srgbClr val="DDDDDD"/>
+                      </a:solidFill>
+                      <a:prstDash val="solid"/>
+                      <a:round/>
+                      <a:headEnd type="none" w="med" len="med"/>
+                      <a:tailEnd type="none" w="med" len="med"/>
+                    </a:lnT>
+                    <a:lnB w="9525" cap="flat" cmpd="sng" algn="ctr">
+                      <a:solidFill>
+                        <a:srgbClr val="DDDDDD"/>
+                      </a:solidFill>
+                      <a:prstDash val="solid"/>
+                      <a:round/>
+                      <a:headEnd type="none" w="med" len="med"/>
+                      <a:tailEnd type="none" w="med" len="med"/>
+                    </a:lnB>
+                  </a:tcPr>
+                </a:tc>
+                <a:tc>
+                  <a:txBody>
+                    <a:bodyPr/>
+                    <a:lstStyle/>
+                    <a:p>
+                      <a:pPr fontAlgn="t"/>
+                      <a:r>
+                        <a:rPr lang="en-GB" sz="1200">
+                          <a:effectLst/>
+                        </a:rPr>
+                        <a:t>0 to 255</a:t>
+                      </a:r>
+                    </a:p>
+                  </a:txBody>
+                  <a:tcPr marL="76200" marR="76200" marT="76200" marB="76200">
+                    <a:lnL w="9525" cap="flat" cmpd="sng" algn="ctr">
+                      <a:solidFill>
+                        <a:srgbClr val="DDDDDD"/>
+                      </a:solidFill>
+                      <a:prstDash val="solid"/>
+                      <a:round/>
+                      <a:headEnd type="none" w="med" len="med"/>
+                      <a:tailEnd type="none" w="med" len="med"/>
+                    </a:lnL>
+                    <a:lnR w="9525" cap="flat" cmpd="sng" algn="ctr">
+                      <a:solidFill>
+                        <a:srgbClr val="DDDDDD"/>
+                      </a:solidFill>
+                      <a:prstDash val="solid"/>
+                      <a:round/>
+                      <a:headEnd type="none" w="med" len="med"/>
+                      <a:tailEnd type="none" w="med" len="med"/>
+                    </a:lnR>
+                    <a:lnT w="9525" cap="flat" cmpd="sng" algn="ctr">
+                      <a:solidFill>
+                        <a:srgbClr val="DDDDDD"/>
+                      </a:solidFill>
+                      <a:prstDash val="solid"/>
+                      <a:round/>
+                      <a:headEnd type="none" w="med" len="med"/>
+                      <a:tailEnd type="none" w="med" len="med"/>
+                    </a:lnT>
+                    <a:lnB w="9525" cap="flat" cmpd="sng" algn="ctr">
+                      <a:solidFill>
+                        <a:srgbClr val="DDDDDD"/>
+                      </a:solidFill>
+                      <a:prstDash val="solid"/>
+                      <a:round/>
+                      <a:headEnd type="none" w="med" len="med"/>
+                      <a:tailEnd type="none" w="med" len="med"/>
+                    </a:lnB>
+                  </a:tcPr>
+                </a:tc>
+                <a:tc>
+                  <a:txBody>
+                    <a:bodyPr/>
+                    <a:lstStyle/>
+                    <a:p>
+                      <a:pPr fontAlgn="t"/>
+                      <a:r>
+                        <a:rPr lang="en-GB" sz="1200">
+                          <a:effectLst/>
+                        </a:rPr>
+                        <a:t>0</a:t>
+                      </a:r>
+                    </a:p>
+                  </a:txBody>
+                  <a:tcPr marL="76200" marR="76200" marT="76200" marB="76200">
+                    <a:lnL w="9525" cap="flat" cmpd="sng" algn="ctr">
+                      <a:solidFill>
+                        <a:srgbClr val="DDDDDD"/>
+                      </a:solidFill>
+                      <a:prstDash val="solid"/>
+                      <a:round/>
+                      <a:headEnd type="none" w="med" len="med"/>
+                      <a:tailEnd type="none" w="med" len="med"/>
+                    </a:lnL>
+                    <a:lnR w="9525" cap="flat" cmpd="sng" algn="ctr">
+                      <a:solidFill>
+                        <a:srgbClr val="DDDDDD"/>
+                      </a:solidFill>
+                      <a:prstDash val="solid"/>
+                      <a:round/>
+                      <a:headEnd type="none" w="med" len="med"/>
+                      <a:tailEnd type="none" w="med" len="med"/>
+                    </a:lnR>
+                    <a:lnT w="9525" cap="flat" cmpd="sng" algn="ctr">
+                      <a:solidFill>
+                        <a:srgbClr val="DDDDDD"/>
+                      </a:solidFill>
+                      <a:prstDash val="solid"/>
+                      <a:round/>
+                      <a:headEnd type="none" w="med" len="med"/>
+                      <a:tailEnd type="none" w="med" len="med"/>
+                    </a:lnT>
+                    <a:lnB w="9525" cap="flat" cmpd="sng" algn="ctr">
+                      <a:solidFill>
+                        <a:srgbClr val="DDDDDD"/>
+                      </a:solidFill>
+                      <a:prstDash val="solid"/>
+                      <a:round/>
+                      <a:headEnd type="none" w="med" len="med"/>
+                      <a:tailEnd type="none" w="med" len="med"/>
+                    </a:lnB>
+                  </a:tcPr>
+                </a:tc>
+              </a:tr>
+              <a:tr h="282861">
+                <a:tc>
+                  <a:txBody>
+                    <a:bodyPr/>
+                    <a:lstStyle/>
+                    <a:p>
+                      <a:pPr fontAlgn="t"/>
+                      <a:r>
+                        <a:rPr lang="en-GB" sz="1200">
+                          <a:effectLst/>
+                        </a:rPr>
+                        <a:t>char</a:t>
+                      </a:r>
+                    </a:p>
+                  </a:txBody>
+                  <a:tcPr marL="76200" marR="76200" marT="76200" marB="76200">
+                    <a:lnL w="9525" cap="flat" cmpd="sng" algn="ctr">
+                      <a:solidFill>
+                        <a:srgbClr val="DDDDDD"/>
+                      </a:solidFill>
+                      <a:prstDash val="solid"/>
+                      <a:round/>
+                      <a:headEnd type="none" w="med" len="med"/>
+                      <a:tailEnd type="none" w="med" len="med"/>
+                    </a:lnL>
+                    <a:lnR w="9525" cap="flat" cmpd="sng" algn="ctr">
+                      <a:solidFill>
+                        <a:srgbClr val="DDDDDD"/>
+                      </a:solidFill>
+                      <a:prstDash val="solid"/>
+                      <a:round/>
+                      <a:headEnd type="none" w="med" len="med"/>
+                      <a:tailEnd type="none" w="med" len="med"/>
+                    </a:lnR>
+                    <a:lnT w="9525" cap="flat" cmpd="sng" algn="ctr">
+                      <a:solidFill>
+                        <a:srgbClr val="DDDDDD"/>
+                      </a:solidFill>
+                      <a:prstDash val="solid"/>
+                      <a:round/>
+                      <a:headEnd type="none" w="med" len="med"/>
+                      <a:tailEnd type="none" w="med" len="med"/>
+                    </a:lnT>
+                    <a:lnB w="9525" cap="flat" cmpd="sng" algn="ctr">
+                      <a:solidFill>
+                        <a:srgbClr val="DDDDDD"/>
+                      </a:solidFill>
+                      <a:prstDash val="solid"/>
+                      <a:round/>
+                      <a:headEnd type="none" w="med" len="med"/>
+                      <a:tailEnd type="none" w="med" len="med"/>
+                    </a:lnB>
+                  </a:tcPr>
+                </a:tc>
+                <a:tc>
+                  <a:txBody>
+                    <a:bodyPr/>
+                    <a:lstStyle/>
+                    <a:p>
+                      <a:pPr fontAlgn="t"/>
+                      <a:r>
+                        <a:rPr lang="en-GB" sz="1200" dirty="0">
+                          <a:effectLst/>
+                        </a:rPr>
+                        <a:t>16-bit Unicode character</a:t>
+                      </a:r>
+                    </a:p>
+                  </a:txBody>
+                  <a:tcPr marL="76200" marR="76200" marT="76200" marB="76200">
+                    <a:lnL w="9525" cap="flat" cmpd="sng" algn="ctr">
+                      <a:solidFill>
+                        <a:srgbClr val="DDDDDD"/>
+                      </a:solidFill>
+                      <a:prstDash val="solid"/>
+                      <a:round/>
+                      <a:headEnd type="none" w="med" len="med"/>
+                      <a:tailEnd type="none" w="med" len="med"/>
+                    </a:lnL>
+                    <a:lnR w="9525" cap="flat" cmpd="sng" algn="ctr">
+                      <a:solidFill>
+                        <a:srgbClr val="DDDDDD"/>
+                      </a:solidFill>
+                      <a:prstDash val="solid"/>
+                      <a:round/>
+                      <a:headEnd type="none" w="med" len="med"/>
+                      <a:tailEnd type="none" w="med" len="med"/>
+                    </a:lnR>
+                    <a:lnT w="9525" cap="flat" cmpd="sng" algn="ctr">
+                      <a:solidFill>
+                        <a:srgbClr val="DDDDDD"/>
+                      </a:solidFill>
+                      <a:prstDash val="solid"/>
+                      <a:round/>
+                      <a:headEnd type="none" w="med" len="med"/>
+                      <a:tailEnd type="none" w="med" len="med"/>
+                    </a:lnT>
+                    <a:lnB w="9525" cap="flat" cmpd="sng" algn="ctr">
+                      <a:solidFill>
+                        <a:srgbClr val="DDDDDD"/>
+                      </a:solidFill>
+                      <a:prstDash val="solid"/>
+                      <a:round/>
+                      <a:headEnd type="none" w="med" len="med"/>
+                      <a:tailEnd type="none" w="med" len="med"/>
+                    </a:lnB>
+                  </a:tcPr>
+                </a:tc>
+                <a:tc>
+                  <a:txBody>
+                    <a:bodyPr/>
+                    <a:lstStyle/>
+                    <a:p>
+                      <a:pPr fontAlgn="t"/>
+                      <a:r>
+                        <a:rPr lang="pl-PL" sz="1200">
+                          <a:effectLst/>
+                        </a:rPr>
+                        <a:t>U +0000 to U +ffff</a:t>
+                      </a:r>
+                    </a:p>
+                  </a:txBody>
+                  <a:tcPr marL="76200" marR="76200" marT="76200" marB="76200">
+                    <a:lnL w="9525" cap="flat" cmpd="sng" algn="ctr">
+                      <a:solidFill>
+                        <a:srgbClr val="DDDDDD"/>
+                      </a:solidFill>
+                      <a:prstDash val="solid"/>
+                      <a:round/>
+                      <a:headEnd type="none" w="med" len="med"/>
+                      <a:tailEnd type="none" w="med" len="med"/>
+                    </a:lnL>
+                    <a:lnR w="9525" cap="flat" cmpd="sng" algn="ctr">
+                      <a:solidFill>
+                        <a:srgbClr val="DDDDDD"/>
+                      </a:solidFill>
+                      <a:prstDash val="solid"/>
+                      <a:round/>
+                      <a:headEnd type="none" w="med" len="med"/>
+                      <a:tailEnd type="none" w="med" len="med"/>
+                    </a:lnR>
+                    <a:lnT w="9525" cap="flat" cmpd="sng" algn="ctr">
+                      <a:solidFill>
+                        <a:srgbClr val="DDDDDD"/>
+                      </a:solidFill>
+                      <a:prstDash val="solid"/>
+                      <a:round/>
+                      <a:headEnd type="none" w="med" len="med"/>
+                      <a:tailEnd type="none" w="med" len="med"/>
+                    </a:lnT>
+                    <a:lnB w="9525" cap="flat" cmpd="sng" algn="ctr">
+                      <a:solidFill>
+                        <a:srgbClr val="DDDDDD"/>
+                      </a:solidFill>
+                      <a:prstDash val="solid"/>
+                      <a:round/>
+                      <a:headEnd type="none" w="med" len="med"/>
+                      <a:tailEnd type="none" w="med" len="med"/>
+                    </a:lnB>
+                  </a:tcPr>
+                </a:tc>
+                <a:tc>
+                  <a:txBody>
+                    <a:bodyPr/>
+                    <a:lstStyle/>
+                    <a:p>
+                      <a:pPr fontAlgn="t"/>
+                      <a:r>
+                        <a:rPr lang="en-GB" sz="1200">
+                          <a:effectLst/>
+                        </a:rPr>
+                        <a:t>'\0'</a:t>
+                      </a:r>
+                    </a:p>
+                  </a:txBody>
+                  <a:tcPr marL="76200" marR="76200" marT="76200" marB="76200">
+                    <a:lnL w="9525" cap="flat" cmpd="sng" algn="ctr">
+                      <a:solidFill>
+                        <a:srgbClr val="DDDDDD"/>
+                      </a:solidFill>
+                      <a:prstDash val="solid"/>
+                      <a:round/>
+                      <a:headEnd type="none" w="med" len="med"/>
+                      <a:tailEnd type="none" w="med" len="med"/>
+                    </a:lnL>
+                    <a:lnR w="9525" cap="flat" cmpd="sng" algn="ctr">
+                      <a:solidFill>
+                        <a:srgbClr val="DDDDDD"/>
+                      </a:solidFill>
+                      <a:prstDash val="solid"/>
+                      <a:round/>
+                      <a:headEnd type="none" w="med" len="med"/>
+                      <a:tailEnd type="none" w="med" len="med"/>
+                    </a:lnR>
+                    <a:lnT w="9525" cap="flat" cmpd="sng" algn="ctr">
+                      <a:solidFill>
+                        <a:srgbClr val="DDDDDD"/>
+                      </a:solidFill>
+                      <a:prstDash val="solid"/>
+                      <a:round/>
+                      <a:headEnd type="none" w="med" len="med"/>
+                      <a:tailEnd type="none" w="med" len="med"/>
+                    </a:lnT>
+                    <a:lnB w="9525" cap="flat" cmpd="sng" algn="ctr">
+                      <a:solidFill>
+                        <a:srgbClr val="DDDDDD"/>
+                      </a:solidFill>
+                      <a:prstDash val="solid"/>
+                      <a:round/>
+                      <a:headEnd type="none" w="med" len="med"/>
+                      <a:tailEnd type="none" w="med" len="med"/>
+                    </a:lnB>
+                  </a:tcPr>
+                </a:tc>
+              </a:tr>
+              <a:tr h="350214">
+                <a:tc>
+                  <a:txBody>
+                    <a:bodyPr/>
+                    <a:lstStyle/>
+                    <a:p>
+                      <a:pPr fontAlgn="t"/>
+                      <a:r>
+                        <a:rPr lang="en-GB" sz="1200">
+                          <a:effectLst/>
+                        </a:rPr>
+                        <a:t>decimal</a:t>
+                      </a:r>
+                    </a:p>
+                  </a:txBody>
+                  <a:tcPr marL="76200" marR="76200" marT="76200" marB="76200">
+                    <a:lnL w="9525" cap="flat" cmpd="sng" algn="ctr">
+                      <a:solidFill>
+                        <a:srgbClr val="DDDDDD"/>
+                      </a:solidFill>
+                      <a:prstDash val="solid"/>
+                      <a:round/>
+                      <a:headEnd type="none" w="med" len="med"/>
+                      <a:tailEnd type="none" w="med" len="med"/>
+                    </a:lnL>
+                    <a:lnR w="9525" cap="flat" cmpd="sng" algn="ctr">
+                      <a:solidFill>
+                        <a:srgbClr val="DDDDDD"/>
+                      </a:solidFill>
+                      <a:prstDash val="solid"/>
+                      <a:round/>
+                      <a:headEnd type="none" w="med" len="med"/>
+                      <a:tailEnd type="none" w="med" len="med"/>
+                    </a:lnR>
+                    <a:lnT w="9525" cap="flat" cmpd="sng" algn="ctr">
+                      <a:solidFill>
+                        <a:srgbClr val="DDDDDD"/>
+                      </a:solidFill>
+                      <a:prstDash val="solid"/>
+                      <a:round/>
+                      <a:headEnd type="none" w="med" len="med"/>
+                      <a:tailEnd type="none" w="med" len="med"/>
+                    </a:lnT>
+                    <a:lnB w="9525" cap="flat" cmpd="sng" algn="ctr">
+                      <a:solidFill>
+                        <a:srgbClr val="DDDDDD"/>
+                      </a:solidFill>
+                      <a:prstDash val="solid"/>
+                      <a:round/>
+                      <a:headEnd type="none" w="med" len="med"/>
+                      <a:tailEnd type="none" w="med" len="med"/>
+                    </a:lnB>
+                  </a:tcPr>
+                </a:tc>
+                <a:tc>
+                  <a:txBody>
+                    <a:bodyPr/>
+                    <a:lstStyle/>
+                    <a:p>
+                      <a:pPr fontAlgn="t"/>
+                      <a:r>
+                        <a:rPr lang="en-GB" sz="1200" dirty="0">
+                          <a:effectLst/>
+                        </a:rPr>
+                        <a:t>128-bit precise decimal values with 28-29 significant digits</a:t>
+                      </a:r>
+                    </a:p>
+                  </a:txBody>
+                  <a:tcPr marL="76200" marR="76200" marT="76200" marB="76200">
+                    <a:lnL w="9525" cap="flat" cmpd="sng" algn="ctr">
+                      <a:solidFill>
+                        <a:srgbClr val="DDDDDD"/>
+                      </a:solidFill>
+                      <a:prstDash val="solid"/>
+                      <a:round/>
+                      <a:headEnd type="none" w="med" len="med"/>
+                      <a:tailEnd type="none" w="med" len="med"/>
+                    </a:lnL>
+                    <a:lnR w="9525" cap="flat" cmpd="sng" algn="ctr">
+                      <a:solidFill>
+                        <a:srgbClr val="DDDDDD"/>
+                      </a:solidFill>
+                      <a:prstDash val="solid"/>
+                      <a:round/>
+                      <a:headEnd type="none" w="med" len="med"/>
+                      <a:tailEnd type="none" w="med" len="med"/>
+                    </a:lnR>
+                    <a:lnT w="9525" cap="flat" cmpd="sng" algn="ctr">
+                      <a:solidFill>
+                        <a:srgbClr val="DDDDDD"/>
+                      </a:solidFill>
+                      <a:prstDash val="solid"/>
+                      <a:round/>
+                      <a:headEnd type="none" w="med" len="med"/>
+                      <a:tailEnd type="none" w="med" len="med"/>
+                    </a:lnT>
+                    <a:lnB w="9525" cap="flat" cmpd="sng" algn="ctr">
+                      <a:solidFill>
+                        <a:srgbClr val="DDDDDD"/>
+                      </a:solidFill>
+                      <a:prstDash val="solid"/>
+                      <a:round/>
+                      <a:headEnd type="none" w="med" len="med"/>
+                      <a:tailEnd type="none" w="med" len="med"/>
+                    </a:lnB>
+                  </a:tcPr>
+                </a:tc>
+                <a:tc>
+                  <a:txBody>
+                    <a:bodyPr/>
+                    <a:lstStyle/>
+                    <a:p>
+                      <a:pPr fontAlgn="t"/>
+                      <a:r>
+                        <a:rPr lang="en-GB" sz="1200">
+                          <a:effectLst/>
+                        </a:rPr>
+                        <a:t>(-7.9 x 10</a:t>
+                      </a:r>
+                      <a:r>
+                        <a:rPr lang="en-GB" sz="1200" baseline="30000">
+                          <a:effectLst/>
+                        </a:rPr>
+                        <a:t>28</a:t>
+                      </a:r>
+                      <a:r>
+                        <a:rPr lang="en-GB" sz="1200">
+                          <a:effectLst/>
+                        </a:rPr>
+                        <a:t> to 7.9 x 10</a:t>
+                      </a:r>
+                      <a:r>
+                        <a:rPr lang="en-GB" sz="1200" baseline="30000">
+                          <a:effectLst/>
+                        </a:rPr>
+                        <a:t>28</a:t>
+                      </a:r>
+                      <a:r>
+                        <a:rPr lang="en-GB" sz="1200">
+                          <a:effectLst/>
+                        </a:rPr>
+                        <a:t>) / 10</a:t>
+                      </a:r>
+                      <a:r>
+                        <a:rPr lang="en-GB" sz="1200" baseline="30000">
+                          <a:effectLst/>
+                        </a:rPr>
+                        <a:t>0 to 28</a:t>
+                      </a:r>
+                      <a:endParaRPr lang="en-GB" sz="1200">
+                        <a:effectLst/>
+                      </a:endParaRPr>
+                    </a:p>
+                  </a:txBody>
+                  <a:tcPr marL="76200" marR="76200" marT="76200" marB="76200">
+                    <a:lnL w="9525" cap="flat" cmpd="sng" algn="ctr">
+                      <a:solidFill>
+                        <a:srgbClr val="DDDDDD"/>
+                      </a:solidFill>
+                      <a:prstDash val="solid"/>
+                      <a:round/>
+                      <a:headEnd type="none" w="med" len="med"/>
+                      <a:tailEnd type="none" w="med" len="med"/>
+                    </a:lnL>
+                    <a:lnR w="9525" cap="flat" cmpd="sng" algn="ctr">
+                      <a:solidFill>
+                        <a:srgbClr val="DDDDDD"/>
+                      </a:solidFill>
+                      <a:prstDash val="solid"/>
+                      <a:round/>
+                      <a:headEnd type="none" w="med" len="med"/>
+                      <a:tailEnd type="none" w="med" len="med"/>
+                    </a:lnR>
+                    <a:lnT w="9525" cap="flat" cmpd="sng" algn="ctr">
+                      <a:solidFill>
+                        <a:srgbClr val="DDDDDD"/>
+                      </a:solidFill>
+                      <a:prstDash val="solid"/>
+                      <a:round/>
+                      <a:headEnd type="none" w="med" len="med"/>
+                      <a:tailEnd type="none" w="med" len="med"/>
+                    </a:lnT>
+                    <a:lnB w="9525" cap="flat" cmpd="sng" algn="ctr">
+                      <a:solidFill>
+                        <a:srgbClr val="DDDDDD"/>
+                      </a:solidFill>
+                      <a:prstDash val="solid"/>
+                      <a:round/>
+                      <a:headEnd type="none" w="med" len="med"/>
+                      <a:tailEnd type="none" w="med" len="med"/>
+                    </a:lnB>
+                  </a:tcPr>
+                </a:tc>
+                <a:tc>
+                  <a:txBody>
+                    <a:bodyPr/>
+                    <a:lstStyle/>
+                    <a:p>
+                      <a:pPr fontAlgn="t"/>
+                      <a:r>
+                        <a:rPr lang="en-GB" sz="1200">
+                          <a:effectLst/>
+                        </a:rPr>
+                        <a:t>0.0M</a:t>
                       </a:r>
                     </a:p>
                   </a:txBody>
@@ -4146,10 +5320,10 @@
                     <a:p>
                       <a:pPr fontAlgn="t"/>
                       <a:r>
-                        <a:rPr lang="en-GB" sz="700">
+                        <a:rPr lang="en-GB" sz="1200">
                           <a:effectLst/>
                         </a:rPr>
-                        <a:t>byte</a:t>
+                        <a:t>double</a:t>
                       </a:r>
                     </a:p>
                   </a:txBody>
@@ -4199,10 +5373,10 @@
                     <a:p>
                       <a:pPr fontAlgn="t"/>
                       <a:r>
-                        <a:rPr lang="en-GB" sz="700">
+                        <a:rPr lang="en-GB" sz="1200" dirty="0">
                           <a:effectLst/>
                         </a:rPr>
-                        <a:t>8-bit unsigned integer</a:t>
+                        <a:t>64-bit double-precision floating point type</a:t>
                       </a:r>
                     </a:p>
                   </a:txBody>
@@ -4252,11 +5426,32 @@
                     <a:p>
                       <a:pPr fontAlgn="t"/>
                       <a:r>
-                        <a:rPr lang="en-GB" sz="700">
+                        <a:rPr lang="en-GB" sz="1200">
                           <a:effectLst/>
                         </a:rPr>
-                        <a:t>0 to 255</a:t>
+                        <a:t>(+/-)5.0 x 10</a:t>
                       </a:r>
+                      <a:r>
+                        <a:rPr lang="en-GB" sz="1200" baseline="30000">
+                          <a:effectLst/>
+                        </a:rPr>
+                        <a:t>-324</a:t>
+                      </a:r>
+                      <a:r>
+                        <a:rPr lang="en-GB" sz="1200">
+                          <a:effectLst/>
+                        </a:rPr>
+                        <a:t> to (+/-)1.7 x 10</a:t>
+                      </a:r>
+                      <a:r>
+                        <a:rPr lang="en-GB" sz="1200" baseline="30000">
+                          <a:effectLst/>
+                        </a:rPr>
+                        <a:t>308</a:t>
+                      </a:r>
+                      <a:endParaRPr lang="en-GB" sz="1200">
+                        <a:effectLst/>
+                      </a:endParaRPr>
                     </a:p>
                   </a:txBody>
                   <a:tcPr marL="76200" marR="76200" marT="76200" marB="76200">
@@ -4305,10 +5500,10 @@
                     <a:p>
                       <a:pPr fontAlgn="t"/>
                       <a:r>
-                        <a:rPr lang="en-GB" sz="700">
+                        <a:rPr lang="en-GB" sz="1200">
                           <a:effectLst/>
                         </a:rPr>
-                        <a:t>0</a:t>
+                        <a:t>0.0D</a:t>
                       </a:r>
                     </a:p>
                   </a:txBody>
@@ -4360,10 +5555,10 @@
                     <a:p>
                       <a:pPr fontAlgn="t"/>
                       <a:r>
-                        <a:rPr lang="en-GB" sz="700">
+                        <a:rPr lang="en-GB" sz="1200">
                           <a:effectLst/>
                         </a:rPr>
-                        <a:t>char</a:t>
+                        <a:t>float</a:t>
                       </a:r>
                     </a:p>
                   </a:txBody>
@@ -4413,10 +5608,10 @@
                     <a:p>
                       <a:pPr fontAlgn="t"/>
                       <a:r>
-                        <a:rPr lang="en-GB" sz="700">
+                        <a:rPr lang="en-GB" sz="1200" dirty="0">
                           <a:effectLst/>
                         </a:rPr>
-                        <a:t>16-bit Unicode character</a:t>
+                        <a:t>32-bit single-precision floating point type</a:t>
                       </a:r>
                     </a:p>
                   </a:txBody>
@@ -4466,11 +5661,32 @@
                     <a:p>
                       <a:pPr fontAlgn="t"/>
                       <a:r>
-                        <a:rPr lang="pl-PL" sz="700">
+                        <a:rPr lang="en-GB" sz="1200" dirty="0">
                           <a:effectLst/>
                         </a:rPr>
-                        <a:t>U +0000 to U +ffff</a:t>
+                        <a:t>-3.4 x 10</a:t>
                       </a:r>
+                      <a:r>
+                        <a:rPr lang="en-GB" sz="1200" baseline="30000" dirty="0">
+                          <a:effectLst/>
+                        </a:rPr>
+                        <a:t>38</a:t>
+                      </a:r>
+                      <a:r>
+                        <a:rPr lang="en-GB" sz="1200" dirty="0">
+                          <a:effectLst/>
+                        </a:rPr>
+                        <a:t> to + 3.4 x 10</a:t>
+                      </a:r>
+                      <a:r>
+                        <a:rPr lang="en-GB" sz="1200" baseline="30000" dirty="0">
+                          <a:effectLst/>
+                        </a:rPr>
+                        <a:t>38</a:t>
+                      </a:r>
+                      <a:endParaRPr lang="en-GB" sz="1200" dirty="0">
+                        <a:effectLst/>
+                      </a:endParaRPr>
                     </a:p>
                   </a:txBody>
                   <a:tcPr marL="76200" marR="76200" marT="76200" marB="76200">
@@ -4519,257 +5735,10 @@
                     <a:p>
                       <a:pPr fontAlgn="t"/>
                       <a:r>
-                        <a:rPr lang="en-GB" sz="700">
+                        <a:rPr lang="en-GB" sz="1200" dirty="0">
                           <a:effectLst/>
                         </a:rPr>
-                        <a:t>'\0'</a:t>
-                      </a:r>
-                    </a:p>
-                  </a:txBody>
-                  <a:tcPr marL="76200" marR="76200" marT="76200" marB="76200">
-                    <a:lnL w="9525" cap="flat" cmpd="sng" algn="ctr">
-                      <a:solidFill>
-                        <a:srgbClr val="DDDDDD"/>
-                      </a:solidFill>
-                      <a:prstDash val="solid"/>
-                      <a:round/>
-                      <a:headEnd type="none" w="med" len="med"/>
-                      <a:tailEnd type="none" w="med" len="med"/>
-                    </a:lnL>
-                    <a:lnR w="9525" cap="flat" cmpd="sng" algn="ctr">
-                      <a:solidFill>
-                        <a:srgbClr val="DDDDDD"/>
-                      </a:solidFill>
-                      <a:prstDash val="solid"/>
-                      <a:round/>
-                      <a:headEnd type="none" w="med" len="med"/>
-                      <a:tailEnd type="none" w="med" len="med"/>
-                    </a:lnR>
-                    <a:lnT w="9525" cap="flat" cmpd="sng" algn="ctr">
-                      <a:solidFill>
-                        <a:srgbClr val="DDDDDD"/>
-                      </a:solidFill>
-                      <a:prstDash val="solid"/>
-                      <a:round/>
-                      <a:headEnd type="none" w="med" len="med"/>
-                      <a:tailEnd type="none" w="med" len="med"/>
-                    </a:lnT>
-                    <a:lnB w="9525" cap="flat" cmpd="sng" algn="ctr">
-                      <a:solidFill>
-                        <a:srgbClr val="DDDDDD"/>
-                      </a:solidFill>
-                      <a:prstDash val="solid"/>
-                      <a:round/>
-                      <a:headEnd type="none" w="med" len="med"/>
-                      <a:tailEnd type="none" w="med" len="med"/>
-                    </a:lnB>
-                  </a:tcPr>
-                </a:tc>
-              </a:tr>
-              <a:tr h="492025">
-                <a:tc>
-                  <a:txBody>
-                    <a:bodyPr/>
-                    <a:lstStyle/>
-                    <a:p>
-                      <a:pPr fontAlgn="t"/>
-                      <a:r>
-                        <a:rPr lang="en-GB" sz="700">
-                          <a:effectLst/>
-                        </a:rPr>
-                        <a:t>decimal</a:t>
-                      </a:r>
-                    </a:p>
-                  </a:txBody>
-                  <a:tcPr marL="76200" marR="76200" marT="76200" marB="76200">
-                    <a:lnL w="9525" cap="flat" cmpd="sng" algn="ctr">
-                      <a:solidFill>
-                        <a:srgbClr val="DDDDDD"/>
-                      </a:solidFill>
-                      <a:prstDash val="solid"/>
-                      <a:round/>
-                      <a:headEnd type="none" w="med" len="med"/>
-                      <a:tailEnd type="none" w="med" len="med"/>
-                    </a:lnL>
-                    <a:lnR w="9525" cap="flat" cmpd="sng" algn="ctr">
-                      <a:solidFill>
-                        <a:srgbClr val="DDDDDD"/>
-                      </a:solidFill>
-                      <a:prstDash val="solid"/>
-                      <a:round/>
-                      <a:headEnd type="none" w="med" len="med"/>
-                      <a:tailEnd type="none" w="med" len="med"/>
-                    </a:lnR>
-                    <a:lnT w="9525" cap="flat" cmpd="sng" algn="ctr">
-                      <a:solidFill>
-                        <a:srgbClr val="DDDDDD"/>
-                      </a:solidFill>
-                      <a:prstDash val="solid"/>
-                      <a:round/>
-                      <a:headEnd type="none" w="med" len="med"/>
-                      <a:tailEnd type="none" w="med" len="med"/>
-                    </a:lnT>
-                    <a:lnB w="9525" cap="flat" cmpd="sng" algn="ctr">
-                      <a:solidFill>
-                        <a:srgbClr val="DDDDDD"/>
-                      </a:solidFill>
-                      <a:prstDash val="solid"/>
-                      <a:round/>
-                      <a:headEnd type="none" w="med" len="med"/>
-                      <a:tailEnd type="none" w="med" len="med"/>
-                    </a:lnB>
-                  </a:tcPr>
-                </a:tc>
-                <a:tc>
-                  <a:txBody>
-                    <a:bodyPr/>
-                    <a:lstStyle/>
-                    <a:p>
-                      <a:pPr fontAlgn="t"/>
-                      <a:r>
-                        <a:rPr lang="en-GB" sz="700">
-                          <a:effectLst/>
-                        </a:rPr>
-                        <a:t>128-bit precise decimal values with 28-29 significant digits</a:t>
-                      </a:r>
-                    </a:p>
-                  </a:txBody>
-                  <a:tcPr marL="76200" marR="76200" marT="76200" marB="76200">
-                    <a:lnL w="9525" cap="flat" cmpd="sng" algn="ctr">
-                      <a:solidFill>
-                        <a:srgbClr val="DDDDDD"/>
-                      </a:solidFill>
-                      <a:prstDash val="solid"/>
-                      <a:round/>
-                      <a:headEnd type="none" w="med" len="med"/>
-                      <a:tailEnd type="none" w="med" len="med"/>
-                    </a:lnL>
-                    <a:lnR w="9525" cap="flat" cmpd="sng" algn="ctr">
-                      <a:solidFill>
-                        <a:srgbClr val="DDDDDD"/>
-                      </a:solidFill>
-                      <a:prstDash val="solid"/>
-                      <a:round/>
-                      <a:headEnd type="none" w="med" len="med"/>
-                      <a:tailEnd type="none" w="med" len="med"/>
-                    </a:lnR>
-                    <a:lnT w="9525" cap="flat" cmpd="sng" algn="ctr">
-                      <a:solidFill>
-                        <a:srgbClr val="DDDDDD"/>
-                      </a:solidFill>
-                      <a:prstDash val="solid"/>
-                      <a:round/>
-                      <a:headEnd type="none" w="med" len="med"/>
-                      <a:tailEnd type="none" w="med" len="med"/>
-                    </a:lnT>
-                    <a:lnB w="9525" cap="flat" cmpd="sng" algn="ctr">
-                      <a:solidFill>
-                        <a:srgbClr val="DDDDDD"/>
-                      </a:solidFill>
-                      <a:prstDash val="solid"/>
-                      <a:round/>
-                      <a:headEnd type="none" w="med" len="med"/>
-                      <a:tailEnd type="none" w="med" len="med"/>
-                    </a:lnB>
-                  </a:tcPr>
-                </a:tc>
-                <a:tc>
-                  <a:txBody>
-                    <a:bodyPr/>
-                    <a:lstStyle/>
-                    <a:p>
-                      <a:pPr fontAlgn="t"/>
-                      <a:r>
-                        <a:rPr lang="en-GB" sz="700">
-                          <a:effectLst/>
-                        </a:rPr>
-                        <a:t>(-7.9 x 10</a:t>
-                      </a:r>
-                      <a:r>
-                        <a:rPr lang="en-GB" sz="700" baseline="30000">
-                          <a:effectLst/>
-                        </a:rPr>
-                        <a:t>28</a:t>
-                      </a:r>
-                      <a:r>
-                        <a:rPr lang="en-GB" sz="700">
-                          <a:effectLst/>
-                        </a:rPr>
-                        <a:t> to 7.9 x 10</a:t>
-                      </a:r>
-                      <a:r>
-                        <a:rPr lang="en-GB" sz="700" baseline="30000">
-                          <a:effectLst/>
-                        </a:rPr>
-                        <a:t>28</a:t>
-                      </a:r>
-                      <a:r>
-                        <a:rPr lang="en-GB" sz="700">
-                          <a:effectLst/>
-                        </a:rPr>
-                        <a:t>) / 10</a:t>
-                      </a:r>
-                      <a:r>
-                        <a:rPr lang="en-GB" sz="700" baseline="30000">
-                          <a:effectLst/>
-                        </a:rPr>
-                        <a:t>0 to 28</a:t>
-                      </a:r>
-                      <a:endParaRPr lang="en-GB" sz="700">
-                        <a:effectLst/>
-                      </a:endParaRPr>
-                    </a:p>
-                  </a:txBody>
-                  <a:tcPr marL="76200" marR="76200" marT="76200" marB="76200">
-                    <a:lnL w="9525" cap="flat" cmpd="sng" algn="ctr">
-                      <a:solidFill>
-                        <a:srgbClr val="DDDDDD"/>
-                      </a:solidFill>
-                      <a:prstDash val="solid"/>
-                      <a:round/>
-                      <a:headEnd type="none" w="med" len="med"/>
-                      <a:tailEnd type="none" w="med" len="med"/>
-                    </a:lnL>
-                    <a:lnR w="9525" cap="flat" cmpd="sng" algn="ctr">
-                      <a:solidFill>
-                        <a:srgbClr val="DDDDDD"/>
-                      </a:solidFill>
-                      <a:prstDash val="solid"/>
-                      <a:round/>
-                      <a:headEnd type="none" w="med" len="med"/>
-                      <a:tailEnd type="none" w="med" len="med"/>
-                    </a:lnR>
-                    <a:lnT w="9525" cap="flat" cmpd="sng" algn="ctr">
-                      <a:solidFill>
-                        <a:srgbClr val="DDDDDD"/>
-                      </a:solidFill>
-                      <a:prstDash val="solid"/>
-                      <a:round/>
-                      <a:headEnd type="none" w="med" len="med"/>
-                      <a:tailEnd type="none" w="med" len="med"/>
-                    </a:lnT>
-                    <a:lnB w="9525" cap="flat" cmpd="sng" algn="ctr">
-                      <a:solidFill>
-                        <a:srgbClr val="DDDDDD"/>
-                      </a:solidFill>
-                      <a:prstDash val="solid"/>
-                      <a:round/>
-                      <a:headEnd type="none" w="med" len="med"/>
-                      <a:tailEnd type="none" w="med" len="med"/>
-                    </a:lnB>
-                  </a:tcPr>
-                </a:tc>
-                <a:tc>
-                  <a:txBody>
-                    <a:bodyPr/>
-                    <a:lstStyle/>
-                    <a:p>
-                      <a:pPr fontAlgn="t"/>
-                      <a:r>
-                        <a:rPr lang="en-GB" sz="700">
-                          <a:effectLst/>
-                        </a:rPr>
-                        <a:t>0.0M</a:t>
+                        <a:t>0.0F</a:t>
                       </a:r>
                     </a:p>
                   </a:txBody>
@@ -4821,10 +5790,10 @@
                     <a:p>
                       <a:pPr fontAlgn="t"/>
                       <a:r>
-                        <a:rPr lang="en-GB" sz="700">
+                        <a:rPr lang="en-GB" sz="1200" dirty="0">
                           <a:effectLst/>
                         </a:rPr>
-                        <a:t>double</a:t>
+                        <a:t>int</a:t>
                       </a:r>
                     </a:p>
                   </a:txBody>
@@ -4874,10 +5843,10 @@
                     <a:p>
                       <a:pPr fontAlgn="t"/>
                       <a:r>
-                        <a:rPr lang="en-GB" sz="700">
+                        <a:rPr lang="en-GB" sz="1200" dirty="0">
                           <a:effectLst/>
                         </a:rPr>
-                        <a:t>64-bit double-precision floating point type</a:t>
+                        <a:t>32-bit signed integer type</a:t>
                       </a:r>
                     </a:p>
                   </a:txBody>
@@ -4927,32 +5896,11 @@
                     <a:p>
                       <a:pPr fontAlgn="t"/>
                       <a:r>
-                        <a:rPr lang="en-GB" sz="700">
+                        <a:rPr lang="en-GB" sz="1200" dirty="0">
                           <a:effectLst/>
                         </a:rPr>
-                        <a:t>(+/-)5.0 x 10</a:t>
+                        <a:t>-2,147,483,648 to 2,147,483,647</a:t>
                       </a:r>
-                      <a:r>
-                        <a:rPr lang="en-GB" sz="700" baseline="30000">
-                          <a:effectLst/>
-                        </a:rPr>
-                        <a:t>-324</a:t>
-                      </a:r>
-                      <a:r>
-                        <a:rPr lang="en-GB" sz="700">
-                          <a:effectLst/>
-                        </a:rPr>
-                        <a:t> to (+/-)1.7 x 10</a:t>
-                      </a:r>
-                      <a:r>
-                        <a:rPr lang="en-GB" sz="700" baseline="30000">
-                          <a:effectLst/>
-                        </a:rPr>
-                        <a:t>308</a:t>
-                      </a:r>
-                      <a:endParaRPr lang="en-GB" sz="700">
-                        <a:effectLst/>
-                      </a:endParaRPr>
                     </a:p>
                   </a:txBody>
                   <a:tcPr marL="76200" marR="76200" marT="76200" marB="76200">
@@ -5001,10 +5949,10 @@
                     <a:p>
                       <a:pPr fontAlgn="t"/>
                       <a:r>
-                        <a:rPr lang="en-GB" sz="700">
+                        <a:rPr lang="en-GB" sz="1200">
                           <a:effectLst/>
                         </a:rPr>
-                        <a:t>0.0D</a:t>
+                        <a:t>0</a:t>
                       </a:r>
                     </a:p>
                   </a:txBody>
@@ -5056,10 +6004,10 @@
                     <a:p>
                       <a:pPr fontAlgn="t"/>
                       <a:r>
-                        <a:rPr lang="en-GB" sz="700">
+                        <a:rPr lang="en-GB" sz="1200" dirty="0">
                           <a:effectLst/>
                         </a:rPr>
-                        <a:t>float</a:t>
+                        <a:t>long</a:t>
                       </a:r>
                     </a:p>
                   </a:txBody>
@@ -5109,10 +6057,10 @@
                     <a:p>
                       <a:pPr fontAlgn="t"/>
                       <a:r>
-                        <a:rPr lang="en-GB" sz="700">
+                        <a:rPr lang="en-GB" sz="1200" dirty="0">
                           <a:effectLst/>
                         </a:rPr>
-                        <a:t>32-bit single-precision floating point type</a:t>
+                        <a:t>64-bit signed integer type</a:t>
                       </a:r>
                     </a:p>
                   </a:txBody>
@@ -5162,32 +6110,11 @@
                     <a:p>
                       <a:pPr fontAlgn="t"/>
                       <a:r>
-                        <a:rPr lang="en-GB" sz="700" dirty="0">
+                        <a:rPr lang="en-GB" sz="1200" dirty="0">
                           <a:effectLst/>
                         </a:rPr>
-                        <a:t>-3.4 x 10</a:t>
+                        <a:t>-923,372,036,854,775,808 to 9,223,372,036,854,775,807</a:t>
                       </a:r>
-                      <a:r>
-                        <a:rPr lang="en-GB" sz="700" baseline="30000" dirty="0">
-                          <a:effectLst/>
-                        </a:rPr>
-                        <a:t>38</a:t>
-                      </a:r>
-                      <a:r>
-                        <a:rPr lang="en-GB" sz="700" dirty="0">
-                          <a:effectLst/>
-                        </a:rPr>
-                        <a:t> to + 3.4 x 10</a:t>
-                      </a:r>
-                      <a:r>
-                        <a:rPr lang="en-GB" sz="700" baseline="30000" dirty="0">
-                          <a:effectLst/>
-                        </a:rPr>
-                        <a:t>38</a:t>
-                      </a:r>
-                      <a:endParaRPr lang="en-GB" sz="700" dirty="0">
-                        <a:effectLst/>
-                      </a:endParaRPr>
                     </a:p>
                   </a:txBody>
                   <a:tcPr marL="76200" marR="76200" marT="76200" marB="76200">
@@ -5236,10 +6163,10 @@
                     <a:p>
                       <a:pPr fontAlgn="t"/>
                       <a:r>
-                        <a:rPr lang="en-GB" sz="700" dirty="0">
+                        <a:rPr lang="en-GB" sz="1200">
                           <a:effectLst/>
                         </a:rPr>
-                        <a:t>0.0F</a:t>
+                        <a:t>0L</a:t>
                       </a:r>
                     </a:p>
                   </a:txBody>
@@ -5291,10 +6218,10 @@
                     <a:p>
                       <a:pPr fontAlgn="t"/>
                       <a:r>
-                        <a:rPr lang="en-GB" sz="700" dirty="0">
+                        <a:rPr lang="en-GB" sz="1200">
                           <a:effectLst/>
                         </a:rPr>
-                        <a:t>int</a:t>
+                        <a:t>sbyte</a:t>
                       </a:r>
                     </a:p>
                   </a:txBody>
@@ -5344,10 +6271,10 @@
                     <a:p>
                       <a:pPr fontAlgn="t"/>
                       <a:r>
-                        <a:rPr lang="en-GB" sz="700">
+                        <a:rPr lang="en-GB" sz="1200" dirty="0">
                           <a:effectLst/>
                         </a:rPr>
-                        <a:t>32-bit signed integer type</a:t>
+                        <a:t>8-bit signed integer type</a:t>
                       </a:r>
                     </a:p>
                   </a:txBody>
@@ -5397,10 +6324,10 @@
                     <a:p>
                       <a:pPr fontAlgn="t"/>
                       <a:r>
-                        <a:rPr lang="en-GB" sz="700">
+                        <a:rPr lang="en-GB" sz="1200" dirty="0">
                           <a:effectLst/>
                         </a:rPr>
-                        <a:t>-2,147,483,648 to 2,147,483,647</a:t>
+                        <a:t>-128 to 127</a:t>
                       </a:r>
                     </a:p>
                   </a:txBody>
@@ -5450,7 +6377,7 @@
                     <a:p>
                       <a:pPr fontAlgn="t"/>
                       <a:r>
-                        <a:rPr lang="en-GB" sz="700">
+                        <a:rPr lang="en-GB" sz="1200">
                           <a:effectLst/>
                         </a:rPr>
                         <a:t>0</a:t>
@@ -5505,10 +6432,10 @@
                     <a:p>
                       <a:pPr fontAlgn="t"/>
                       <a:r>
-                        <a:rPr lang="en-GB" sz="700" dirty="0">
+                        <a:rPr lang="en-GB" sz="1200">
                           <a:effectLst/>
                         </a:rPr>
-                        <a:t>long</a:t>
+                        <a:t>short</a:t>
                       </a:r>
                     </a:p>
                   </a:txBody>
@@ -5558,10 +6485,10 @@
                     <a:p>
                       <a:pPr fontAlgn="t"/>
                       <a:r>
-                        <a:rPr lang="en-GB" sz="700" dirty="0">
+                        <a:rPr lang="en-GB" sz="1200">
                           <a:effectLst/>
                         </a:rPr>
-                        <a:t>64-bit signed integer type</a:t>
+                        <a:t>16-bit signed integer type</a:t>
                       </a:r>
                     </a:p>
                   </a:txBody>
@@ -5611,10 +6538,10 @@
                     <a:p>
                       <a:pPr fontAlgn="t"/>
                       <a:r>
-                        <a:rPr lang="en-GB" sz="700">
+                        <a:rPr lang="en-GB" sz="1200" dirty="0">
                           <a:effectLst/>
                         </a:rPr>
-                        <a:t>-923,372,036,854,775,808 to 9,223,372,036,854,775,807</a:t>
+                        <a:t>-32,768 to 32,767</a:t>
                       </a:r>
                     </a:p>
                   </a:txBody>
@@ -5664,10 +6591,10 @@
                     <a:p>
                       <a:pPr fontAlgn="t"/>
                       <a:r>
-                        <a:rPr lang="en-GB" sz="700">
+                        <a:rPr lang="en-GB" sz="1200">
                           <a:effectLst/>
                         </a:rPr>
-                        <a:t>0L</a:t>
+                        <a:t>0</a:t>
                       </a:r>
                     </a:p>
                   </a:txBody>
@@ -5719,10 +6646,10 @@
                     <a:p>
                       <a:pPr fontAlgn="t"/>
                       <a:r>
-                        <a:rPr lang="en-GB" sz="700">
+                        <a:rPr lang="en-GB" sz="1200">
                           <a:effectLst/>
                         </a:rPr>
-                        <a:t>sbyte</a:t>
+                        <a:t>uint</a:t>
                       </a:r>
                     </a:p>
                   </a:txBody>
@@ -5772,10 +6699,10 @@
                     <a:p>
                       <a:pPr fontAlgn="t"/>
                       <a:r>
-                        <a:rPr lang="en-GB" sz="700" dirty="0">
+                        <a:rPr lang="en-GB" sz="1200">
                           <a:effectLst/>
                         </a:rPr>
-                        <a:t>8-bit signed integer type</a:t>
+                        <a:t>32-bit unsigned integer type</a:t>
                       </a:r>
                     </a:p>
                   </a:txBody>
@@ -5825,10 +6752,10 @@
                     <a:p>
                       <a:pPr fontAlgn="t"/>
                       <a:r>
-                        <a:rPr lang="en-GB" sz="700" dirty="0">
+                        <a:rPr lang="en-GB" sz="1200" dirty="0">
                           <a:effectLst/>
                         </a:rPr>
-                        <a:t>-128 to 127</a:t>
+                        <a:t>0 to 4,294,967,295</a:t>
                       </a:r>
                     </a:p>
                   </a:txBody>
@@ -5878,7 +6805,7 @@
                     <a:p>
                       <a:pPr fontAlgn="t"/>
                       <a:r>
-                        <a:rPr lang="en-GB" sz="700">
+                        <a:rPr lang="en-GB" sz="1200">
                           <a:effectLst/>
                         </a:rPr>
                         <a:t>0</a:t>
@@ -5933,10 +6860,10 @@
                     <a:p>
                       <a:pPr fontAlgn="t"/>
                       <a:r>
-                        <a:rPr lang="en-GB" sz="700">
+                        <a:rPr lang="en-GB" sz="1200">
                           <a:effectLst/>
                         </a:rPr>
-                        <a:t>short</a:t>
+                        <a:t>ulong</a:t>
                       </a:r>
                     </a:p>
                   </a:txBody>
@@ -5986,10 +6913,10 @@
                     <a:p>
                       <a:pPr fontAlgn="t"/>
                       <a:r>
-                        <a:rPr lang="en-GB" sz="700">
+                        <a:rPr lang="en-GB" sz="1200">
                           <a:effectLst/>
                         </a:rPr>
-                        <a:t>16-bit signed integer type</a:t>
+                        <a:t>64-bit unsigned integer type</a:t>
                       </a:r>
                     </a:p>
                   </a:txBody>
@@ -6039,10 +6966,10 @@
                     <a:p>
                       <a:pPr fontAlgn="t"/>
                       <a:r>
-                        <a:rPr lang="en-GB" sz="700" dirty="0">
+                        <a:rPr lang="en-GB" sz="1200" dirty="0">
                           <a:effectLst/>
                         </a:rPr>
-                        <a:t>-32,768 to 32,767</a:t>
+                        <a:t>0 to 18,446,744,073,709,551,615</a:t>
                       </a:r>
                     </a:p>
                   </a:txBody>
@@ -6092,7 +7019,7 @@
                     <a:p>
                       <a:pPr fontAlgn="t"/>
                       <a:r>
-                        <a:rPr lang="en-GB" sz="700">
+                        <a:rPr lang="en-GB" sz="1200" dirty="0">
                           <a:effectLst/>
                         </a:rPr>
                         <a:t>0</a:t>
@@ -6147,10 +7074,10 @@
                     <a:p>
                       <a:pPr fontAlgn="t"/>
                       <a:r>
-                        <a:rPr lang="en-GB" sz="700">
+                        <a:rPr lang="en-GB" sz="1200">
                           <a:effectLst/>
                         </a:rPr>
-                        <a:t>uint</a:t>
+                        <a:t>ushort</a:t>
                       </a:r>
                     </a:p>
                   </a:txBody>
@@ -6200,10 +7127,10 @@
                     <a:p>
                       <a:pPr fontAlgn="t"/>
                       <a:r>
-                        <a:rPr lang="en-GB" sz="700">
+                        <a:rPr lang="en-GB" sz="1200" dirty="0">
                           <a:effectLst/>
                         </a:rPr>
-                        <a:t>32-bit unsigned integer type</a:t>
+                        <a:t>16-bit unsigned integer type</a:t>
                       </a:r>
                     </a:p>
                   </a:txBody>
@@ -6253,10 +7180,10 @@
                     <a:p>
                       <a:pPr fontAlgn="t"/>
                       <a:r>
-                        <a:rPr lang="en-GB" sz="700" dirty="0">
+                        <a:rPr lang="en-GB" sz="1200" dirty="0">
                           <a:effectLst/>
                         </a:rPr>
-                        <a:t>0 to 4,294,967,295</a:t>
+                        <a:t>0 to 65,535</a:t>
                       </a:r>
                     </a:p>
                   </a:txBody>
@@ -6306,435 +7233,7 @@
                     <a:p>
                       <a:pPr fontAlgn="t"/>
                       <a:r>
-                        <a:rPr lang="en-GB" sz="700">
-                          <a:effectLst/>
-                        </a:rPr>
-                        <a:t>0</a:t>
-                      </a:r>
-                    </a:p>
-                  </a:txBody>
-                  <a:tcPr marL="76200" marR="76200" marT="76200" marB="76200">
-                    <a:lnL w="9525" cap="flat" cmpd="sng" algn="ctr">
-                      <a:solidFill>
-                        <a:srgbClr val="DDDDDD"/>
-                      </a:solidFill>
-                      <a:prstDash val="solid"/>
-                      <a:round/>
-                      <a:headEnd type="none" w="med" len="med"/>
-                      <a:tailEnd type="none" w="med" len="med"/>
-                    </a:lnL>
-                    <a:lnR w="9525" cap="flat" cmpd="sng" algn="ctr">
-                      <a:solidFill>
-                        <a:srgbClr val="DDDDDD"/>
-                      </a:solidFill>
-                      <a:prstDash val="solid"/>
-                      <a:round/>
-                      <a:headEnd type="none" w="med" len="med"/>
-                      <a:tailEnd type="none" w="med" len="med"/>
-                    </a:lnR>
-                    <a:lnT w="9525" cap="flat" cmpd="sng" algn="ctr">
-                      <a:solidFill>
-                        <a:srgbClr val="DDDDDD"/>
-                      </a:solidFill>
-                      <a:prstDash val="solid"/>
-                      <a:round/>
-                      <a:headEnd type="none" w="med" len="med"/>
-                      <a:tailEnd type="none" w="med" len="med"/>
-                    </a:lnT>
-                    <a:lnB w="9525" cap="flat" cmpd="sng" algn="ctr">
-                      <a:solidFill>
-                        <a:srgbClr val="DDDDDD"/>
-                      </a:solidFill>
-                      <a:prstDash val="solid"/>
-                      <a:round/>
-                      <a:headEnd type="none" w="med" len="med"/>
-                      <a:tailEnd type="none" w="med" len="med"/>
-                    </a:lnB>
-                  </a:tcPr>
-                </a:tc>
-              </a:tr>
-              <a:tr h="348518">
-                <a:tc>
-                  <a:txBody>
-                    <a:bodyPr/>
-                    <a:lstStyle/>
-                    <a:p>
-                      <a:pPr fontAlgn="t"/>
-                      <a:r>
-                        <a:rPr lang="en-GB" sz="700">
-                          <a:effectLst/>
-                        </a:rPr>
-                        <a:t>ulong</a:t>
-                      </a:r>
-                    </a:p>
-                  </a:txBody>
-                  <a:tcPr marL="76200" marR="76200" marT="76200" marB="76200">
-                    <a:lnL w="9525" cap="flat" cmpd="sng" algn="ctr">
-                      <a:solidFill>
-                        <a:srgbClr val="DDDDDD"/>
-                      </a:solidFill>
-                      <a:prstDash val="solid"/>
-                      <a:round/>
-                      <a:headEnd type="none" w="med" len="med"/>
-                      <a:tailEnd type="none" w="med" len="med"/>
-                    </a:lnL>
-                    <a:lnR w="9525" cap="flat" cmpd="sng" algn="ctr">
-                      <a:solidFill>
-                        <a:srgbClr val="DDDDDD"/>
-                      </a:solidFill>
-                      <a:prstDash val="solid"/>
-                      <a:round/>
-                      <a:headEnd type="none" w="med" len="med"/>
-                      <a:tailEnd type="none" w="med" len="med"/>
-                    </a:lnR>
-                    <a:lnT w="9525" cap="flat" cmpd="sng" algn="ctr">
-                      <a:solidFill>
-                        <a:srgbClr val="DDDDDD"/>
-                      </a:solidFill>
-                      <a:prstDash val="solid"/>
-                      <a:round/>
-                      <a:headEnd type="none" w="med" len="med"/>
-                      <a:tailEnd type="none" w="med" len="med"/>
-                    </a:lnT>
-                    <a:lnB w="9525" cap="flat" cmpd="sng" algn="ctr">
-                      <a:solidFill>
-                        <a:srgbClr val="DDDDDD"/>
-                      </a:solidFill>
-                      <a:prstDash val="solid"/>
-                      <a:round/>
-                      <a:headEnd type="none" w="med" len="med"/>
-                      <a:tailEnd type="none" w="med" len="med"/>
-                    </a:lnB>
-                  </a:tcPr>
-                </a:tc>
-                <a:tc>
-                  <a:txBody>
-                    <a:bodyPr/>
-                    <a:lstStyle/>
-                    <a:p>
-                      <a:pPr fontAlgn="t"/>
-                      <a:r>
-                        <a:rPr lang="en-GB" sz="700">
-                          <a:effectLst/>
-                        </a:rPr>
-                        <a:t>64-bit unsigned integer type</a:t>
-                      </a:r>
-                    </a:p>
-                  </a:txBody>
-                  <a:tcPr marL="76200" marR="76200" marT="76200" marB="76200">
-                    <a:lnL w="9525" cap="flat" cmpd="sng" algn="ctr">
-                      <a:solidFill>
-                        <a:srgbClr val="DDDDDD"/>
-                      </a:solidFill>
-                      <a:prstDash val="solid"/>
-                      <a:round/>
-                      <a:headEnd type="none" w="med" len="med"/>
-                      <a:tailEnd type="none" w="med" len="med"/>
-                    </a:lnL>
-                    <a:lnR w="9525" cap="flat" cmpd="sng" algn="ctr">
-                      <a:solidFill>
-                        <a:srgbClr val="DDDDDD"/>
-                      </a:solidFill>
-                      <a:prstDash val="solid"/>
-                      <a:round/>
-                      <a:headEnd type="none" w="med" len="med"/>
-                      <a:tailEnd type="none" w="med" len="med"/>
-                    </a:lnR>
-                    <a:lnT w="9525" cap="flat" cmpd="sng" algn="ctr">
-                      <a:solidFill>
-                        <a:srgbClr val="DDDDDD"/>
-                      </a:solidFill>
-                      <a:prstDash val="solid"/>
-                      <a:round/>
-                      <a:headEnd type="none" w="med" len="med"/>
-                      <a:tailEnd type="none" w="med" len="med"/>
-                    </a:lnT>
-                    <a:lnB w="9525" cap="flat" cmpd="sng" algn="ctr">
-                      <a:solidFill>
-                        <a:srgbClr val="DDDDDD"/>
-                      </a:solidFill>
-                      <a:prstDash val="solid"/>
-                      <a:round/>
-                      <a:headEnd type="none" w="med" len="med"/>
-                      <a:tailEnd type="none" w="med" len="med"/>
-                    </a:lnB>
-                  </a:tcPr>
-                </a:tc>
-                <a:tc>
-                  <a:txBody>
-                    <a:bodyPr/>
-                    <a:lstStyle/>
-                    <a:p>
-                      <a:pPr fontAlgn="t"/>
-                      <a:r>
-                        <a:rPr lang="en-GB" sz="700" dirty="0">
-                          <a:effectLst/>
-                        </a:rPr>
-                        <a:t>0 to 18,446,744,073,709,551,615</a:t>
-                      </a:r>
-                    </a:p>
-                  </a:txBody>
-                  <a:tcPr marL="76200" marR="76200" marT="76200" marB="76200">
-                    <a:lnL w="9525" cap="flat" cmpd="sng" algn="ctr">
-                      <a:solidFill>
-                        <a:srgbClr val="DDDDDD"/>
-                      </a:solidFill>
-                      <a:prstDash val="solid"/>
-                      <a:round/>
-                      <a:headEnd type="none" w="med" len="med"/>
-                      <a:tailEnd type="none" w="med" len="med"/>
-                    </a:lnL>
-                    <a:lnR w="9525" cap="flat" cmpd="sng" algn="ctr">
-                      <a:solidFill>
-                        <a:srgbClr val="DDDDDD"/>
-                      </a:solidFill>
-                      <a:prstDash val="solid"/>
-                      <a:round/>
-                      <a:headEnd type="none" w="med" len="med"/>
-                      <a:tailEnd type="none" w="med" len="med"/>
-                    </a:lnR>
-                    <a:lnT w="9525" cap="flat" cmpd="sng" algn="ctr">
-                      <a:solidFill>
-                        <a:srgbClr val="DDDDDD"/>
-                      </a:solidFill>
-                      <a:prstDash val="solid"/>
-                      <a:round/>
-                      <a:headEnd type="none" w="med" len="med"/>
-                      <a:tailEnd type="none" w="med" len="med"/>
-                    </a:lnT>
-                    <a:lnB w="9525" cap="flat" cmpd="sng" algn="ctr">
-                      <a:solidFill>
-                        <a:srgbClr val="DDDDDD"/>
-                      </a:solidFill>
-                      <a:prstDash val="solid"/>
-                      <a:round/>
-                      <a:headEnd type="none" w="med" len="med"/>
-                      <a:tailEnd type="none" w="med" len="med"/>
-                    </a:lnB>
-                  </a:tcPr>
-                </a:tc>
-                <a:tc>
-                  <a:txBody>
-                    <a:bodyPr/>
-                    <a:lstStyle/>
-                    <a:p>
-                      <a:pPr fontAlgn="t"/>
-                      <a:r>
-                        <a:rPr lang="en-GB" sz="700">
-                          <a:effectLst/>
-                        </a:rPr>
-                        <a:t>0</a:t>
-                      </a:r>
-                    </a:p>
-                  </a:txBody>
-                  <a:tcPr marL="76200" marR="76200" marT="76200" marB="76200">
-                    <a:lnL w="9525" cap="flat" cmpd="sng" algn="ctr">
-                      <a:solidFill>
-                        <a:srgbClr val="DDDDDD"/>
-                      </a:solidFill>
-                      <a:prstDash val="solid"/>
-                      <a:round/>
-                      <a:headEnd type="none" w="med" len="med"/>
-                      <a:tailEnd type="none" w="med" len="med"/>
-                    </a:lnL>
-                    <a:lnR w="9525" cap="flat" cmpd="sng" algn="ctr">
-                      <a:solidFill>
-                        <a:srgbClr val="DDDDDD"/>
-                      </a:solidFill>
-                      <a:prstDash val="solid"/>
-                      <a:round/>
-                      <a:headEnd type="none" w="med" len="med"/>
-                      <a:tailEnd type="none" w="med" len="med"/>
-                    </a:lnR>
-                    <a:lnT w="9525" cap="flat" cmpd="sng" algn="ctr">
-                      <a:solidFill>
-                        <a:srgbClr val="DDDDDD"/>
-                      </a:solidFill>
-                      <a:prstDash val="solid"/>
-                      <a:round/>
-                      <a:headEnd type="none" w="med" len="med"/>
-                      <a:tailEnd type="none" w="med" len="med"/>
-                    </a:lnT>
-                    <a:lnB w="9525" cap="flat" cmpd="sng" algn="ctr">
-                      <a:solidFill>
-                        <a:srgbClr val="DDDDDD"/>
-                      </a:solidFill>
-                      <a:prstDash val="solid"/>
-                      <a:round/>
-                      <a:headEnd type="none" w="med" len="med"/>
-                      <a:tailEnd type="none" w="med" len="med"/>
-                    </a:lnB>
-                  </a:tcPr>
-                </a:tc>
-              </a:tr>
-              <a:tr h="348518">
-                <a:tc>
-                  <a:txBody>
-                    <a:bodyPr/>
-                    <a:lstStyle/>
-                    <a:p>
-                      <a:pPr fontAlgn="t"/>
-                      <a:r>
-                        <a:rPr lang="en-GB" sz="700">
-                          <a:effectLst/>
-                        </a:rPr>
-                        <a:t>ushort</a:t>
-                      </a:r>
-                    </a:p>
-                  </a:txBody>
-                  <a:tcPr marL="76200" marR="76200" marT="76200" marB="76200">
-                    <a:lnL w="9525" cap="flat" cmpd="sng" algn="ctr">
-                      <a:solidFill>
-                        <a:srgbClr val="DDDDDD"/>
-                      </a:solidFill>
-                      <a:prstDash val="solid"/>
-                      <a:round/>
-                      <a:headEnd type="none" w="med" len="med"/>
-                      <a:tailEnd type="none" w="med" len="med"/>
-                    </a:lnL>
-                    <a:lnR w="9525" cap="flat" cmpd="sng" algn="ctr">
-                      <a:solidFill>
-                        <a:srgbClr val="DDDDDD"/>
-                      </a:solidFill>
-                      <a:prstDash val="solid"/>
-                      <a:round/>
-                      <a:headEnd type="none" w="med" len="med"/>
-                      <a:tailEnd type="none" w="med" len="med"/>
-                    </a:lnR>
-                    <a:lnT w="9525" cap="flat" cmpd="sng" algn="ctr">
-                      <a:solidFill>
-                        <a:srgbClr val="DDDDDD"/>
-                      </a:solidFill>
-                      <a:prstDash val="solid"/>
-                      <a:round/>
-                      <a:headEnd type="none" w="med" len="med"/>
-                      <a:tailEnd type="none" w="med" len="med"/>
-                    </a:lnT>
-                    <a:lnB w="9525" cap="flat" cmpd="sng" algn="ctr">
-                      <a:solidFill>
-                        <a:srgbClr val="DDDDDD"/>
-                      </a:solidFill>
-                      <a:prstDash val="solid"/>
-                      <a:round/>
-                      <a:headEnd type="none" w="med" len="med"/>
-                      <a:tailEnd type="none" w="med" len="med"/>
-                    </a:lnB>
-                  </a:tcPr>
-                </a:tc>
-                <a:tc>
-                  <a:txBody>
-                    <a:bodyPr/>
-                    <a:lstStyle/>
-                    <a:p>
-                      <a:pPr fontAlgn="t"/>
-                      <a:r>
-                        <a:rPr lang="en-GB" sz="700" dirty="0">
-                          <a:effectLst/>
-                        </a:rPr>
-                        <a:t>16-bit unsigned integer type</a:t>
-                      </a:r>
-                    </a:p>
-                  </a:txBody>
-                  <a:tcPr marL="76200" marR="76200" marT="76200" marB="76200">
-                    <a:lnL w="9525" cap="flat" cmpd="sng" algn="ctr">
-                      <a:solidFill>
-                        <a:srgbClr val="DDDDDD"/>
-                      </a:solidFill>
-                      <a:prstDash val="solid"/>
-                      <a:round/>
-                      <a:headEnd type="none" w="med" len="med"/>
-                      <a:tailEnd type="none" w="med" len="med"/>
-                    </a:lnL>
-                    <a:lnR w="9525" cap="flat" cmpd="sng" algn="ctr">
-                      <a:solidFill>
-                        <a:srgbClr val="DDDDDD"/>
-                      </a:solidFill>
-                      <a:prstDash val="solid"/>
-                      <a:round/>
-                      <a:headEnd type="none" w="med" len="med"/>
-                      <a:tailEnd type="none" w="med" len="med"/>
-                    </a:lnR>
-                    <a:lnT w="9525" cap="flat" cmpd="sng" algn="ctr">
-                      <a:solidFill>
-                        <a:srgbClr val="DDDDDD"/>
-                      </a:solidFill>
-                      <a:prstDash val="solid"/>
-                      <a:round/>
-                      <a:headEnd type="none" w="med" len="med"/>
-                      <a:tailEnd type="none" w="med" len="med"/>
-                    </a:lnT>
-                    <a:lnB w="9525" cap="flat" cmpd="sng" algn="ctr">
-                      <a:solidFill>
-                        <a:srgbClr val="DDDDDD"/>
-                      </a:solidFill>
-                      <a:prstDash val="solid"/>
-                      <a:round/>
-                      <a:headEnd type="none" w="med" len="med"/>
-                      <a:tailEnd type="none" w="med" len="med"/>
-                    </a:lnB>
-                  </a:tcPr>
-                </a:tc>
-                <a:tc>
-                  <a:txBody>
-                    <a:bodyPr/>
-                    <a:lstStyle/>
-                    <a:p>
-                      <a:pPr fontAlgn="t"/>
-                      <a:r>
-                        <a:rPr lang="en-GB" sz="700" dirty="0">
-                          <a:effectLst/>
-                        </a:rPr>
-                        <a:t>0 to 65,535</a:t>
-                      </a:r>
-                    </a:p>
-                  </a:txBody>
-                  <a:tcPr marL="76200" marR="76200" marT="76200" marB="76200">
-                    <a:lnL w="9525" cap="flat" cmpd="sng" algn="ctr">
-                      <a:solidFill>
-                        <a:srgbClr val="DDDDDD"/>
-                      </a:solidFill>
-                      <a:prstDash val="solid"/>
-                      <a:round/>
-                      <a:headEnd type="none" w="med" len="med"/>
-                      <a:tailEnd type="none" w="med" len="med"/>
-                    </a:lnL>
-                    <a:lnR w="9525" cap="flat" cmpd="sng" algn="ctr">
-                      <a:solidFill>
-                        <a:srgbClr val="DDDDDD"/>
-                      </a:solidFill>
-                      <a:prstDash val="solid"/>
-                      <a:round/>
-                      <a:headEnd type="none" w="med" len="med"/>
-                      <a:tailEnd type="none" w="med" len="med"/>
-                    </a:lnR>
-                    <a:lnT w="9525" cap="flat" cmpd="sng" algn="ctr">
-                      <a:solidFill>
-                        <a:srgbClr val="DDDDDD"/>
-                      </a:solidFill>
-                      <a:prstDash val="solid"/>
-                      <a:round/>
-                      <a:headEnd type="none" w="med" len="med"/>
-                      <a:tailEnd type="none" w="med" len="med"/>
-                    </a:lnT>
-                    <a:lnB w="9525" cap="flat" cmpd="sng" algn="ctr">
-                      <a:solidFill>
-                        <a:srgbClr val="DDDDDD"/>
-                      </a:solidFill>
-                      <a:prstDash val="solid"/>
-                      <a:round/>
-                      <a:headEnd type="none" w="med" len="med"/>
-                      <a:tailEnd type="none" w="med" len="med"/>
-                    </a:lnB>
-                  </a:tcPr>
-                </a:tc>
-                <a:tc>
-                  <a:txBody>
-                    <a:bodyPr/>
-                    <a:lstStyle/>
-                    <a:p>
-                      <a:pPr fontAlgn="t"/>
-                      <a:r>
-                        <a:rPr lang="en-GB" sz="700" dirty="0">
+                        <a:rPr lang="en-GB" sz="1200" dirty="0">
                           <a:effectLst/>
                         </a:rPr>
                         <a:t>0</a:t>
@@ -6788,7 +7287,7 @@
     </p:spTree>
     <p:extLst>
       <p:ext uri="{BB962C8B-B14F-4D97-AF65-F5344CB8AC3E}">
-        <p14:creationId xmlns:p14="http://schemas.microsoft.com/office/powerpoint/2010/main" val="1571059126"/>
+        <p14:creationId xmlns:p14="http://schemas.microsoft.com/office/powerpoint/2010/main" xmlns="" val="1571059126"/>
       </p:ext>
     </p:extLst>
   </p:cSld>
@@ -6913,7 +7412,7 @@
     </p:spTree>
     <p:extLst>
       <p:ext uri="{BB962C8B-B14F-4D97-AF65-F5344CB8AC3E}">
-        <p14:creationId xmlns:p14="http://schemas.microsoft.com/office/powerpoint/2010/main" val="2095863398"/>
+        <p14:creationId xmlns:p14="http://schemas.microsoft.com/office/powerpoint/2010/main" xmlns="" val="2095863398"/>
       </p:ext>
     </p:extLst>
   </p:cSld>
@@ -7053,7 +7552,101 @@
     </p:spTree>
     <p:extLst>
       <p:ext uri="{BB962C8B-B14F-4D97-AF65-F5344CB8AC3E}">
-        <p14:creationId xmlns:p14="http://schemas.microsoft.com/office/powerpoint/2010/main" val="3132902260"/>
+        <p14:creationId xmlns:p14="http://schemas.microsoft.com/office/powerpoint/2010/main" xmlns="" val="3132902260"/>
+      </p:ext>
+    </p:extLst>
+  </p:cSld>
+  <p:clrMapOvr>
+    <a:masterClrMapping/>
+  </p:clrMapOvr>
+</p:sld>
+</file>
+
+<file path=ppt/slides/slide9.xml><?xml version="1.0" encoding="utf-8"?>
+<p:sld xmlns:a="http://schemas.openxmlformats.org/drawingml/2006/main" xmlns:r="http://schemas.openxmlformats.org/officeDocument/2006/relationships" xmlns:p="http://schemas.openxmlformats.org/presentationml/2006/main">
+  <p:cSld>
+    <p:spTree>
+      <p:nvGrpSpPr>
+        <p:cNvPr id="1" name=""/>
+        <p:cNvGrpSpPr/>
+        <p:nvPr/>
+      </p:nvGrpSpPr>
+      <p:grpSpPr>
+        <a:xfrm>
+          <a:off x="0" y="0"/>
+          <a:ext cx="0" cy="0"/>
+          <a:chOff x="0" y="0"/>
+          <a:chExt cx="0" cy="0"/>
+        </a:xfrm>
+      </p:grpSpPr>
+      <p:sp>
+        <p:nvSpPr>
+          <p:cNvPr id="2" name="Title 1"/>
+          <p:cNvSpPr>
+            <a:spLocks noGrp="1"/>
+          </p:cNvSpPr>
+          <p:nvPr>
+            <p:ph type="title"/>
+          </p:nvPr>
+        </p:nvSpPr>
+        <p:spPr/>
+        <p:txBody>
+          <a:bodyPr/>
+          <a:lstStyle/>
+          <a:p>
+            <a:r>
+              <a:rPr lang="en-GB" dirty="0" smtClean="0"/>
+              <a:t>Methods - constructors</a:t>
+            </a:r>
+            <a:endParaRPr lang="en-GB" dirty="0"/>
+          </a:p>
+        </p:txBody>
+      </p:sp>
+      <p:sp>
+        <p:nvSpPr>
+          <p:cNvPr id="3" name="Content Placeholder 2"/>
+          <p:cNvSpPr>
+            <a:spLocks noGrp="1"/>
+          </p:cNvSpPr>
+          <p:nvPr>
+            <p:ph idx="1"/>
+          </p:nvPr>
+        </p:nvSpPr>
+        <p:spPr/>
+        <p:txBody>
+          <a:bodyPr/>
+          <a:lstStyle/>
+          <a:p>
+            <a:r>
+              <a:rPr lang="en-GB" dirty="0" smtClean="0"/>
+              <a:t>Whenever a class is created, a constructor is called.</a:t>
+            </a:r>
+          </a:p>
+          <a:p>
+            <a:r>
+              <a:rPr lang="en-GB" dirty="0" smtClean="0"/>
+              <a:t>There can be more than one constructor</a:t>
+            </a:r>
+          </a:p>
+          <a:p>
+            <a:r>
+              <a:rPr lang="en-GB" dirty="0" smtClean="0"/>
+              <a:t>A default constructor is created if explicit constructor not provided.</a:t>
+            </a:r>
+          </a:p>
+          <a:p>
+            <a:r>
+              <a:rPr lang="en-GB" dirty="0" smtClean="0"/>
+              <a:t>Name of the constructor method is same as class name</a:t>
+            </a:r>
+            <a:endParaRPr lang="en-GB" dirty="0"/>
+          </a:p>
+        </p:txBody>
+      </p:sp>
+    </p:spTree>
+    <p:extLst>
+      <p:ext uri="{BB962C8B-B14F-4D97-AF65-F5344CB8AC3E}">
+        <p14:creationId xmlns:p14="http://schemas.microsoft.com/office/powerpoint/2010/main" xmlns="" val="3132902260"/>
       </p:ext>
     </p:extLst>
   </p:cSld>
@@ -7106,7 +7699,7 @@
     </a:clrScheme>
     <a:fontScheme name="Office">
       <a:majorFont>
-        <a:latin typeface="Calibri Light" panose="020F0302020204030204"/>
+        <a:latin typeface="Calibri Light"/>
         <a:ea typeface=""/>
         <a:cs typeface=""/>
         <a:font script="Jpan" typeface="ＭＳ Ｐゴシック"/>
@@ -7141,7 +7734,7 @@
         <a:font script="Geor" typeface="Sylfaen"/>
       </a:majorFont>
       <a:minorFont>
-        <a:latin typeface="Calibri" panose="020F0502020204030204"/>
+        <a:latin typeface="Calibri"/>
         <a:ea typeface=""/>
         <a:cs typeface=""/>
         <a:font script="Jpan" typeface="ＭＳ Ｐゴシック"/>
@@ -7318,7 +7911,7 @@
   <a:extraClrSchemeLst/>
   <a:extLst>
     <a:ext uri="{05A4C25C-085E-4340-85A3-A5531E510DB2}">
-      <thm15:themeFamily xmlns:thm15="http://schemas.microsoft.com/office/thememl/2012/main" name="Office Theme" id="{62F939B6-93AF-4DB8-9C6B-D6C7DFDC589F}" vid="{4A3C46E8-61CC-4603-A589-7422A47A8E4A}"/>
+      <thm15:themeFamily xmlns:thm15="http://schemas.microsoft.com/office/thememl/2012/main" xmlns="" name="Office Theme" id="{62F939B6-93AF-4DB8-9C6B-D6C7DFDC589F}" vid="{4A3C46E8-61CC-4603-A589-7422A47A8E4A}"/>
     </a:ext>
   </a:extLst>
 </a:theme>

--- a/Mentoring/Mentoring.pptx
+++ b/Mentoring/Mentoring.pptx
@@ -13,11 +13,12 @@
     <p:sldId id="261" r:id="rId7"/>
     <p:sldId id="262" r:id="rId8"/>
     <p:sldId id="263" r:id="rId9"/>
-    <p:sldId id="264" r:id="rId10"/>
-    <p:sldId id="265" r:id="rId11"/>
-    <p:sldId id="266" r:id="rId12"/>
-    <p:sldId id="267" r:id="rId13"/>
-    <p:sldId id="268" r:id="rId14"/>
+    <p:sldId id="269" r:id="rId10"/>
+    <p:sldId id="264" r:id="rId11"/>
+    <p:sldId id="265" r:id="rId12"/>
+    <p:sldId id="266" r:id="rId13"/>
+    <p:sldId id="267" r:id="rId14"/>
+    <p:sldId id="268" r:id="rId15"/>
   </p:sldIdLst>
   <p:sldSz cx="12192000" cy="6858000"/>
   <p:notesSz cx="6858000" cy="9144000"/>
@@ -251,7 +252,7 @@
             <a:fld id="{86493750-F22B-4E7D-BCCE-8D9C8E191F2D}" type="datetimeFigureOut">
               <a:rPr lang="en-GB" smtClean="0"/>
               <a:pPr/>
-              <a:t>20/04/2015</a:t>
+              <a:t>23/04/2015</a:t>
             </a:fld>
             <a:endParaRPr lang="en-GB"/>
           </a:p>
@@ -303,7 +304,7 @@
     </p:spTree>
     <p:extLst>
       <p:ext uri="{BB962C8B-B14F-4D97-AF65-F5344CB8AC3E}">
-        <p14:creationId xmlns:p14="http://schemas.microsoft.com/office/powerpoint/2010/main" xmlns="" val="2058599619"/>
+        <p14:creationId xmlns:p14="http://schemas.microsoft.com/office/powerpoint/2010/main" val="2058599619"/>
       </p:ext>
     </p:extLst>
   </p:cSld>
@@ -423,7 +424,7 @@
             <a:fld id="{86493750-F22B-4E7D-BCCE-8D9C8E191F2D}" type="datetimeFigureOut">
               <a:rPr lang="en-GB" smtClean="0"/>
               <a:pPr/>
-              <a:t>20/04/2015</a:t>
+              <a:t>23/04/2015</a:t>
             </a:fld>
             <a:endParaRPr lang="en-GB"/>
           </a:p>
@@ -475,7 +476,7 @@
     </p:spTree>
     <p:extLst>
       <p:ext uri="{BB962C8B-B14F-4D97-AF65-F5344CB8AC3E}">
-        <p14:creationId xmlns:p14="http://schemas.microsoft.com/office/powerpoint/2010/main" xmlns="" val="3984300148"/>
+        <p14:creationId xmlns:p14="http://schemas.microsoft.com/office/powerpoint/2010/main" val="3984300148"/>
       </p:ext>
     </p:extLst>
   </p:cSld>
@@ -605,7 +606,7 @@
             <a:fld id="{86493750-F22B-4E7D-BCCE-8D9C8E191F2D}" type="datetimeFigureOut">
               <a:rPr lang="en-GB" smtClean="0"/>
               <a:pPr/>
-              <a:t>20/04/2015</a:t>
+              <a:t>23/04/2015</a:t>
             </a:fld>
             <a:endParaRPr lang="en-GB"/>
           </a:p>
@@ -657,7 +658,7 @@
     </p:spTree>
     <p:extLst>
       <p:ext uri="{BB962C8B-B14F-4D97-AF65-F5344CB8AC3E}">
-        <p14:creationId xmlns:p14="http://schemas.microsoft.com/office/powerpoint/2010/main" xmlns="" val="1263319666"/>
+        <p14:creationId xmlns:p14="http://schemas.microsoft.com/office/powerpoint/2010/main" val="1263319666"/>
       </p:ext>
     </p:extLst>
   </p:cSld>
@@ -777,7 +778,7 @@
             <a:fld id="{86493750-F22B-4E7D-BCCE-8D9C8E191F2D}" type="datetimeFigureOut">
               <a:rPr lang="en-GB" smtClean="0"/>
               <a:pPr/>
-              <a:t>20/04/2015</a:t>
+              <a:t>23/04/2015</a:t>
             </a:fld>
             <a:endParaRPr lang="en-GB"/>
           </a:p>
@@ -829,7 +830,7 @@
     </p:spTree>
     <p:extLst>
       <p:ext uri="{BB962C8B-B14F-4D97-AF65-F5344CB8AC3E}">
-        <p14:creationId xmlns:p14="http://schemas.microsoft.com/office/powerpoint/2010/main" xmlns="" val="100123728"/>
+        <p14:creationId xmlns:p14="http://schemas.microsoft.com/office/powerpoint/2010/main" val="100123728"/>
       </p:ext>
     </p:extLst>
   </p:cSld>
@@ -1025,7 +1026,7 @@
             <a:fld id="{86493750-F22B-4E7D-BCCE-8D9C8E191F2D}" type="datetimeFigureOut">
               <a:rPr lang="en-GB" smtClean="0"/>
               <a:pPr/>
-              <a:t>20/04/2015</a:t>
+              <a:t>23/04/2015</a:t>
             </a:fld>
             <a:endParaRPr lang="en-GB"/>
           </a:p>
@@ -1077,7 +1078,7 @@
     </p:spTree>
     <p:extLst>
       <p:ext uri="{BB962C8B-B14F-4D97-AF65-F5344CB8AC3E}">
-        <p14:creationId xmlns:p14="http://schemas.microsoft.com/office/powerpoint/2010/main" xmlns="" val="3090918771"/>
+        <p14:creationId xmlns:p14="http://schemas.microsoft.com/office/powerpoint/2010/main" val="3090918771"/>
       </p:ext>
     </p:extLst>
   </p:cSld>
@@ -1259,7 +1260,7 @@
             <a:fld id="{86493750-F22B-4E7D-BCCE-8D9C8E191F2D}" type="datetimeFigureOut">
               <a:rPr lang="en-GB" smtClean="0"/>
               <a:pPr/>
-              <a:t>20/04/2015</a:t>
+              <a:t>23/04/2015</a:t>
             </a:fld>
             <a:endParaRPr lang="en-GB"/>
           </a:p>
@@ -1311,7 +1312,7 @@
     </p:spTree>
     <p:extLst>
       <p:ext uri="{BB962C8B-B14F-4D97-AF65-F5344CB8AC3E}">
-        <p14:creationId xmlns:p14="http://schemas.microsoft.com/office/powerpoint/2010/main" xmlns="" val="73995833"/>
+        <p14:creationId xmlns:p14="http://schemas.microsoft.com/office/powerpoint/2010/main" val="73995833"/>
       </p:ext>
     </p:extLst>
   </p:cSld>
@@ -1628,7 +1629,7 @@
             <a:fld id="{86493750-F22B-4E7D-BCCE-8D9C8E191F2D}" type="datetimeFigureOut">
               <a:rPr lang="en-GB" smtClean="0"/>
               <a:pPr/>
-              <a:t>20/04/2015</a:t>
+              <a:t>23/04/2015</a:t>
             </a:fld>
             <a:endParaRPr lang="en-GB"/>
           </a:p>
@@ -1680,7 +1681,7 @@
     </p:spTree>
     <p:extLst>
       <p:ext uri="{BB962C8B-B14F-4D97-AF65-F5344CB8AC3E}">
-        <p14:creationId xmlns:p14="http://schemas.microsoft.com/office/powerpoint/2010/main" xmlns="" val="4212562317"/>
+        <p14:creationId xmlns:p14="http://schemas.microsoft.com/office/powerpoint/2010/main" val="4212562317"/>
       </p:ext>
     </p:extLst>
   </p:cSld>
@@ -1748,7 +1749,7 @@
             <a:fld id="{86493750-F22B-4E7D-BCCE-8D9C8E191F2D}" type="datetimeFigureOut">
               <a:rPr lang="en-GB" smtClean="0"/>
               <a:pPr/>
-              <a:t>20/04/2015</a:t>
+              <a:t>23/04/2015</a:t>
             </a:fld>
             <a:endParaRPr lang="en-GB"/>
           </a:p>
@@ -1800,7 +1801,7 @@
     </p:spTree>
     <p:extLst>
       <p:ext uri="{BB962C8B-B14F-4D97-AF65-F5344CB8AC3E}">
-        <p14:creationId xmlns:p14="http://schemas.microsoft.com/office/powerpoint/2010/main" xmlns="" val="268999207"/>
+        <p14:creationId xmlns:p14="http://schemas.microsoft.com/office/powerpoint/2010/main" val="268999207"/>
       </p:ext>
     </p:extLst>
   </p:cSld>
@@ -1845,7 +1846,7 @@
             <a:fld id="{86493750-F22B-4E7D-BCCE-8D9C8E191F2D}" type="datetimeFigureOut">
               <a:rPr lang="en-GB" smtClean="0"/>
               <a:pPr/>
-              <a:t>20/04/2015</a:t>
+              <a:t>23/04/2015</a:t>
             </a:fld>
             <a:endParaRPr lang="en-GB"/>
           </a:p>
@@ -1897,7 +1898,7 @@
     </p:spTree>
     <p:extLst>
       <p:ext uri="{BB962C8B-B14F-4D97-AF65-F5344CB8AC3E}">
-        <p14:creationId xmlns:p14="http://schemas.microsoft.com/office/powerpoint/2010/main" xmlns="" val="1253232629"/>
+        <p14:creationId xmlns:p14="http://schemas.microsoft.com/office/powerpoint/2010/main" val="1253232629"/>
       </p:ext>
     </p:extLst>
   </p:cSld>
@@ -2124,7 +2125,7 @@
             <a:fld id="{86493750-F22B-4E7D-BCCE-8D9C8E191F2D}" type="datetimeFigureOut">
               <a:rPr lang="en-GB" smtClean="0"/>
               <a:pPr/>
-              <a:t>20/04/2015</a:t>
+              <a:t>23/04/2015</a:t>
             </a:fld>
             <a:endParaRPr lang="en-GB"/>
           </a:p>
@@ -2176,7 +2177,7 @@
     </p:spTree>
     <p:extLst>
       <p:ext uri="{BB962C8B-B14F-4D97-AF65-F5344CB8AC3E}">
-        <p14:creationId xmlns:p14="http://schemas.microsoft.com/office/powerpoint/2010/main" xmlns="" val="1566747817"/>
+        <p14:creationId xmlns:p14="http://schemas.microsoft.com/office/powerpoint/2010/main" val="1566747817"/>
       </p:ext>
     </p:extLst>
   </p:cSld>
@@ -2379,7 +2380,7 @@
             <a:fld id="{86493750-F22B-4E7D-BCCE-8D9C8E191F2D}" type="datetimeFigureOut">
               <a:rPr lang="en-GB" smtClean="0"/>
               <a:pPr/>
-              <a:t>20/04/2015</a:t>
+              <a:t>23/04/2015</a:t>
             </a:fld>
             <a:endParaRPr lang="en-GB"/>
           </a:p>
@@ -2431,7 +2432,7 @@
     </p:spTree>
     <p:extLst>
       <p:ext uri="{BB962C8B-B14F-4D97-AF65-F5344CB8AC3E}">
-        <p14:creationId xmlns:p14="http://schemas.microsoft.com/office/powerpoint/2010/main" xmlns="" val="2197038133"/>
+        <p14:creationId xmlns:p14="http://schemas.microsoft.com/office/powerpoint/2010/main" val="2197038133"/>
       </p:ext>
     </p:extLst>
   </p:cSld>
@@ -2594,7 +2595,7 @@
             <a:fld id="{86493750-F22B-4E7D-BCCE-8D9C8E191F2D}" type="datetimeFigureOut">
               <a:rPr lang="en-GB" smtClean="0"/>
               <a:pPr/>
-              <a:t>20/04/2015</a:t>
+              <a:t>23/04/2015</a:t>
             </a:fld>
             <a:endParaRPr lang="en-GB"/>
           </a:p>
@@ -2682,7 +2683,7 @@
     </p:spTree>
     <p:extLst>
       <p:ext uri="{BB962C8B-B14F-4D97-AF65-F5344CB8AC3E}">
-        <p14:creationId xmlns:p14="http://schemas.microsoft.com/office/powerpoint/2010/main" xmlns="" val="2454303294"/>
+        <p14:creationId xmlns:p14="http://schemas.microsoft.com/office/powerpoint/2010/main" val="2454303294"/>
       </p:ext>
     </p:extLst>
   </p:cSld>
@@ -3049,7 +3050,7 @@
     </p:spTree>
     <p:extLst>
       <p:ext uri="{BB962C8B-B14F-4D97-AF65-F5344CB8AC3E}">
-        <p14:creationId xmlns:p14="http://schemas.microsoft.com/office/powerpoint/2010/main" xmlns="" val="1185252511"/>
+        <p14:creationId xmlns:p14="http://schemas.microsoft.com/office/powerpoint/2010/main" val="1185252511"/>
       </p:ext>
     </p:extLst>
   </p:cSld>
@@ -3093,7 +3094,7 @@
           <a:p>
             <a:r>
               <a:rPr lang="en-GB" dirty="0" smtClean="0"/>
-              <a:t>Methods</a:t>
+              <a:t>Methods - constructors</a:t>
             </a:r>
             <a:endParaRPr lang="en-GB" dirty="0"/>
           </a:p>
@@ -3116,86 +3117,25 @@
           <a:p>
             <a:r>
               <a:rPr lang="en-GB" dirty="0" smtClean="0"/>
-              <a:t>Method has a access modifier, return type, name and arguments</a:t>
-            </a:r>
-          </a:p>
-          <a:p>
-            <a:pPr>
-              <a:buNone/>
-            </a:pPr>
+              <a:t>Whenever a class is created, a constructor is called.</a:t>
+            </a:r>
+          </a:p>
+          <a:p>
             <a:r>
               <a:rPr lang="en-GB" dirty="0" smtClean="0"/>
-              <a:t>e.g. public </a:t>
-            </a:r>
-            <a:r>
-              <a:rPr lang="en-GB" dirty="0" err="1" smtClean="0"/>
-              <a:t>int</a:t>
-            </a:r>
+              <a:t>There can be more than one constructor</a:t>
+            </a:r>
+          </a:p>
+          <a:p>
             <a:r>
               <a:rPr lang="en-GB" dirty="0" smtClean="0"/>
-              <a:t> Add (</a:t>
-            </a:r>
-            <a:r>
-              <a:rPr lang="en-GB" dirty="0" err="1" smtClean="0"/>
-              <a:t>int</a:t>
-            </a:r>
+              <a:t>A default constructor is created if explicit constructor not provided.</a:t>
+            </a:r>
+          </a:p>
+          <a:p>
             <a:r>
               <a:rPr lang="en-GB" dirty="0" smtClean="0"/>
-              <a:t> a, </a:t>
-            </a:r>
-            <a:r>
-              <a:rPr lang="en-GB" dirty="0" err="1" smtClean="0"/>
-              <a:t>int</a:t>
-            </a:r>
-            <a:r>
-              <a:rPr lang="en-GB" dirty="0" smtClean="0"/>
-              <a:t> b)</a:t>
-            </a:r>
-          </a:p>
-          <a:p>
-            <a:r>
-              <a:rPr lang="en-GB" dirty="0" smtClean="0"/>
-              <a:t>Access modifiers:</a:t>
-            </a:r>
-          </a:p>
-          <a:p>
-            <a:r>
-              <a:rPr lang="en-GB" dirty="0" smtClean="0"/>
-              <a:t>private - accessible in the class/</a:t>
-            </a:r>
-            <a:r>
-              <a:rPr lang="en-GB" dirty="0" err="1" smtClean="0"/>
-              <a:t>struct</a:t>
-            </a:r>
-            <a:r>
-              <a:rPr lang="en-GB" dirty="0" smtClean="0"/>
-              <a:t> only </a:t>
-            </a:r>
-          </a:p>
-          <a:p>
-            <a:r>
-              <a:rPr lang="en-GB" dirty="0" smtClean="0"/>
-              <a:t>protected – accessible in the class/</a:t>
-            </a:r>
-            <a:r>
-              <a:rPr lang="en-GB" dirty="0" err="1" smtClean="0"/>
-              <a:t>struct</a:t>
-            </a:r>
-            <a:r>
-              <a:rPr lang="en-GB" dirty="0" smtClean="0"/>
-              <a:t> and any derived classes</a:t>
-            </a:r>
-          </a:p>
-          <a:p>
-            <a:r>
-              <a:rPr lang="en-GB" dirty="0" smtClean="0"/>
-              <a:t>Internal – accessible anywhere within the assembly</a:t>
-            </a:r>
-          </a:p>
-          <a:p>
-            <a:r>
-              <a:rPr lang="en-GB" dirty="0" smtClean="0"/>
-              <a:t>Public – accessible anywhere within the assembly and any other assemblies referencing the assembly.</a:t>
+              <a:t>Name of the constructor method is same as class name</a:t>
             </a:r>
             <a:endParaRPr lang="en-GB" dirty="0"/>
           </a:p>
@@ -3204,7 +3144,7 @@
     </p:spTree>
     <p:extLst>
       <p:ext uri="{BB962C8B-B14F-4D97-AF65-F5344CB8AC3E}">
-        <p14:creationId xmlns:p14="http://schemas.microsoft.com/office/powerpoint/2010/main" xmlns="" val="3132902260"/>
+        <p14:creationId xmlns:p14="http://schemas.microsoft.com/office/powerpoint/2010/main" val="3132902260"/>
       </p:ext>
     </p:extLst>
   </p:cSld>
@@ -3248,7 +3188,7 @@
           <a:p>
             <a:r>
               <a:rPr lang="en-GB" dirty="0" smtClean="0"/>
-              <a:t>Methods – ref parameters</a:t>
+              <a:t>Methods</a:t>
             </a:r>
             <a:endParaRPr lang="en-GB" dirty="0"/>
           </a:p>
@@ -3271,33 +3211,95 @@
           <a:p>
             <a:r>
               <a:rPr lang="en-GB" dirty="0" smtClean="0"/>
-              <a:t>Normally an argument passed into a method remains unchanged</a:t>
-            </a:r>
-          </a:p>
-          <a:p>
-            <a:r>
-              <a:rPr lang="en-GB" dirty="0" smtClean="0"/>
-              <a:t>A ref keyword allows you to change the value of the argument – the argument is passed by reference rather than by value</a:t>
-            </a:r>
-          </a:p>
-          <a:p>
-            <a:r>
-              <a:rPr lang="en-GB" dirty="0" smtClean="0"/>
-              <a:t>Tends not to be used much as can become an unpredictable and difficult to understand side effect.  </a:t>
+              <a:t>Method has a access modifier, return type, name and arguments</a:t>
             </a:r>
           </a:p>
           <a:p>
             <a:pPr>
               <a:buNone/>
             </a:pPr>
-            <a:endParaRPr lang="en-GB" dirty="0" smtClean="0"/>
+            <a:r>
+              <a:rPr lang="en-GB" dirty="0" smtClean="0"/>
+              <a:t>e.g. public </a:t>
+            </a:r>
+            <a:r>
+              <a:rPr lang="en-GB" dirty="0" err="1" smtClean="0"/>
+              <a:t>int</a:t>
+            </a:r>
+            <a:r>
+              <a:rPr lang="en-GB" dirty="0" smtClean="0"/>
+              <a:t> Add (</a:t>
+            </a:r>
+            <a:r>
+              <a:rPr lang="en-GB" dirty="0" err="1" smtClean="0"/>
+              <a:t>int</a:t>
+            </a:r>
+            <a:r>
+              <a:rPr lang="en-GB" dirty="0" smtClean="0"/>
+              <a:t> a, </a:t>
+            </a:r>
+            <a:r>
+              <a:rPr lang="en-GB" dirty="0" err="1" smtClean="0"/>
+              <a:t>int</a:t>
+            </a:r>
+            <a:r>
+              <a:rPr lang="en-GB" dirty="0" smtClean="0"/>
+              <a:t> b)</a:t>
+            </a:r>
+          </a:p>
+          <a:p>
+            <a:r>
+              <a:rPr lang="en-GB" dirty="0" smtClean="0"/>
+              <a:t>Access modifiers:</a:t>
+            </a:r>
+          </a:p>
+          <a:p>
+            <a:r>
+              <a:rPr lang="en-GB" dirty="0" smtClean="0"/>
+              <a:t>private - accessible in the class/</a:t>
+            </a:r>
+            <a:r>
+              <a:rPr lang="en-GB" dirty="0" err="1" smtClean="0"/>
+              <a:t>struct</a:t>
+            </a:r>
+            <a:r>
+              <a:rPr lang="en-GB" dirty="0" smtClean="0"/>
+              <a:t> only </a:t>
+            </a:r>
+          </a:p>
+          <a:p>
+            <a:r>
+              <a:rPr lang="en-GB" dirty="0" smtClean="0"/>
+              <a:t>protected – accessible in the class/</a:t>
+            </a:r>
+            <a:r>
+              <a:rPr lang="en-GB" dirty="0" err="1" smtClean="0"/>
+              <a:t>struct</a:t>
+            </a:r>
+            <a:r>
+              <a:rPr lang="en-GB" dirty="0" smtClean="0"/>
+              <a:t> and any derived classes</a:t>
+            </a:r>
+          </a:p>
+          <a:p>
+            <a:r>
+              <a:rPr lang="en-GB" dirty="0" smtClean="0"/>
+              <a:t>Internal – accessible anywhere within the assembly</a:t>
+            </a:r>
+          </a:p>
+          <a:p>
+            <a:r>
+              <a:rPr lang="en-GB" dirty="0" smtClean="0"/>
+              <a:t>Public – accessible anywhere within the assembly and any other assemblies referencing the assembly.</a:t>
+            </a:r>
+            <a:endParaRPr lang="en-GB" dirty="0"/>
           </a:p>
         </p:txBody>
       </p:sp>
     </p:spTree>
     <p:extLst>
       <p:ext uri="{BB962C8B-B14F-4D97-AF65-F5344CB8AC3E}">
-        <p14:creationId xmlns:p14="http://schemas.microsoft.com/office/powerpoint/2010/main" xmlns="" val="3132902260"/>
+        <p14:creationId xmlns:p14="http://schemas.microsoft.com/office/powerpoint/2010/main" val="3132902260"/>
       </p:ext>
     </p:extLst>
   </p:cSld>
@@ -3341,7 +3343,7 @@
           <a:p>
             <a:r>
               <a:rPr lang="en-GB" dirty="0" smtClean="0"/>
-              <a:t>Methods – out parameters</a:t>
+              <a:t>Methods – ref parameters</a:t>
             </a:r>
             <a:endParaRPr lang="en-GB" dirty="0"/>
           </a:p>
@@ -3364,19 +3366,19 @@
           <a:p>
             <a:r>
               <a:rPr lang="en-GB" dirty="0" smtClean="0"/>
-              <a:t>Normally a method will return a single result, but sometimes you may want it to return something else</a:t>
+              <a:t>Normally an argument passed into a method remains unchanged</a:t>
             </a:r>
           </a:p>
           <a:p>
             <a:r>
               <a:rPr lang="en-GB" dirty="0" smtClean="0"/>
-              <a:t>Out keyword lets you define an argument which will get set within the method, but is not its return value</a:t>
+              <a:t>A ref keyword allows you to change the value of the argument – the argument is passed by reference rather than by value</a:t>
             </a:r>
           </a:p>
           <a:p>
             <a:r>
               <a:rPr lang="en-GB" dirty="0" smtClean="0"/>
-              <a:t>Tends not to be used much any more as it suggests more the method has more than one responsibility</a:t>
+              <a:t>Tends not to be used much as can become an unpredictable and difficult to understand side effect.  </a:t>
             </a:r>
           </a:p>
           <a:p>
@@ -3385,51 +3387,12 @@
             </a:pPr>
             <a:endParaRPr lang="en-GB" dirty="0" smtClean="0"/>
           </a:p>
-          <a:p>
-            <a:pPr>
-              <a:buNone/>
-            </a:pPr>
-            <a:r>
-              <a:rPr lang="en-GB" dirty="0" smtClean="0"/>
-              <a:t>public static </a:t>
-            </a:r>
-            <a:r>
-              <a:rPr lang="en-GB" dirty="0" err="1" smtClean="0"/>
-              <a:t>bool</a:t>
-            </a:r>
-            <a:r>
-              <a:rPr lang="en-GB" dirty="0" smtClean="0"/>
-              <a:t> </a:t>
-            </a:r>
-            <a:r>
-              <a:rPr lang="en-GB" dirty="0" err="1" smtClean="0"/>
-              <a:t>TryParse</a:t>
-            </a:r>
-            <a:r>
-              <a:rPr lang="en-GB" dirty="0" smtClean="0"/>
-              <a:t>( string s, out </a:t>
-            </a:r>
-            <a:r>
-              <a:rPr lang="en-GB" dirty="0" err="1" smtClean="0"/>
-              <a:t>int</a:t>
-            </a:r>
-            <a:r>
-              <a:rPr lang="en-GB" dirty="0" smtClean="0"/>
-              <a:t> result )</a:t>
-            </a:r>
-          </a:p>
-          <a:p>
-            <a:pPr>
-              <a:buNone/>
-            </a:pPr>
-            <a:endParaRPr lang="en-GB" dirty="0" smtClean="0"/>
-          </a:p>
         </p:txBody>
       </p:sp>
     </p:spTree>
     <p:extLst>
       <p:ext uri="{BB962C8B-B14F-4D97-AF65-F5344CB8AC3E}">
-        <p14:creationId xmlns:p14="http://schemas.microsoft.com/office/powerpoint/2010/main" xmlns="" val="3132902260"/>
+        <p14:creationId xmlns:p14="http://schemas.microsoft.com/office/powerpoint/2010/main" val="3132902260"/>
       </p:ext>
     </p:extLst>
   </p:cSld>
@@ -3473,15 +3436,7 @@
           <a:p>
             <a:r>
               <a:rPr lang="en-GB" dirty="0" smtClean="0"/>
-              <a:t>Methods – </a:t>
-            </a:r>
-            <a:r>
-              <a:rPr lang="en-GB" dirty="0" err="1" smtClean="0"/>
-              <a:t>params</a:t>
-            </a:r>
-            <a:r>
-              <a:rPr lang="en-GB" dirty="0" smtClean="0"/>
-              <a:t> keyword</a:t>
+              <a:t>Methods – out parameters</a:t>
             </a:r>
             <a:endParaRPr lang="en-GB" dirty="0"/>
           </a:p>
@@ -3503,20 +3458,160 @@
           <a:lstStyle/>
           <a:p>
             <a:r>
+              <a:rPr lang="en-GB" dirty="0" smtClean="0"/>
+              <a:t>Normally a method will return a single result, but sometimes you may want it to return something else</a:t>
+            </a:r>
+          </a:p>
+          <a:p>
+            <a:r>
+              <a:rPr lang="en-GB" dirty="0" smtClean="0"/>
+              <a:t>Out keyword lets you define an argument which will get set within the method, but is not its return value</a:t>
+            </a:r>
+          </a:p>
+          <a:p>
+            <a:r>
+              <a:rPr lang="en-GB" dirty="0" smtClean="0"/>
+              <a:t>Tends not to be used much any more as it suggests more the method has more than one responsibility</a:t>
+            </a:r>
+          </a:p>
+          <a:p>
+            <a:pPr>
+              <a:buNone/>
+            </a:pPr>
+            <a:endParaRPr lang="en-GB" dirty="0" smtClean="0"/>
+          </a:p>
+          <a:p>
+            <a:pPr>
+              <a:buNone/>
+            </a:pPr>
+            <a:r>
+              <a:rPr lang="en-GB" dirty="0" smtClean="0"/>
+              <a:t>public static </a:t>
+            </a:r>
+            <a:r>
               <a:rPr lang="en-GB" dirty="0" err="1" smtClean="0"/>
-              <a:t>Params</a:t>
+              <a:t>bool</a:t>
             </a:r>
             <a:r>
               <a:rPr lang="en-GB" dirty="0" smtClean="0"/>
-              <a:t> allows a variable number of parameters to be passed into a method</a:t>
-            </a:r>
+              <a:t> </a:t>
+            </a:r>
+            <a:r>
+              <a:rPr lang="en-GB" dirty="0" err="1" smtClean="0"/>
+              <a:t>TryParse</a:t>
+            </a:r>
+            <a:r>
+              <a:rPr lang="en-GB" dirty="0" smtClean="0"/>
+              <a:t>( string s, out </a:t>
+            </a:r>
+            <a:r>
+              <a:rPr lang="en-GB" dirty="0" err="1" smtClean="0"/>
+              <a:t>int</a:t>
+            </a:r>
+            <a:r>
+              <a:rPr lang="en-GB" dirty="0" smtClean="0"/>
+              <a:t> result )</a:t>
+            </a:r>
+          </a:p>
+          <a:p>
+            <a:pPr>
+              <a:buNone/>
+            </a:pPr>
+            <a:endParaRPr lang="en-GB" dirty="0" smtClean="0"/>
           </a:p>
         </p:txBody>
       </p:sp>
     </p:spTree>
     <p:extLst>
       <p:ext uri="{BB962C8B-B14F-4D97-AF65-F5344CB8AC3E}">
-        <p14:creationId xmlns:p14="http://schemas.microsoft.com/office/powerpoint/2010/main" xmlns="" val="3132902260"/>
+        <p14:creationId xmlns:p14="http://schemas.microsoft.com/office/powerpoint/2010/main" val="3132902260"/>
+      </p:ext>
+    </p:extLst>
+  </p:cSld>
+  <p:clrMapOvr>
+    <a:masterClrMapping/>
+  </p:clrMapOvr>
+</p:sld>
+</file>
+
+<file path=ppt/slides/slide14.xml><?xml version="1.0" encoding="utf-8"?>
+<p:sld xmlns:a="http://schemas.openxmlformats.org/drawingml/2006/main" xmlns:r="http://schemas.openxmlformats.org/officeDocument/2006/relationships" xmlns:p="http://schemas.openxmlformats.org/presentationml/2006/main">
+  <p:cSld>
+    <p:spTree>
+      <p:nvGrpSpPr>
+        <p:cNvPr id="1" name=""/>
+        <p:cNvGrpSpPr/>
+        <p:nvPr/>
+      </p:nvGrpSpPr>
+      <p:grpSpPr>
+        <a:xfrm>
+          <a:off x="0" y="0"/>
+          <a:ext cx="0" cy="0"/>
+          <a:chOff x="0" y="0"/>
+          <a:chExt cx="0" cy="0"/>
+        </a:xfrm>
+      </p:grpSpPr>
+      <p:sp>
+        <p:nvSpPr>
+          <p:cNvPr id="2" name="Title 1"/>
+          <p:cNvSpPr>
+            <a:spLocks noGrp="1"/>
+          </p:cNvSpPr>
+          <p:nvPr>
+            <p:ph type="title"/>
+          </p:nvPr>
+        </p:nvSpPr>
+        <p:spPr/>
+        <p:txBody>
+          <a:bodyPr/>
+          <a:lstStyle/>
+          <a:p>
+            <a:r>
+              <a:rPr lang="en-GB" dirty="0" smtClean="0"/>
+              <a:t>Methods – </a:t>
+            </a:r>
+            <a:r>
+              <a:rPr lang="en-GB" dirty="0" err="1" smtClean="0"/>
+              <a:t>params</a:t>
+            </a:r>
+            <a:r>
+              <a:rPr lang="en-GB" dirty="0" smtClean="0"/>
+              <a:t> keyword</a:t>
+            </a:r>
+            <a:endParaRPr lang="en-GB" dirty="0"/>
+          </a:p>
+        </p:txBody>
+      </p:sp>
+      <p:sp>
+        <p:nvSpPr>
+          <p:cNvPr id="3" name="Content Placeholder 2"/>
+          <p:cNvSpPr>
+            <a:spLocks noGrp="1"/>
+          </p:cNvSpPr>
+          <p:nvPr>
+            <p:ph idx="1"/>
+          </p:nvPr>
+        </p:nvSpPr>
+        <p:spPr/>
+        <p:txBody>
+          <a:bodyPr/>
+          <a:lstStyle/>
+          <a:p>
+            <a:r>
+              <a:rPr lang="en-GB" dirty="0" err="1" smtClean="0"/>
+              <a:t>Params</a:t>
+            </a:r>
+            <a:r>
+              <a:rPr lang="en-GB" dirty="0" smtClean="0"/>
+              <a:t> allows a variable number of parameters to be passed into a method</a:t>
+            </a:r>
+          </a:p>
+        </p:txBody>
+      </p:sp>
+    </p:spTree>
+    <p:extLst>
+      <p:ext uri="{BB962C8B-B14F-4D97-AF65-F5344CB8AC3E}">
+        <p14:creationId xmlns:p14="http://schemas.microsoft.com/office/powerpoint/2010/main" val="3132902260"/>
       </p:ext>
     </p:extLst>
   </p:cSld>
@@ -3661,7 +3756,7 @@
     </p:spTree>
     <p:extLst>
       <p:ext uri="{BB962C8B-B14F-4D97-AF65-F5344CB8AC3E}">
-        <p14:creationId xmlns:p14="http://schemas.microsoft.com/office/powerpoint/2010/main" xmlns="" val="35582945"/>
+        <p14:creationId xmlns:p14="http://schemas.microsoft.com/office/powerpoint/2010/main" val="35582945"/>
       </p:ext>
     </p:extLst>
   </p:cSld>
@@ -3834,7 +3929,7 @@
     </p:spTree>
     <p:extLst>
       <p:ext uri="{BB962C8B-B14F-4D97-AF65-F5344CB8AC3E}">
-        <p14:creationId xmlns:p14="http://schemas.microsoft.com/office/powerpoint/2010/main" xmlns="" val="2154589627"/>
+        <p14:creationId xmlns:p14="http://schemas.microsoft.com/office/powerpoint/2010/main" val="2154589627"/>
       </p:ext>
     </p:extLst>
   </p:cSld>
@@ -3998,7 +4093,7 @@
     </p:spTree>
     <p:extLst>
       <p:ext uri="{BB962C8B-B14F-4D97-AF65-F5344CB8AC3E}">
-        <p14:creationId xmlns:p14="http://schemas.microsoft.com/office/powerpoint/2010/main" xmlns="" val="4232262784"/>
+        <p14:creationId xmlns:p14="http://schemas.microsoft.com/office/powerpoint/2010/main" val="4232262784"/>
       </p:ext>
     </p:extLst>
   </p:cSld>
@@ -4115,7 +4210,7 @@
     </p:spTree>
     <p:extLst>
       <p:ext uri="{BB962C8B-B14F-4D97-AF65-F5344CB8AC3E}">
-        <p14:creationId xmlns:p14="http://schemas.microsoft.com/office/powerpoint/2010/main" xmlns="" val="3488989693"/>
+        <p14:creationId xmlns:p14="http://schemas.microsoft.com/office/powerpoint/2010/main" val="3488989693"/>
       </p:ext>
     </p:extLst>
   </p:cSld>
@@ -4175,7 +4270,7 @@
             <p:ph idx="1"/>
             <p:extLst>
               <p:ext uri="{D42A27DB-BD31-4B8C-83A1-F6EECF244321}">
-                <p14:modId xmlns:p14="http://schemas.microsoft.com/office/powerpoint/2010/main" xmlns="" val="3856182305"/>
+                <p14:modId xmlns:p14="http://schemas.microsoft.com/office/powerpoint/2010/main" val="3856182305"/>
               </p:ext>
             </p:extLst>
           </p:nvPr>
@@ -7287,7 +7382,7 @@
     </p:spTree>
     <p:extLst>
       <p:ext uri="{BB962C8B-B14F-4D97-AF65-F5344CB8AC3E}">
-        <p14:creationId xmlns:p14="http://schemas.microsoft.com/office/powerpoint/2010/main" xmlns="" val="1571059126"/>
+        <p14:creationId xmlns:p14="http://schemas.microsoft.com/office/powerpoint/2010/main" val="1571059126"/>
       </p:ext>
     </p:extLst>
   </p:cSld>
@@ -7412,7 +7507,7 @@
     </p:spTree>
     <p:extLst>
       <p:ext uri="{BB962C8B-B14F-4D97-AF65-F5344CB8AC3E}">
-        <p14:creationId xmlns:p14="http://schemas.microsoft.com/office/powerpoint/2010/main" xmlns="" val="2095863398"/>
+        <p14:creationId xmlns:p14="http://schemas.microsoft.com/office/powerpoint/2010/main" val="2095863398"/>
       </p:ext>
     </p:extLst>
   </p:cSld>
@@ -7552,7 +7647,7 @@
     </p:spTree>
     <p:extLst>
       <p:ext uri="{BB962C8B-B14F-4D97-AF65-F5344CB8AC3E}">
-        <p14:creationId xmlns:p14="http://schemas.microsoft.com/office/powerpoint/2010/main" xmlns="" val="3132902260"/>
+        <p14:creationId xmlns:p14="http://schemas.microsoft.com/office/powerpoint/2010/main" val="3132902260"/>
       </p:ext>
     </p:extLst>
   </p:cSld>
@@ -7596,7 +7691,11 @@
           <a:p>
             <a:r>
               <a:rPr lang="en-GB" dirty="0" smtClean="0"/>
-              <a:t>Methods - constructors</a:t>
+              <a:t>Data Types – </a:t>
+            </a:r>
+            <a:r>
+              <a:rPr lang="en-GB" dirty="0" err="1" smtClean="0"/>
+              <a:t>Enums</a:t>
             </a:r>
             <a:endParaRPr lang="en-GB" dirty="0"/>
           </a:p>
@@ -7619,25 +7718,73 @@
           <a:p>
             <a:r>
               <a:rPr lang="en-GB" dirty="0" smtClean="0"/>
-              <a:t>Whenever a class is created, a constructor is called.</a:t>
+              <a:t>Allows you to create a set of names constants called the enumerator list.</a:t>
             </a:r>
           </a:p>
           <a:p>
             <a:r>
               <a:rPr lang="en-GB" dirty="0" smtClean="0"/>
-              <a:t>There can be more than one constructor</a:t>
+              <a:t>The items are numbers – by default the first item = 0.</a:t>
             </a:r>
           </a:p>
           <a:p>
             <a:r>
               <a:rPr lang="en-GB" dirty="0" smtClean="0"/>
-              <a:t>A default constructor is created if explicit constructor not provided.</a:t>
+              <a:t>Each subsequent value is incremented by 1. </a:t>
             </a:r>
           </a:p>
           <a:p>
             <a:r>
               <a:rPr lang="en-GB" dirty="0" smtClean="0"/>
-              <a:t>Name of the constructor method is same as class name</a:t>
+              <a:t>Can force it to use a different start number. </a:t>
+            </a:r>
+          </a:p>
+          <a:p>
+            <a:r>
+              <a:rPr lang="en-GB" dirty="0" smtClean="0"/>
+              <a:t>Has an underlying type – can be </a:t>
+            </a:r>
+            <a:r>
+              <a:rPr lang="en-GB" dirty="0" err="1" smtClean="0"/>
+              <a:t>int</a:t>
+            </a:r>
+            <a:r>
+              <a:rPr lang="en-GB" dirty="0" smtClean="0"/>
+              <a:t>, byte, short, long, </a:t>
+            </a:r>
+            <a:r>
+              <a:rPr lang="en-GB" dirty="0" err="1" smtClean="0"/>
+              <a:t>ushort</a:t>
+            </a:r>
+            <a:r>
+              <a:rPr lang="en-GB" dirty="0" smtClean="0"/>
+              <a:t>, </a:t>
+            </a:r>
+            <a:r>
+              <a:rPr lang="en-GB" dirty="0" err="1" smtClean="0"/>
+              <a:t>ulong</a:t>
+            </a:r>
+            <a:r>
+              <a:rPr lang="en-GB" dirty="0" smtClean="0"/>
+              <a:t>, </a:t>
+            </a:r>
+            <a:r>
+              <a:rPr lang="en-GB" dirty="0" err="1" smtClean="0"/>
+              <a:t>sbyte</a:t>
+            </a:r>
+            <a:r>
+              <a:rPr lang="en-GB" dirty="0" smtClean="0"/>
+              <a:t>. Default is int. </a:t>
+            </a:r>
+          </a:p>
+          <a:p>
+            <a:r>
+              <a:rPr lang="en-GB" dirty="0" smtClean="0"/>
+              <a:t>Default value is the value </a:t>
+            </a:r>
+            <a:r>
+              <a:rPr lang="en-GB" smtClean="0"/>
+              <a:t>at position 0.</a:t>
             </a:r>
             <a:endParaRPr lang="en-GB" dirty="0"/>
           </a:p>
@@ -7646,7 +7793,7 @@
     </p:spTree>
     <p:extLst>
       <p:ext uri="{BB962C8B-B14F-4D97-AF65-F5344CB8AC3E}">
-        <p14:creationId xmlns:p14="http://schemas.microsoft.com/office/powerpoint/2010/main" xmlns="" val="3132902260"/>
+        <p14:creationId xmlns:p14="http://schemas.microsoft.com/office/powerpoint/2010/main" val="628313174"/>
       </p:ext>
     </p:extLst>
   </p:cSld>
@@ -7911,7 +8058,7 @@
   <a:extraClrSchemeLst/>
   <a:extLst>
     <a:ext uri="{05A4C25C-085E-4340-85A3-A5531E510DB2}">
-      <thm15:themeFamily xmlns:thm15="http://schemas.microsoft.com/office/thememl/2012/main" xmlns="" name="Office Theme" id="{62F939B6-93AF-4DB8-9C6B-D6C7DFDC589F}" vid="{4A3C46E8-61CC-4603-A589-7422A47A8E4A}"/>
+      <thm15:themeFamily xmlns="" xmlns:thm15="http://schemas.microsoft.com/office/thememl/2012/main" name="Office Theme" id="{62F939B6-93AF-4DB8-9C6B-D6C7DFDC589F}" vid="{4A3C46E8-61CC-4603-A589-7422A47A8E4A}"/>
     </a:ext>
   </a:extLst>
 </a:theme>

--- a/Mentoring/Mentoring.pptx
+++ b/Mentoring/Mentoring.pptx
@@ -15,10 +15,11 @@
     <p:sldId id="263" r:id="rId9"/>
     <p:sldId id="269" r:id="rId10"/>
     <p:sldId id="264" r:id="rId11"/>
-    <p:sldId id="265" r:id="rId12"/>
-    <p:sldId id="266" r:id="rId13"/>
-    <p:sldId id="267" r:id="rId14"/>
-    <p:sldId id="268" r:id="rId15"/>
+    <p:sldId id="270" r:id="rId12"/>
+    <p:sldId id="265" r:id="rId13"/>
+    <p:sldId id="266" r:id="rId14"/>
+    <p:sldId id="267" r:id="rId15"/>
+    <p:sldId id="268" r:id="rId16"/>
   </p:sldIdLst>
   <p:sldSz cx="12192000" cy="6858000"/>
   <p:notesSz cx="6858000" cy="9144000"/>
@@ -3188,7 +3189,11 @@
           <a:p>
             <a:r>
               <a:rPr lang="en-GB" dirty="0" smtClean="0"/>
-              <a:t>Methods</a:t>
+              <a:t>Methods </a:t>
+            </a:r>
+            <a:r>
+              <a:rPr lang="en-GB" dirty="0" smtClean="0"/>
+              <a:t>– object initialization</a:t>
             </a:r>
             <a:endParaRPr lang="en-GB" dirty="0"/>
           </a:p>
@@ -3211,95 +3216,129 @@
           <a:p>
             <a:r>
               <a:rPr lang="en-GB" dirty="0" smtClean="0"/>
-              <a:t>Method has a access modifier, return type, name and arguments</a:t>
-            </a:r>
-          </a:p>
-          <a:p>
-            <a:pPr>
+              <a:t>Rather than create a new object, and then set its properties, or create a new object and pass all the values the properties in the constructor, we can use an object initializer. </a:t>
+            </a:r>
+          </a:p>
+          <a:p>
+            <a:r>
+              <a:rPr lang="en-GB" dirty="0" smtClean="0"/>
+              <a:t>Allows you set a variable number of properties in a single statement. </a:t>
+            </a:r>
+          </a:p>
+          <a:p>
+            <a:pPr marL="457200" lvl="1" indent="0">
               <a:buNone/>
             </a:pPr>
-            <a:r>
-              <a:rPr lang="en-GB" dirty="0" smtClean="0"/>
-              <a:t>e.g. public </a:t>
-            </a:r>
-            <a:r>
-              <a:rPr lang="en-GB" dirty="0" err="1" smtClean="0"/>
-              <a:t>int</a:t>
-            </a:r>
-            <a:r>
-              <a:rPr lang="en-GB" dirty="0" smtClean="0"/>
-              <a:t> Add (</a:t>
-            </a:r>
-            <a:r>
-              <a:rPr lang="en-GB" dirty="0" err="1" smtClean="0"/>
-              <a:t>int</a:t>
-            </a:r>
-            <a:r>
-              <a:rPr lang="en-GB" dirty="0" smtClean="0"/>
-              <a:t> a, </a:t>
-            </a:r>
-            <a:r>
-              <a:rPr lang="en-GB" dirty="0" err="1" smtClean="0"/>
-              <a:t>int</a:t>
-            </a:r>
-            <a:r>
-              <a:rPr lang="en-GB" dirty="0" smtClean="0"/>
-              <a:t> b)</a:t>
-            </a:r>
-          </a:p>
-          <a:p>
-            <a:r>
-              <a:rPr lang="en-GB" dirty="0" smtClean="0"/>
-              <a:t>Access modifiers:</a:t>
-            </a:r>
-          </a:p>
-          <a:p>
-            <a:r>
-              <a:rPr lang="en-GB" dirty="0" smtClean="0"/>
-              <a:t>private - accessible in the class/</a:t>
-            </a:r>
-            <a:r>
-              <a:rPr lang="en-GB" dirty="0" err="1" smtClean="0"/>
-              <a:t>struct</a:t>
-            </a:r>
-            <a:r>
-              <a:rPr lang="en-GB" dirty="0" smtClean="0"/>
-              <a:t> only </a:t>
-            </a:r>
-          </a:p>
-          <a:p>
-            <a:r>
-              <a:rPr lang="en-GB" dirty="0" smtClean="0"/>
-              <a:t>protected – accessible in the class/</a:t>
-            </a:r>
-            <a:r>
-              <a:rPr lang="en-GB" dirty="0" err="1" smtClean="0"/>
-              <a:t>struct</a:t>
-            </a:r>
-            <a:r>
-              <a:rPr lang="en-GB" dirty="0" smtClean="0"/>
-              <a:t> and any derived classes</a:t>
-            </a:r>
-          </a:p>
-          <a:p>
-            <a:r>
-              <a:rPr lang="en-GB" dirty="0" smtClean="0"/>
-              <a:t>Internal – accessible anywhere within the assembly</a:t>
-            </a:r>
-          </a:p>
-          <a:p>
-            <a:r>
-              <a:rPr lang="en-GB" dirty="0" smtClean="0"/>
-              <a:t>Public – accessible anywhere within the assembly and any other assemblies referencing the assembly.</a:t>
-            </a:r>
-            <a:endParaRPr lang="en-GB" dirty="0"/>
+            <a:endParaRPr lang="en-GB" dirty="0" smtClean="0"/>
+          </a:p>
+          <a:p>
+            <a:pPr marL="457200" lvl="1" indent="0">
+              <a:buNone/>
+            </a:pPr>
+            <a:r>
+              <a:rPr lang="en-GB" dirty="0" smtClean="0">
+                <a:solidFill>
+                  <a:schemeClr val="accent1">
+                    <a:lumMod val="75000"/>
+                  </a:schemeClr>
+                </a:solidFill>
+              </a:rPr>
+              <a:t>		</a:t>
+            </a:r>
+            <a:r>
+              <a:rPr lang="en-GB" dirty="0" err="1" smtClean="0">
+                <a:solidFill>
+                  <a:schemeClr val="accent1">
+                    <a:lumMod val="75000"/>
+                  </a:schemeClr>
+                </a:solidFill>
+              </a:rPr>
+              <a:t>var</a:t>
+            </a:r>
+            <a:r>
+              <a:rPr lang="en-GB" dirty="0" smtClean="0">
+                <a:solidFill>
+                  <a:schemeClr val="accent1">
+                    <a:lumMod val="75000"/>
+                  </a:schemeClr>
+                </a:solidFill>
+              </a:rPr>
+              <a:t> patient = new Patient</a:t>
+            </a:r>
+          </a:p>
+          <a:p>
+            <a:pPr marL="457200" lvl="1" indent="0">
+              <a:buNone/>
+            </a:pPr>
+            <a:r>
+              <a:rPr lang="en-GB" dirty="0" smtClean="0">
+                <a:solidFill>
+                  <a:schemeClr val="accent1">
+                    <a:lumMod val="75000"/>
+                  </a:schemeClr>
+                </a:solidFill>
+              </a:rPr>
+              <a:t>		{</a:t>
+            </a:r>
+          </a:p>
+          <a:p>
+            <a:pPr marL="457200" lvl="1" indent="0">
+              <a:buNone/>
+            </a:pPr>
+            <a:r>
+              <a:rPr lang="en-GB" dirty="0" smtClean="0">
+                <a:solidFill>
+                  <a:schemeClr val="accent1">
+                    <a:lumMod val="75000"/>
+                  </a:schemeClr>
+                </a:solidFill>
+              </a:rPr>
+              <a:t>			Name = “John”,</a:t>
+            </a:r>
+          </a:p>
+          <a:p>
+            <a:pPr marL="457200" lvl="1" indent="0">
+              <a:buNone/>
+            </a:pPr>
+            <a:r>
+              <a:rPr lang="en-GB" dirty="0" smtClean="0">
+                <a:solidFill>
+                  <a:schemeClr val="accent1">
+                    <a:lumMod val="75000"/>
+                  </a:schemeClr>
+                </a:solidFill>
+              </a:rPr>
+              <a:t>			Surname = “Smith”</a:t>
+            </a:r>
+          </a:p>
+          <a:p>
+            <a:pPr marL="457200" lvl="1" indent="0">
+              <a:buNone/>
+            </a:pPr>
+            <a:r>
+              <a:rPr lang="en-GB" smtClean="0">
+                <a:solidFill>
+                  <a:schemeClr val="accent1">
+                    <a:lumMod val="75000"/>
+                  </a:schemeClr>
+                </a:solidFill>
+              </a:rPr>
+              <a:t>		}</a:t>
+            </a:r>
+            <a:endParaRPr lang="en-GB" dirty="0">
+              <a:solidFill>
+                <a:schemeClr val="accent1">
+                  <a:lumMod val="75000"/>
+                </a:schemeClr>
+              </a:solidFill>
+            </a:endParaRPr>
           </a:p>
         </p:txBody>
       </p:sp>
     </p:spTree>
     <p:extLst>
       <p:ext uri="{BB962C8B-B14F-4D97-AF65-F5344CB8AC3E}">
-        <p14:creationId xmlns:p14="http://schemas.microsoft.com/office/powerpoint/2010/main" val="3132902260"/>
+        <p14:creationId xmlns:p14="http://schemas.microsoft.com/office/powerpoint/2010/main" val="3184111263"/>
       </p:ext>
     </p:extLst>
   </p:cSld>
@@ -3343,7 +3382,7 @@
           <a:p>
             <a:r>
               <a:rPr lang="en-GB" dirty="0" smtClean="0"/>
-              <a:t>Methods – ref parameters</a:t>
+              <a:t>Methods</a:t>
             </a:r>
             <a:endParaRPr lang="en-GB" dirty="0"/>
           </a:p>
@@ -3366,26 +3405,88 @@
           <a:p>
             <a:r>
               <a:rPr lang="en-GB" dirty="0" smtClean="0"/>
-              <a:t>Normally an argument passed into a method remains unchanged</a:t>
-            </a:r>
-          </a:p>
-          <a:p>
-            <a:r>
-              <a:rPr lang="en-GB" dirty="0" smtClean="0"/>
-              <a:t>A ref keyword allows you to change the value of the argument – the argument is passed by reference rather than by value</a:t>
-            </a:r>
-          </a:p>
-          <a:p>
-            <a:r>
-              <a:rPr lang="en-GB" dirty="0" smtClean="0"/>
-              <a:t>Tends not to be used much as can become an unpredictable and difficult to understand side effect.  </a:t>
+              <a:t>Method has a access modifier, return type, name and arguments</a:t>
             </a:r>
           </a:p>
           <a:p>
             <a:pPr>
               <a:buNone/>
             </a:pPr>
-            <a:endParaRPr lang="en-GB" dirty="0" smtClean="0"/>
+            <a:r>
+              <a:rPr lang="en-GB" dirty="0" smtClean="0"/>
+              <a:t>e.g. public </a:t>
+            </a:r>
+            <a:r>
+              <a:rPr lang="en-GB" dirty="0" err="1" smtClean="0"/>
+              <a:t>int</a:t>
+            </a:r>
+            <a:r>
+              <a:rPr lang="en-GB" dirty="0" smtClean="0"/>
+              <a:t> Add (</a:t>
+            </a:r>
+            <a:r>
+              <a:rPr lang="en-GB" dirty="0" err="1" smtClean="0"/>
+              <a:t>int</a:t>
+            </a:r>
+            <a:r>
+              <a:rPr lang="en-GB" dirty="0" smtClean="0"/>
+              <a:t> a, </a:t>
+            </a:r>
+            <a:r>
+              <a:rPr lang="en-GB" dirty="0" err="1" smtClean="0"/>
+              <a:t>int</a:t>
+            </a:r>
+            <a:r>
+              <a:rPr lang="en-GB" dirty="0" smtClean="0"/>
+              <a:t> b)</a:t>
+            </a:r>
+          </a:p>
+          <a:p>
+            <a:r>
+              <a:rPr lang="en-GB" dirty="0" smtClean="0"/>
+              <a:t>Access modifiers:</a:t>
+            </a:r>
+          </a:p>
+          <a:p>
+            <a:r>
+              <a:rPr lang="en-GB" dirty="0" smtClean="0"/>
+              <a:t>private - accessible in the class/</a:t>
+            </a:r>
+            <a:r>
+              <a:rPr lang="en-GB" dirty="0" err="1" smtClean="0"/>
+              <a:t>struct</a:t>
+            </a:r>
+            <a:r>
+              <a:rPr lang="en-GB" dirty="0" smtClean="0"/>
+              <a:t> only </a:t>
+            </a:r>
+          </a:p>
+          <a:p>
+            <a:r>
+              <a:rPr lang="en-GB" dirty="0" smtClean="0"/>
+              <a:t>protected – accessible in the class/</a:t>
+            </a:r>
+            <a:r>
+              <a:rPr lang="en-GB" dirty="0" err="1" smtClean="0"/>
+              <a:t>struct</a:t>
+            </a:r>
+            <a:r>
+              <a:rPr lang="en-GB" dirty="0" smtClean="0"/>
+              <a:t> and any derived classes</a:t>
+            </a:r>
+          </a:p>
+          <a:p>
+            <a:r>
+              <a:rPr lang="en-GB" dirty="0" smtClean="0"/>
+              <a:t>Internal – accessible anywhere within the assembly</a:t>
+            </a:r>
+          </a:p>
+          <a:p>
+            <a:r>
+              <a:rPr lang="en-GB" dirty="0" smtClean="0"/>
+              <a:t>Public – accessible anywhere within the assembly and any other assemblies referencing the assembly.</a:t>
+            </a:r>
+            <a:endParaRPr lang="en-GB" dirty="0"/>
           </a:p>
         </p:txBody>
       </p:sp>
@@ -3436,7 +3537,7 @@
           <a:p>
             <a:r>
               <a:rPr lang="en-GB" dirty="0" smtClean="0"/>
-              <a:t>Methods – out parameters</a:t>
+              <a:t>Methods – ref parameters</a:t>
             </a:r>
             <a:endParaRPr lang="en-GB" dirty="0"/>
           </a:p>
@@ -3459,58 +3560,19 @@
           <a:p>
             <a:r>
               <a:rPr lang="en-GB" dirty="0" smtClean="0"/>
-              <a:t>Normally a method will return a single result, but sometimes you may want it to return something else</a:t>
+              <a:t>Normally an argument passed into a method remains unchanged</a:t>
             </a:r>
           </a:p>
           <a:p>
             <a:r>
               <a:rPr lang="en-GB" dirty="0" smtClean="0"/>
-              <a:t>Out keyword lets you define an argument which will get set within the method, but is not its return value</a:t>
+              <a:t>A ref keyword allows you to change the value of the argument – the argument is passed by reference rather than by value</a:t>
             </a:r>
           </a:p>
           <a:p>
             <a:r>
               <a:rPr lang="en-GB" dirty="0" smtClean="0"/>
-              <a:t>Tends not to be used much any more as it suggests more the method has more than one responsibility</a:t>
-            </a:r>
-          </a:p>
-          <a:p>
-            <a:pPr>
-              <a:buNone/>
-            </a:pPr>
-            <a:endParaRPr lang="en-GB" dirty="0" smtClean="0"/>
-          </a:p>
-          <a:p>
-            <a:pPr>
-              <a:buNone/>
-            </a:pPr>
-            <a:r>
-              <a:rPr lang="en-GB" dirty="0" smtClean="0"/>
-              <a:t>public static </a:t>
-            </a:r>
-            <a:r>
-              <a:rPr lang="en-GB" dirty="0" err="1" smtClean="0"/>
-              <a:t>bool</a:t>
-            </a:r>
-            <a:r>
-              <a:rPr lang="en-GB" dirty="0" smtClean="0"/>
-              <a:t> </a:t>
-            </a:r>
-            <a:r>
-              <a:rPr lang="en-GB" dirty="0" err="1" smtClean="0"/>
-              <a:t>TryParse</a:t>
-            </a:r>
-            <a:r>
-              <a:rPr lang="en-GB" dirty="0" smtClean="0"/>
-              <a:t>( string s, out </a:t>
-            </a:r>
-            <a:r>
-              <a:rPr lang="en-GB" dirty="0" err="1" smtClean="0"/>
-              <a:t>int</a:t>
-            </a:r>
-            <a:r>
-              <a:rPr lang="en-GB" dirty="0" smtClean="0"/>
-              <a:t> result )</a:t>
+              <a:t>Tends not to be used much as can become an unpredictable and difficult to understand side effect.  </a:t>
             </a:r>
           </a:p>
           <a:p>
@@ -3535,6 +3597,138 @@
 </file>
 
 <file path=ppt/slides/slide14.xml><?xml version="1.0" encoding="utf-8"?>
+<p:sld xmlns:a="http://schemas.openxmlformats.org/drawingml/2006/main" xmlns:r="http://schemas.openxmlformats.org/officeDocument/2006/relationships" xmlns:p="http://schemas.openxmlformats.org/presentationml/2006/main">
+  <p:cSld>
+    <p:spTree>
+      <p:nvGrpSpPr>
+        <p:cNvPr id="1" name=""/>
+        <p:cNvGrpSpPr/>
+        <p:nvPr/>
+      </p:nvGrpSpPr>
+      <p:grpSpPr>
+        <a:xfrm>
+          <a:off x="0" y="0"/>
+          <a:ext cx="0" cy="0"/>
+          <a:chOff x="0" y="0"/>
+          <a:chExt cx="0" cy="0"/>
+        </a:xfrm>
+      </p:grpSpPr>
+      <p:sp>
+        <p:nvSpPr>
+          <p:cNvPr id="2" name="Title 1"/>
+          <p:cNvSpPr>
+            <a:spLocks noGrp="1"/>
+          </p:cNvSpPr>
+          <p:nvPr>
+            <p:ph type="title"/>
+          </p:nvPr>
+        </p:nvSpPr>
+        <p:spPr/>
+        <p:txBody>
+          <a:bodyPr/>
+          <a:lstStyle/>
+          <a:p>
+            <a:r>
+              <a:rPr lang="en-GB" dirty="0" smtClean="0"/>
+              <a:t>Methods – out parameters</a:t>
+            </a:r>
+            <a:endParaRPr lang="en-GB" dirty="0"/>
+          </a:p>
+        </p:txBody>
+      </p:sp>
+      <p:sp>
+        <p:nvSpPr>
+          <p:cNvPr id="3" name="Content Placeholder 2"/>
+          <p:cNvSpPr>
+            <a:spLocks noGrp="1"/>
+          </p:cNvSpPr>
+          <p:nvPr>
+            <p:ph idx="1"/>
+          </p:nvPr>
+        </p:nvSpPr>
+        <p:spPr/>
+        <p:txBody>
+          <a:bodyPr/>
+          <a:lstStyle/>
+          <a:p>
+            <a:r>
+              <a:rPr lang="en-GB" dirty="0" smtClean="0"/>
+              <a:t>Normally a method will return a single result, but sometimes you may want it to return something else</a:t>
+            </a:r>
+          </a:p>
+          <a:p>
+            <a:r>
+              <a:rPr lang="en-GB" dirty="0" smtClean="0"/>
+              <a:t>Out keyword lets you define an argument which will get set within the method, but is not its return value</a:t>
+            </a:r>
+          </a:p>
+          <a:p>
+            <a:r>
+              <a:rPr lang="en-GB" dirty="0" smtClean="0"/>
+              <a:t>Tends not to be used much any more as it suggests more the method has more than one responsibility</a:t>
+            </a:r>
+          </a:p>
+          <a:p>
+            <a:pPr>
+              <a:buNone/>
+            </a:pPr>
+            <a:endParaRPr lang="en-GB" dirty="0" smtClean="0"/>
+          </a:p>
+          <a:p>
+            <a:pPr>
+              <a:buNone/>
+            </a:pPr>
+            <a:r>
+              <a:rPr lang="en-GB" dirty="0" smtClean="0"/>
+              <a:t>public static </a:t>
+            </a:r>
+            <a:r>
+              <a:rPr lang="en-GB" dirty="0" err="1" smtClean="0"/>
+              <a:t>bool</a:t>
+            </a:r>
+            <a:r>
+              <a:rPr lang="en-GB" dirty="0" smtClean="0"/>
+              <a:t> </a:t>
+            </a:r>
+            <a:r>
+              <a:rPr lang="en-GB" dirty="0" err="1" smtClean="0"/>
+              <a:t>TryParse</a:t>
+            </a:r>
+            <a:r>
+              <a:rPr lang="en-GB" dirty="0" smtClean="0"/>
+              <a:t>( string s, out </a:t>
+            </a:r>
+            <a:r>
+              <a:rPr lang="en-GB" dirty="0" err="1" smtClean="0"/>
+              <a:t>int</a:t>
+            </a:r>
+            <a:r>
+              <a:rPr lang="en-GB" dirty="0" smtClean="0"/>
+              <a:t> result )</a:t>
+            </a:r>
+          </a:p>
+          <a:p>
+            <a:pPr>
+              <a:buNone/>
+            </a:pPr>
+            <a:endParaRPr lang="en-GB" dirty="0" smtClean="0"/>
+          </a:p>
+        </p:txBody>
+      </p:sp>
+    </p:spTree>
+    <p:extLst>
+      <p:ext uri="{BB962C8B-B14F-4D97-AF65-F5344CB8AC3E}">
+        <p14:creationId xmlns:p14="http://schemas.microsoft.com/office/powerpoint/2010/main" val="3132902260"/>
+      </p:ext>
+    </p:extLst>
+  </p:cSld>
+  <p:clrMapOvr>
+    <a:masterClrMapping/>
+  </p:clrMapOvr>
+</p:sld>
+</file>
+
+<file path=ppt/slides/slide15.xml><?xml version="1.0" encoding="utf-8"?>
 <p:sld xmlns:a="http://schemas.openxmlformats.org/drawingml/2006/main" xmlns:r="http://schemas.openxmlformats.org/officeDocument/2006/relationships" xmlns:p="http://schemas.openxmlformats.org/presentationml/2006/main">
   <p:cSld>
     <p:spTree>
@@ -8058,7 +8252,7 @@
   <a:extraClrSchemeLst/>
   <a:extLst>
     <a:ext uri="{05A4C25C-085E-4340-85A3-A5531E510DB2}">
-      <thm15:themeFamily xmlns="" xmlns:thm15="http://schemas.microsoft.com/office/thememl/2012/main" name="Office Theme" id="{62F939B6-93AF-4DB8-9C6B-D6C7DFDC589F}" vid="{4A3C46E8-61CC-4603-A589-7422A47A8E4A}"/>
+      <thm15:themeFamily xmlns:thm15="http://schemas.microsoft.com/office/thememl/2012/main" xmlns="" name="Office Theme" id="{62F939B6-93AF-4DB8-9C6B-D6C7DFDC589F}" vid="{4A3C46E8-61CC-4603-A589-7422A47A8E4A}"/>
     </a:ext>
   </a:extLst>
 </a:theme>

--- a/Mentoring/Mentoring.pptx
+++ b/Mentoring/Mentoring.pptx
@@ -20,6 +20,11 @@
     <p:sldId id="266" r:id="rId14"/>
     <p:sldId id="267" r:id="rId15"/>
     <p:sldId id="268" r:id="rId16"/>
+    <p:sldId id="271" r:id="rId17"/>
+    <p:sldId id="272" r:id="rId18"/>
+    <p:sldId id="273" r:id="rId19"/>
+    <p:sldId id="274" r:id="rId20"/>
+    <p:sldId id="275" r:id="rId21"/>
   </p:sldIdLst>
   <p:sldSz cx="12192000" cy="6858000"/>
   <p:notesSz cx="6858000" cy="9144000"/>
@@ -253,7 +258,7 @@
             <a:fld id="{86493750-F22B-4E7D-BCCE-8D9C8E191F2D}" type="datetimeFigureOut">
               <a:rPr lang="en-GB" smtClean="0"/>
               <a:pPr/>
-              <a:t>23/04/2015</a:t>
+              <a:t>29/04/2015</a:t>
             </a:fld>
             <a:endParaRPr lang="en-GB"/>
           </a:p>
@@ -305,7 +310,7 @@
     </p:spTree>
     <p:extLst>
       <p:ext uri="{BB962C8B-B14F-4D97-AF65-F5344CB8AC3E}">
-        <p14:creationId xmlns:p14="http://schemas.microsoft.com/office/powerpoint/2010/main" val="2058599619"/>
+        <p14:creationId xmlns:p14="http://schemas.microsoft.com/office/powerpoint/2010/main" xmlns="" val="2058599619"/>
       </p:ext>
     </p:extLst>
   </p:cSld>
@@ -425,7 +430,7 @@
             <a:fld id="{86493750-F22B-4E7D-BCCE-8D9C8E191F2D}" type="datetimeFigureOut">
               <a:rPr lang="en-GB" smtClean="0"/>
               <a:pPr/>
-              <a:t>23/04/2015</a:t>
+              <a:t>29/04/2015</a:t>
             </a:fld>
             <a:endParaRPr lang="en-GB"/>
           </a:p>
@@ -477,7 +482,7 @@
     </p:spTree>
     <p:extLst>
       <p:ext uri="{BB962C8B-B14F-4D97-AF65-F5344CB8AC3E}">
-        <p14:creationId xmlns:p14="http://schemas.microsoft.com/office/powerpoint/2010/main" val="3984300148"/>
+        <p14:creationId xmlns:p14="http://schemas.microsoft.com/office/powerpoint/2010/main" xmlns="" val="3984300148"/>
       </p:ext>
     </p:extLst>
   </p:cSld>
@@ -607,7 +612,7 @@
             <a:fld id="{86493750-F22B-4E7D-BCCE-8D9C8E191F2D}" type="datetimeFigureOut">
               <a:rPr lang="en-GB" smtClean="0"/>
               <a:pPr/>
-              <a:t>23/04/2015</a:t>
+              <a:t>29/04/2015</a:t>
             </a:fld>
             <a:endParaRPr lang="en-GB"/>
           </a:p>
@@ -659,7 +664,7 @@
     </p:spTree>
     <p:extLst>
       <p:ext uri="{BB962C8B-B14F-4D97-AF65-F5344CB8AC3E}">
-        <p14:creationId xmlns:p14="http://schemas.microsoft.com/office/powerpoint/2010/main" val="1263319666"/>
+        <p14:creationId xmlns:p14="http://schemas.microsoft.com/office/powerpoint/2010/main" xmlns="" val="1263319666"/>
       </p:ext>
     </p:extLst>
   </p:cSld>
@@ -779,7 +784,7 @@
             <a:fld id="{86493750-F22B-4E7D-BCCE-8D9C8E191F2D}" type="datetimeFigureOut">
               <a:rPr lang="en-GB" smtClean="0"/>
               <a:pPr/>
-              <a:t>23/04/2015</a:t>
+              <a:t>29/04/2015</a:t>
             </a:fld>
             <a:endParaRPr lang="en-GB"/>
           </a:p>
@@ -831,7 +836,7 @@
     </p:spTree>
     <p:extLst>
       <p:ext uri="{BB962C8B-B14F-4D97-AF65-F5344CB8AC3E}">
-        <p14:creationId xmlns:p14="http://schemas.microsoft.com/office/powerpoint/2010/main" val="100123728"/>
+        <p14:creationId xmlns:p14="http://schemas.microsoft.com/office/powerpoint/2010/main" xmlns="" val="100123728"/>
       </p:ext>
     </p:extLst>
   </p:cSld>
@@ -1027,7 +1032,7 @@
             <a:fld id="{86493750-F22B-4E7D-BCCE-8D9C8E191F2D}" type="datetimeFigureOut">
               <a:rPr lang="en-GB" smtClean="0"/>
               <a:pPr/>
-              <a:t>23/04/2015</a:t>
+              <a:t>29/04/2015</a:t>
             </a:fld>
             <a:endParaRPr lang="en-GB"/>
           </a:p>
@@ -1079,7 +1084,7 @@
     </p:spTree>
     <p:extLst>
       <p:ext uri="{BB962C8B-B14F-4D97-AF65-F5344CB8AC3E}">
-        <p14:creationId xmlns:p14="http://schemas.microsoft.com/office/powerpoint/2010/main" val="3090918771"/>
+        <p14:creationId xmlns:p14="http://schemas.microsoft.com/office/powerpoint/2010/main" xmlns="" val="3090918771"/>
       </p:ext>
     </p:extLst>
   </p:cSld>
@@ -1261,7 +1266,7 @@
             <a:fld id="{86493750-F22B-4E7D-BCCE-8D9C8E191F2D}" type="datetimeFigureOut">
               <a:rPr lang="en-GB" smtClean="0"/>
               <a:pPr/>
-              <a:t>23/04/2015</a:t>
+              <a:t>29/04/2015</a:t>
             </a:fld>
             <a:endParaRPr lang="en-GB"/>
           </a:p>
@@ -1313,7 +1318,7 @@
     </p:spTree>
     <p:extLst>
       <p:ext uri="{BB962C8B-B14F-4D97-AF65-F5344CB8AC3E}">
-        <p14:creationId xmlns:p14="http://schemas.microsoft.com/office/powerpoint/2010/main" val="73995833"/>
+        <p14:creationId xmlns:p14="http://schemas.microsoft.com/office/powerpoint/2010/main" xmlns="" val="73995833"/>
       </p:ext>
     </p:extLst>
   </p:cSld>
@@ -1630,7 +1635,7 @@
             <a:fld id="{86493750-F22B-4E7D-BCCE-8D9C8E191F2D}" type="datetimeFigureOut">
               <a:rPr lang="en-GB" smtClean="0"/>
               <a:pPr/>
-              <a:t>23/04/2015</a:t>
+              <a:t>29/04/2015</a:t>
             </a:fld>
             <a:endParaRPr lang="en-GB"/>
           </a:p>
@@ -1682,7 +1687,7 @@
     </p:spTree>
     <p:extLst>
       <p:ext uri="{BB962C8B-B14F-4D97-AF65-F5344CB8AC3E}">
-        <p14:creationId xmlns:p14="http://schemas.microsoft.com/office/powerpoint/2010/main" val="4212562317"/>
+        <p14:creationId xmlns:p14="http://schemas.microsoft.com/office/powerpoint/2010/main" xmlns="" val="4212562317"/>
       </p:ext>
     </p:extLst>
   </p:cSld>
@@ -1750,7 +1755,7 @@
             <a:fld id="{86493750-F22B-4E7D-BCCE-8D9C8E191F2D}" type="datetimeFigureOut">
               <a:rPr lang="en-GB" smtClean="0"/>
               <a:pPr/>
-              <a:t>23/04/2015</a:t>
+              <a:t>29/04/2015</a:t>
             </a:fld>
             <a:endParaRPr lang="en-GB"/>
           </a:p>
@@ -1802,7 +1807,7 @@
     </p:spTree>
     <p:extLst>
       <p:ext uri="{BB962C8B-B14F-4D97-AF65-F5344CB8AC3E}">
-        <p14:creationId xmlns:p14="http://schemas.microsoft.com/office/powerpoint/2010/main" val="268999207"/>
+        <p14:creationId xmlns:p14="http://schemas.microsoft.com/office/powerpoint/2010/main" xmlns="" val="268999207"/>
       </p:ext>
     </p:extLst>
   </p:cSld>
@@ -1847,7 +1852,7 @@
             <a:fld id="{86493750-F22B-4E7D-BCCE-8D9C8E191F2D}" type="datetimeFigureOut">
               <a:rPr lang="en-GB" smtClean="0"/>
               <a:pPr/>
-              <a:t>23/04/2015</a:t>
+              <a:t>29/04/2015</a:t>
             </a:fld>
             <a:endParaRPr lang="en-GB"/>
           </a:p>
@@ -1899,7 +1904,7 @@
     </p:spTree>
     <p:extLst>
       <p:ext uri="{BB962C8B-B14F-4D97-AF65-F5344CB8AC3E}">
-        <p14:creationId xmlns:p14="http://schemas.microsoft.com/office/powerpoint/2010/main" val="1253232629"/>
+        <p14:creationId xmlns:p14="http://schemas.microsoft.com/office/powerpoint/2010/main" xmlns="" val="1253232629"/>
       </p:ext>
     </p:extLst>
   </p:cSld>
@@ -2126,7 +2131,7 @@
             <a:fld id="{86493750-F22B-4E7D-BCCE-8D9C8E191F2D}" type="datetimeFigureOut">
               <a:rPr lang="en-GB" smtClean="0"/>
               <a:pPr/>
-              <a:t>23/04/2015</a:t>
+              <a:t>29/04/2015</a:t>
             </a:fld>
             <a:endParaRPr lang="en-GB"/>
           </a:p>
@@ -2178,7 +2183,7 @@
     </p:spTree>
     <p:extLst>
       <p:ext uri="{BB962C8B-B14F-4D97-AF65-F5344CB8AC3E}">
-        <p14:creationId xmlns:p14="http://schemas.microsoft.com/office/powerpoint/2010/main" val="1566747817"/>
+        <p14:creationId xmlns:p14="http://schemas.microsoft.com/office/powerpoint/2010/main" xmlns="" val="1566747817"/>
       </p:ext>
     </p:extLst>
   </p:cSld>
@@ -2381,7 +2386,7 @@
             <a:fld id="{86493750-F22B-4E7D-BCCE-8D9C8E191F2D}" type="datetimeFigureOut">
               <a:rPr lang="en-GB" smtClean="0"/>
               <a:pPr/>
-              <a:t>23/04/2015</a:t>
+              <a:t>29/04/2015</a:t>
             </a:fld>
             <a:endParaRPr lang="en-GB"/>
           </a:p>
@@ -2433,7 +2438,7 @@
     </p:spTree>
     <p:extLst>
       <p:ext uri="{BB962C8B-B14F-4D97-AF65-F5344CB8AC3E}">
-        <p14:creationId xmlns:p14="http://schemas.microsoft.com/office/powerpoint/2010/main" val="2197038133"/>
+        <p14:creationId xmlns:p14="http://schemas.microsoft.com/office/powerpoint/2010/main" xmlns="" val="2197038133"/>
       </p:ext>
     </p:extLst>
   </p:cSld>
@@ -2596,7 +2601,7 @@
             <a:fld id="{86493750-F22B-4E7D-BCCE-8D9C8E191F2D}" type="datetimeFigureOut">
               <a:rPr lang="en-GB" smtClean="0"/>
               <a:pPr/>
-              <a:t>23/04/2015</a:t>
+              <a:t>29/04/2015</a:t>
             </a:fld>
             <a:endParaRPr lang="en-GB"/>
           </a:p>
@@ -2684,7 +2689,7 @@
     </p:spTree>
     <p:extLst>
       <p:ext uri="{BB962C8B-B14F-4D97-AF65-F5344CB8AC3E}">
-        <p14:creationId xmlns:p14="http://schemas.microsoft.com/office/powerpoint/2010/main" val="2454303294"/>
+        <p14:creationId xmlns:p14="http://schemas.microsoft.com/office/powerpoint/2010/main" xmlns="" val="2454303294"/>
       </p:ext>
     </p:extLst>
   </p:cSld>
@@ -3051,7 +3056,7 @@
     </p:spTree>
     <p:extLst>
       <p:ext uri="{BB962C8B-B14F-4D97-AF65-F5344CB8AC3E}">
-        <p14:creationId xmlns:p14="http://schemas.microsoft.com/office/powerpoint/2010/main" val="1185252511"/>
+        <p14:creationId xmlns:p14="http://schemas.microsoft.com/office/powerpoint/2010/main" xmlns="" val="1185252511"/>
       </p:ext>
     </p:extLst>
   </p:cSld>
@@ -3145,7 +3150,7 @@
     </p:spTree>
     <p:extLst>
       <p:ext uri="{BB962C8B-B14F-4D97-AF65-F5344CB8AC3E}">
-        <p14:creationId xmlns:p14="http://schemas.microsoft.com/office/powerpoint/2010/main" val="3132902260"/>
+        <p14:creationId xmlns:p14="http://schemas.microsoft.com/office/powerpoint/2010/main" xmlns="" val="3132902260"/>
       </p:ext>
     </p:extLst>
   </p:cSld>
@@ -3189,11 +3194,7 @@
           <a:p>
             <a:r>
               <a:rPr lang="en-GB" dirty="0" smtClean="0"/>
-              <a:t>Methods </a:t>
-            </a:r>
-            <a:r>
-              <a:rPr lang="en-GB" dirty="0" smtClean="0"/>
-              <a:t>– object initialization</a:t>
+              <a:t>Methods – object initialization</a:t>
             </a:r>
             <a:endParaRPr lang="en-GB" dirty="0"/>
           </a:p>
@@ -3338,7 +3339,7 @@
     </p:spTree>
     <p:extLst>
       <p:ext uri="{BB962C8B-B14F-4D97-AF65-F5344CB8AC3E}">
-        <p14:creationId xmlns:p14="http://schemas.microsoft.com/office/powerpoint/2010/main" val="3184111263"/>
+        <p14:creationId xmlns:p14="http://schemas.microsoft.com/office/powerpoint/2010/main" xmlns="" val="3184111263"/>
       </p:ext>
     </p:extLst>
   </p:cSld>
@@ -3493,7 +3494,7 @@
     </p:spTree>
     <p:extLst>
       <p:ext uri="{BB962C8B-B14F-4D97-AF65-F5344CB8AC3E}">
-        <p14:creationId xmlns:p14="http://schemas.microsoft.com/office/powerpoint/2010/main" val="3132902260"/>
+        <p14:creationId xmlns:p14="http://schemas.microsoft.com/office/powerpoint/2010/main" xmlns="" val="3132902260"/>
       </p:ext>
     </p:extLst>
   </p:cSld>
@@ -3586,7 +3587,7 @@
     </p:spTree>
     <p:extLst>
       <p:ext uri="{BB962C8B-B14F-4D97-AF65-F5344CB8AC3E}">
-        <p14:creationId xmlns:p14="http://schemas.microsoft.com/office/powerpoint/2010/main" val="3132902260"/>
+        <p14:creationId xmlns:p14="http://schemas.microsoft.com/office/powerpoint/2010/main" xmlns="" val="3132902260"/>
       </p:ext>
     </p:extLst>
   </p:cSld>
@@ -3718,7 +3719,7 @@
     </p:spTree>
     <p:extLst>
       <p:ext uri="{BB962C8B-B14F-4D97-AF65-F5344CB8AC3E}">
-        <p14:creationId xmlns:p14="http://schemas.microsoft.com/office/powerpoint/2010/main" val="3132902260"/>
+        <p14:creationId xmlns:p14="http://schemas.microsoft.com/office/powerpoint/2010/main" xmlns="" val="3132902260"/>
       </p:ext>
     </p:extLst>
   </p:cSld>
@@ -3805,9 +3806,802 @@
     </p:spTree>
     <p:extLst>
       <p:ext uri="{BB962C8B-B14F-4D97-AF65-F5344CB8AC3E}">
-        <p14:creationId xmlns:p14="http://schemas.microsoft.com/office/powerpoint/2010/main" val="3132902260"/>
+        <p14:creationId xmlns:p14="http://schemas.microsoft.com/office/powerpoint/2010/main" xmlns="" val="3132902260"/>
       </p:ext>
     </p:extLst>
+  </p:cSld>
+  <p:clrMapOvr>
+    <a:masterClrMapping/>
+  </p:clrMapOvr>
+</p:sld>
+</file>
+
+<file path=ppt/slides/slide16.xml><?xml version="1.0" encoding="utf-8"?>
+<p:sld xmlns:a="http://schemas.openxmlformats.org/drawingml/2006/main" xmlns:r="http://schemas.openxmlformats.org/officeDocument/2006/relationships" xmlns:p="http://schemas.openxmlformats.org/presentationml/2006/main">
+  <p:cSld>
+    <p:spTree>
+      <p:nvGrpSpPr>
+        <p:cNvPr id="1" name=""/>
+        <p:cNvGrpSpPr/>
+        <p:nvPr/>
+      </p:nvGrpSpPr>
+      <p:grpSpPr>
+        <a:xfrm>
+          <a:off x="0" y="0"/>
+          <a:ext cx="0" cy="0"/>
+          <a:chOff x="0" y="0"/>
+          <a:chExt cx="0" cy="0"/>
+        </a:xfrm>
+      </p:grpSpPr>
+      <p:sp>
+        <p:nvSpPr>
+          <p:cNvPr id="2" name="Title 1"/>
+          <p:cNvSpPr>
+            <a:spLocks noGrp="1"/>
+          </p:cNvSpPr>
+          <p:nvPr>
+            <p:ph type="title"/>
+          </p:nvPr>
+        </p:nvSpPr>
+        <p:spPr/>
+        <p:txBody>
+          <a:bodyPr/>
+          <a:lstStyle/>
+          <a:p>
+            <a:r>
+              <a:rPr lang="en-GB" dirty="0" smtClean="0"/>
+              <a:t>Program flow – if statements</a:t>
+            </a:r>
+            <a:endParaRPr lang="en-GB" dirty="0"/>
+          </a:p>
+        </p:txBody>
+      </p:sp>
+      <p:sp>
+        <p:nvSpPr>
+          <p:cNvPr id="3" name="Content Placeholder 2"/>
+          <p:cNvSpPr>
+            <a:spLocks noGrp="1"/>
+          </p:cNvSpPr>
+          <p:nvPr>
+            <p:ph idx="1"/>
+          </p:nvPr>
+        </p:nvSpPr>
+        <p:spPr/>
+        <p:txBody>
+          <a:bodyPr>
+            <a:normAutofit fontScale="92500" lnSpcReduction="10000"/>
+          </a:bodyPr>
+          <a:lstStyle/>
+          <a:p>
+            <a:r>
+              <a:rPr lang="en-GB" dirty="0" smtClean="0"/>
+              <a:t>Uses a </a:t>
+            </a:r>
+            <a:r>
+              <a:rPr lang="en-GB" dirty="0" err="1" smtClean="0"/>
+              <a:t>boolean</a:t>
+            </a:r>
+            <a:r>
+              <a:rPr lang="en-GB" dirty="0" smtClean="0"/>
+              <a:t> condition to determine the flow of the program</a:t>
+            </a:r>
+          </a:p>
+          <a:p>
+            <a:r>
+              <a:rPr lang="en-GB" dirty="0" smtClean="0"/>
+              <a:t>Can include optional else statement to determine flow of </a:t>
+            </a:r>
+            <a:r>
+              <a:rPr lang="en-GB" dirty="0" err="1" smtClean="0"/>
+              <a:t>boolean</a:t>
+            </a:r>
+            <a:r>
+              <a:rPr lang="en-GB" dirty="0" smtClean="0"/>
+              <a:t> condition is false</a:t>
+            </a:r>
+          </a:p>
+          <a:p>
+            <a:r>
+              <a:rPr lang="en-GB" dirty="0" smtClean="0"/>
+              <a:t>Else statement can also have its own condition</a:t>
+            </a:r>
+          </a:p>
+          <a:p>
+            <a:pPr>
+              <a:buNone/>
+            </a:pPr>
+            <a:r>
+              <a:rPr lang="en-GB" dirty="0" smtClean="0"/>
+              <a:t>	</a:t>
+            </a:r>
+            <a:r>
+              <a:rPr lang="en-GB" dirty="0" smtClean="0"/>
+              <a:t>	if (Age &gt; 65)</a:t>
+            </a:r>
+          </a:p>
+          <a:p>
+            <a:pPr>
+              <a:buNone/>
+            </a:pPr>
+            <a:r>
+              <a:rPr lang="en-GB" dirty="0" smtClean="0"/>
+              <a:t>	</a:t>
+            </a:r>
+            <a:r>
+              <a:rPr lang="en-GB" dirty="0" smtClean="0"/>
+              <a:t>		return “Senior citizen”</a:t>
+            </a:r>
+          </a:p>
+          <a:p>
+            <a:pPr>
+              <a:buNone/>
+            </a:pPr>
+            <a:r>
+              <a:rPr lang="en-GB" dirty="0" smtClean="0"/>
+              <a:t>	</a:t>
+            </a:r>
+            <a:r>
+              <a:rPr lang="en-GB" dirty="0" smtClean="0"/>
+              <a:t>	else if (Age &gt;= 21)</a:t>
+            </a:r>
+          </a:p>
+          <a:p>
+            <a:pPr>
+              <a:buNone/>
+            </a:pPr>
+            <a:r>
+              <a:rPr lang="en-GB" dirty="0" smtClean="0"/>
+              <a:t>	</a:t>
+            </a:r>
+            <a:r>
+              <a:rPr lang="en-GB" dirty="0" smtClean="0"/>
+              <a:t>		return “Adult”</a:t>
+            </a:r>
+          </a:p>
+          <a:p>
+            <a:pPr>
+              <a:buNone/>
+            </a:pPr>
+            <a:r>
+              <a:rPr lang="en-GB" dirty="0" smtClean="0"/>
+              <a:t>	</a:t>
+            </a:r>
+            <a:r>
+              <a:rPr lang="en-GB" dirty="0" smtClean="0"/>
+              <a:t>	else</a:t>
+            </a:r>
+          </a:p>
+          <a:p>
+            <a:pPr>
+              <a:buNone/>
+            </a:pPr>
+            <a:r>
+              <a:rPr lang="en-GB" dirty="0" smtClean="0"/>
+              <a:t>	</a:t>
+            </a:r>
+            <a:r>
+              <a:rPr lang="en-GB" dirty="0" smtClean="0"/>
+              <a:t>		return “Child” </a:t>
+            </a:r>
+            <a:endParaRPr lang="en-GB" dirty="0"/>
+          </a:p>
+        </p:txBody>
+      </p:sp>
+    </p:spTree>
+  </p:cSld>
+  <p:clrMapOvr>
+    <a:masterClrMapping/>
+  </p:clrMapOvr>
+</p:sld>
+</file>
+
+<file path=ppt/slides/slide17.xml><?xml version="1.0" encoding="utf-8"?>
+<p:sld xmlns:a="http://schemas.openxmlformats.org/drawingml/2006/main" xmlns:r="http://schemas.openxmlformats.org/officeDocument/2006/relationships" xmlns:p="http://schemas.openxmlformats.org/presentationml/2006/main">
+  <p:cSld>
+    <p:spTree>
+      <p:nvGrpSpPr>
+        <p:cNvPr id="1" name=""/>
+        <p:cNvGrpSpPr/>
+        <p:nvPr/>
+      </p:nvGrpSpPr>
+      <p:grpSpPr>
+        <a:xfrm>
+          <a:off x="0" y="0"/>
+          <a:ext cx="0" cy="0"/>
+          <a:chOff x="0" y="0"/>
+          <a:chExt cx="0" cy="0"/>
+        </a:xfrm>
+      </p:grpSpPr>
+      <p:sp>
+        <p:nvSpPr>
+          <p:cNvPr id="2" name="Title 1"/>
+          <p:cNvSpPr>
+            <a:spLocks noGrp="1"/>
+          </p:cNvSpPr>
+          <p:nvPr>
+            <p:ph type="title"/>
+          </p:nvPr>
+        </p:nvSpPr>
+        <p:spPr/>
+        <p:txBody>
+          <a:bodyPr/>
+          <a:lstStyle/>
+          <a:p>
+            <a:r>
+              <a:rPr lang="en-GB" dirty="0" smtClean="0"/>
+              <a:t>Program flow – switch statements</a:t>
+            </a:r>
+            <a:endParaRPr lang="en-GB" dirty="0"/>
+          </a:p>
+        </p:txBody>
+      </p:sp>
+      <p:sp>
+        <p:nvSpPr>
+          <p:cNvPr id="3" name="Content Placeholder 2"/>
+          <p:cNvSpPr>
+            <a:spLocks noGrp="1"/>
+          </p:cNvSpPr>
+          <p:nvPr>
+            <p:ph idx="1"/>
+          </p:nvPr>
+        </p:nvSpPr>
+        <p:spPr/>
+        <p:txBody>
+          <a:bodyPr>
+            <a:normAutofit fontScale="62500" lnSpcReduction="20000"/>
+          </a:bodyPr>
+          <a:lstStyle/>
+          <a:p>
+            <a:pPr>
+              <a:buNone/>
+            </a:pPr>
+            <a:r>
+              <a:rPr lang="en-GB" dirty="0" smtClean="0"/>
+              <a:t>Similar to an if statement, but simpler if you have a number of choices.</a:t>
+            </a:r>
+          </a:p>
+          <a:p>
+            <a:pPr>
+              <a:buNone/>
+            </a:pPr>
+            <a:r>
+              <a:rPr lang="en-GB" dirty="0" smtClean="0"/>
+              <a:t>Should also include a default case.</a:t>
+            </a:r>
+          </a:p>
+          <a:p>
+            <a:pPr>
+              <a:buNone/>
+            </a:pPr>
+            <a:r>
+              <a:rPr lang="en-GB" dirty="0" smtClean="0"/>
+              <a:t>switch(Gender)</a:t>
+            </a:r>
+          </a:p>
+          <a:p>
+            <a:pPr>
+              <a:buNone/>
+            </a:pPr>
+            <a:r>
+              <a:rPr lang="en-GB" dirty="0" smtClean="0"/>
+              <a:t>{</a:t>
+            </a:r>
+          </a:p>
+          <a:p>
+            <a:pPr>
+              <a:buNone/>
+            </a:pPr>
+            <a:r>
+              <a:rPr lang="en-GB" dirty="0" smtClean="0"/>
+              <a:t>	case </a:t>
+            </a:r>
+            <a:r>
+              <a:rPr lang="en-GB" dirty="0" err="1" smtClean="0"/>
+              <a:t>Gender.Male</a:t>
+            </a:r>
+            <a:r>
+              <a:rPr lang="en-GB" dirty="0" smtClean="0"/>
+              <a:t>:</a:t>
+            </a:r>
+          </a:p>
+          <a:p>
+            <a:pPr>
+              <a:buNone/>
+            </a:pPr>
+            <a:r>
+              <a:rPr lang="en-GB" dirty="0" smtClean="0"/>
+              <a:t>		</a:t>
+            </a:r>
+            <a:r>
+              <a:rPr lang="en-GB" dirty="0" err="1" smtClean="0"/>
+              <a:t>Console.Writeline</a:t>
+            </a:r>
+            <a:r>
+              <a:rPr lang="en-GB" dirty="0" smtClean="0"/>
+              <a:t>(“Patient gender is male”);</a:t>
+            </a:r>
+          </a:p>
+          <a:p>
+            <a:pPr>
+              <a:buNone/>
+            </a:pPr>
+            <a:r>
+              <a:rPr lang="en-GB" dirty="0" smtClean="0"/>
+              <a:t>	</a:t>
+            </a:r>
+            <a:r>
+              <a:rPr lang="en-GB" dirty="0" smtClean="0"/>
+              <a:t>	break;</a:t>
+            </a:r>
+          </a:p>
+          <a:p>
+            <a:pPr>
+              <a:buNone/>
+            </a:pPr>
+            <a:r>
+              <a:rPr lang="en-GB" dirty="0" smtClean="0"/>
+              <a:t>	</a:t>
+            </a:r>
+            <a:r>
+              <a:rPr lang="en-GB" dirty="0" smtClean="0"/>
+              <a:t>case </a:t>
+            </a:r>
+            <a:r>
+              <a:rPr lang="en-GB" dirty="0" err="1" smtClean="0"/>
+              <a:t>Gender.Female</a:t>
+            </a:r>
+            <a:endParaRPr lang="en-GB" dirty="0" smtClean="0"/>
+          </a:p>
+          <a:p>
+            <a:pPr>
+              <a:buNone/>
+            </a:pPr>
+            <a:r>
+              <a:rPr lang="en-GB" dirty="0" smtClean="0"/>
+              <a:t>	</a:t>
+            </a:r>
+            <a:r>
+              <a:rPr lang="en-GB" dirty="0" smtClean="0"/>
+              <a:t>	</a:t>
+            </a:r>
+            <a:r>
+              <a:rPr lang="en-GB" dirty="0" err="1" smtClean="0"/>
+              <a:t>Console.Writeline</a:t>
+            </a:r>
+            <a:r>
+              <a:rPr lang="en-GB" dirty="0" smtClean="0"/>
+              <a:t>(“</a:t>
+            </a:r>
+            <a:r>
+              <a:rPr lang="en-GB" dirty="0" smtClean="0"/>
+              <a:t>Patient gender is female</a:t>
+            </a:r>
+            <a:r>
+              <a:rPr lang="en-GB" dirty="0" smtClean="0"/>
+              <a:t>”)</a:t>
+            </a:r>
+          </a:p>
+          <a:p>
+            <a:pPr>
+              <a:buNone/>
+            </a:pPr>
+            <a:r>
+              <a:rPr lang="en-GB" dirty="0" smtClean="0"/>
+              <a:t>		break;</a:t>
+            </a:r>
+          </a:p>
+          <a:p>
+            <a:pPr>
+              <a:buNone/>
+            </a:pPr>
+            <a:r>
+              <a:rPr lang="en-GB" dirty="0" smtClean="0"/>
+              <a:t>	</a:t>
+            </a:r>
+            <a:r>
+              <a:rPr lang="en-GB" dirty="0" smtClean="0"/>
+              <a:t>default:</a:t>
+            </a:r>
+          </a:p>
+          <a:p>
+            <a:pPr>
+              <a:buNone/>
+            </a:pPr>
+            <a:r>
+              <a:rPr lang="en-GB" dirty="0" smtClean="0"/>
+              <a:t>	</a:t>
+            </a:r>
+            <a:r>
+              <a:rPr lang="en-GB" dirty="0" smtClean="0"/>
+              <a:t>	</a:t>
+            </a:r>
+            <a:r>
+              <a:rPr lang="en-GB" dirty="0" err="1" smtClean="0"/>
+              <a:t>Console.Writeline</a:t>
+            </a:r>
+            <a:r>
+              <a:rPr lang="en-GB" dirty="0" smtClean="0"/>
+              <a:t>(“Patient </a:t>
+            </a:r>
+            <a:r>
+              <a:rPr lang="en-GB" smtClean="0"/>
+              <a:t>is </a:t>
+            </a:r>
+            <a:r>
+              <a:rPr lang="en-GB" smtClean="0"/>
+              <a:t>unknown”)</a:t>
+            </a:r>
+            <a:endParaRPr lang="en-GB" dirty="0" smtClean="0"/>
+          </a:p>
+          <a:p>
+            <a:pPr>
+              <a:buNone/>
+            </a:pPr>
+            <a:r>
+              <a:rPr lang="en-GB" dirty="0" smtClean="0"/>
+              <a:t>} </a:t>
+            </a:r>
+            <a:endParaRPr lang="en-GB" dirty="0"/>
+          </a:p>
+        </p:txBody>
+      </p:sp>
+    </p:spTree>
+  </p:cSld>
+  <p:clrMapOvr>
+    <a:masterClrMapping/>
+  </p:clrMapOvr>
+</p:sld>
+</file>
+
+<file path=ppt/slides/slide18.xml><?xml version="1.0" encoding="utf-8"?>
+<p:sld xmlns:a="http://schemas.openxmlformats.org/drawingml/2006/main" xmlns:r="http://schemas.openxmlformats.org/officeDocument/2006/relationships" xmlns:p="http://schemas.openxmlformats.org/presentationml/2006/main">
+  <p:cSld>
+    <p:spTree>
+      <p:nvGrpSpPr>
+        <p:cNvPr id="1" name=""/>
+        <p:cNvGrpSpPr/>
+        <p:nvPr/>
+      </p:nvGrpSpPr>
+      <p:grpSpPr>
+        <a:xfrm>
+          <a:off x="0" y="0"/>
+          <a:ext cx="0" cy="0"/>
+          <a:chOff x="0" y="0"/>
+          <a:chExt cx="0" cy="0"/>
+        </a:xfrm>
+      </p:grpSpPr>
+      <p:sp>
+        <p:nvSpPr>
+          <p:cNvPr id="2" name="Title 1"/>
+          <p:cNvSpPr>
+            <a:spLocks noGrp="1"/>
+          </p:cNvSpPr>
+          <p:nvPr>
+            <p:ph type="title"/>
+          </p:nvPr>
+        </p:nvSpPr>
+        <p:spPr/>
+        <p:txBody>
+          <a:bodyPr/>
+          <a:lstStyle/>
+          <a:p>
+            <a:r>
+              <a:rPr lang="en-GB" dirty="0" smtClean="0"/>
+              <a:t>Program flow – While loop</a:t>
+            </a:r>
+            <a:endParaRPr lang="en-GB" dirty="0"/>
+          </a:p>
+        </p:txBody>
+      </p:sp>
+      <p:sp>
+        <p:nvSpPr>
+          <p:cNvPr id="3" name="Content Placeholder 2"/>
+          <p:cNvSpPr>
+            <a:spLocks noGrp="1"/>
+          </p:cNvSpPr>
+          <p:nvPr>
+            <p:ph idx="1"/>
+          </p:nvPr>
+        </p:nvSpPr>
+        <p:spPr/>
+        <p:txBody>
+          <a:bodyPr>
+            <a:normAutofit lnSpcReduction="10000"/>
+          </a:bodyPr>
+          <a:lstStyle/>
+          <a:p>
+            <a:r>
+              <a:rPr lang="en-GB" dirty="0" smtClean="0"/>
+              <a:t>Uses a </a:t>
+            </a:r>
+            <a:r>
+              <a:rPr lang="en-GB" dirty="0" err="1" smtClean="0"/>
+              <a:t>boolean</a:t>
+            </a:r>
+            <a:r>
+              <a:rPr lang="en-GB" dirty="0" smtClean="0"/>
+              <a:t> condition to determine whether to process the code within the while loop. </a:t>
+            </a:r>
+          </a:p>
+          <a:p>
+            <a:r>
+              <a:rPr lang="en-GB" dirty="0" smtClean="0"/>
+              <a:t>Checks the condition first, so may never run the logic</a:t>
+            </a:r>
+          </a:p>
+          <a:p>
+            <a:r>
+              <a:rPr lang="en-GB" dirty="0" smtClean="0"/>
+              <a:t>	</a:t>
+            </a:r>
+            <a:r>
+              <a:rPr lang="en-GB" dirty="0" err="1" smtClean="0"/>
+              <a:t>int</a:t>
+            </a:r>
+            <a:r>
+              <a:rPr lang="en-GB" dirty="0" smtClean="0"/>
+              <a:t> x = 10;</a:t>
+            </a:r>
+            <a:r>
+              <a:rPr lang="en-GB" dirty="0" smtClean="0"/>
+              <a:t>	</a:t>
+            </a:r>
+            <a:r>
+              <a:rPr lang="en-GB" dirty="0" smtClean="0"/>
+              <a:t>	</a:t>
+            </a:r>
+          </a:p>
+          <a:p>
+            <a:pPr>
+              <a:buNone/>
+            </a:pPr>
+            <a:r>
+              <a:rPr lang="en-GB" dirty="0" smtClean="0"/>
+              <a:t>		while (x &gt; 0)</a:t>
+            </a:r>
+          </a:p>
+          <a:p>
+            <a:pPr>
+              <a:buNone/>
+            </a:pPr>
+            <a:r>
+              <a:rPr lang="en-GB" dirty="0" smtClean="0"/>
+              <a:t>	</a:t>
+            </a:r>
+            <a:r>
+              <a:rPr lang="en-GB" dirty="0" smtClean="0"/>
+              <a:t>	{</a:t>
+            </a:r>
+          </a:p>
+          <a:p>
+            <a:pPr>
+              <a:buNone/>
+            </a:pPr>
+            <a:r>
+              <a:rPr lang="en-GB" dirty="0" smtClean="0"/>
+              <a:t>	</a:t>
+            </a:r>
+            <a:r>
+              <a:rPr lang="en-GB" dirty="0" smtClean="0"/>
+              <a:t>		</a:t>
+            </a:r>
+            <a:r>
+              <a:rPr lang="en-GB" dirty="0" err="1" smtClean="0"/>
+              <a:t>Console.WriteLine</a:t>
+            </a:r>
+            <a:r>
+              <a:rPr lang="en-GB" dirty="0" smtClean="0"/>
+              <a:t>(</a:t>
+            </a:r>
+            <a:r>
+              <a:rPr lang="en-GB" dirty="0" err="1" smtClean="0"/>
+              <a:t>i.ToString</a:t>
+            </a:r>
+            <a:r>
+              <a:rPr lang="en-GB" dirty="0" smtClean="0"/>
+              <a:t>());</a:t>
+            </a:r>
+          </a:p>
+          <a:p>
+            <a:pPr>
+              <a:buNone/>
+            </a:pPr>
+            <a:r>
+              <a:rPr lang="en-GB" dirty="0" smtClean="0"/>
+              <a:t>			x--;</a:t>
+            </a:r>
+          </a:p>
+          <a:p>
+            <a:pPr>
+              <a:buNone/>
+            </a:pPr>
+            <a:r>
+              <a:rPr lang="en-GB" dirty="0" smtClean="0"/>
+              <a:t>		}</a:t>
+            </a:r>
+            <a:endParaRPr lang="en-GB" dirty="0"/>
+          </a:p>
+        </p:txBody>
+      </p:sp>
+    </p:spTree>
+  </p:cSld>
+  <p:clrMapOvr>
+    <a:masterClrMapping/>
+  </p:clrMapOvr>
+</p:sld>
+</file>
+
+<file path=ppt/slides/slide19.xml><?xml version="1.0" encoding="utf-8"?>
+<p:sld xmlns:a="http://schemas.openxmlformats.org/drawingml/2006/main" xmlns:r="http://schemas.openxmlformats.org/officeDocument/2006/relationships" xmlns:p="http://schemas.openxmlformats.org/presentationml/2006/main">
+  <p:cSld>
+    <p:spTree>
+      <p:nvGrpSpPr>
+        <p:cNvPr id="1" name=""/>
+        <p:cNvGrpSpPr/>
+        <p:nvPr/>
+      </p:nvGrpSpPr>
+      <p:grpSpPr>
+        <a:xfrm>
+          <a:off x="0" y="0"/>
+          <a:ext cx="0" cy="0"/>
+          <a:chOff x="0" y="0"/>
+          <a:chExt cx="0" cy="0"/>
+        </a:xfrm>
+      </p:grpSpPr>
+      <p:sp>
+        <p:nvSpPr>
+          <p:cNvPr id="2" name="Title 1"/>
+          <p:cNvSpPr>
+            <a:spLocks noGrp="1"/>
+          </p:cNvSpPr>
+          <p:nvPr>
+            <p:ph type="title"/>
+          </p:nvPr>
+        </p:nvSpPr>
+        <p:spPr/>
+        <p:txBody>
+          <a:bodyPr/>
+          <a:lstStyle/>
+          <a:p>
+            <a:r>
+              <a:rPr lang="en-GB" dirty="0" smtClean="0"/>
+              <a:t>Program flow – do while loop</a:t>
+            </a:r>
+            <a:endParaRPr lang="en-GB" dirty="0"/>
+          </a:p>
+        </p:txBody>
+      </p:sp>
+      <p:sp>
+        <p:nvSpPr>
+          <p:cNvPr id="3" name="Content Placeholder 2"/>
+          <p:cNvSpPr>
+            <a:spLocks noGrp="1"/>
+          </p:cNvSpPr>
+          <p:nvPr>
+            <p:ph idx="1"/>
+          </p:nvPr>
+        </p:nvSpPr>
+        <p:spPr/>
+        <p:txBody>
+          <a:bodyPr>
+            <a:normAutofit fontScale="92500"/>
+          </a:bodyPr>
+          <a:lstStyle/>
+          <a:p>
+            <a:r>
+              <a:rPr lang="en-GB" dirty="0" smtClean="0"/>
+              <a:t>Uses a </a:t>
+            </a:r>
+            <a:r>
+              <a:rPr lang="en-GB" dirty="0" err="1" smtClean="0"/>
+              <a:t>boolean</a:t>
+            </a:r>
+            <a:r>
+              <a:rPr lang="en-GB" dirty="0" smtClean="0"/>
+              <a:t> condition to determine whether to process the code within the while loop. </a:t>
+            </a:r>
+          </a:p>
+          <a:p>
+            <a:r>
+              <a:rPr lang="en-GB" dirty="0" smtClean="0"/>
+              <a:t>Checks the condition after first iteration, so will always run at least once</a:t>
+            </a:r>
+          </a:p>
+          <a:p>
+            <a:r>
+              <a:rPr lang="en-GB" dirty="0" smtClean="0"/>
+              <a:t>	</a:t>
+            </a:r>
+            <a:r>
+              <a:rPr lang="en-GB" dirty="0" err="1" smtClean="0"/>
+              <a:t>int</a:t>
+            </a:r>
+            <a:r>
+              <a:rPr lang="en-GB" dirty="0" smtClean="0"/>
+              <a:t> x = 10;</a:t>
+            </a:r>
+            <a:r>
+              <a:rPr lang="en-GB" dirty="0" smtClean="0"/>
+              <a:t>	</a:t>
+            </a:r>
+            <a:r>
+              <a:rPr lang="en-GB" dirty="0" smtClean="0"/>
+              <a:t>	</a:t>
+            </a:r>
+          </a:p>
+          <a:p>
+            <a:pPr>
+              <a:buNone/>
+            </a:pPr>
+            <a:r>
+              <a:rPr lang="en-GB" dirty="0" smtClean="0"/>
+              <a:t>		do</a:t>
+            </a:r>
+          </a:p>
+          <a:p>
+            <a:pPr>
+              <a:buNone/>
+            </a:pPr>
+            <a:r>
+              <a:rPr lang="en-GB" dirty="0" smtClean="0"/>
+              <a:t>	</a:t>
+            </a:r>
+            <a:r>
+              <a:rPr lang="en-GB" dirty="0" smtClean="0"/>
+              <a:t>	{</a:t>
+            </a:r>
+          </a:p>
+          <a:p>
+            <a:pPr>
+              <a:buNone/>
+            </a:pPr>
+            <a:r>
+              <a:rPr lang="en-GB" dirty="0" smtClean="0"/>
+              <a:t>	</a:t>
+            </a:r>
+            <a:r>
+              <a:rPr lang="en-GB" dirty="0" smtClean="0"/>
+              <a:t>		</a:t>
+            </a:r>
+            <a:r>
+              <a:rPr lang="en-GB" dirty="0" err="1" smtClean="0"/>
+              <a:t>Console.WriteLine</a:t>
+            </a:r>
+            <a:r>
+              <a:rPr lang="en-GB" dirty="0" smtClean="0"/>
+              <a:t>(</a:t>
+            </a:r>
+            <a:r>
+              <a:rPr lang="en-GB" dirty="0" err="1" smtClean="0"/>
+              <a:t>i.ToString</a:t>
+            </a:r>
+            <a:r>
+              <a:rPr lang="en-GB" dirty="0" smtClean="0"/>
+              <a:t>());</a:t>
+            </a:r>
+          </a:p>
+          <a:p>
+            <a:pPr>
+              <a:buNone/>
+            </a:pPr>
+            <a:r>
+              <a:rPr lang="en-GB" dirty="0" smtClean="0"/>
+              <a:t>			x--;</a:t>
+            </a:r>
+          </a:p>
+          <a:p>
+            <a:pPr>
+              <a:buNone/>
+            </a:pPr>
+            <a:r>
+              <a:rPr lang="en-GB" dirty="0" smtClean="0"/>
+              <a:t>		}  while (x &gt; 0)</a:t>
+            </a:r>
+            <a:endParaRPr lang="en-GB" dirty="0"/>
+          </a:p>
+        </p:txBody>
+      </p:sp>
+    </p:spTree>
   </p:cSld>
   <p:clrMapOvr>
     <a:masterClrMapping/>
@@ -3950,9 +4744,190 @@
     </p:spTree>
     <p:extLst>
       <p:ext uri="{BB962C8B-B14F-4D97-AF65-F5344CB8AC3E}">
-        <p14:creationId xmlns:p14="http://schemas.microsoft.com/office/powerpoint/2010/main" val="35582945"/>
+        <p14:creationId xmlns:p14="http://schemas.microsoft.com/office/powerpoint/2010/main" xmlns="" val="35582945"/>
       </p:ext>
     </p:extLst>
+  </p:cSld>
+  <p:clrMapOvr>
+    <a:masterClrMapping/>
+  </p:clrMapOvr>
+</p:sld>
+</file>
+
+<file path=ppt/slides/slide20.xml><?xml version="1.0" encoding="utf-8"?>
+<p:sld xmlns:a="http://schemas.openxmlformats.org/drawingml/2006/main" xmlns:r="http://schemas.openxmlformats.org/officeDocument/2006/relationships" xmlns:p="http://schemas.openxmlformats.org/presentationml/2006/main">
+  <p:cSld>
+    <p:spTree>
+      <p:nvGrpSpPr>
+        <p:cNvPr id="1" name=""/>
+        <p:cNvGrpSpPr/>
+        <p:nvPr/>
+      </p:nvGrpSpPr>
+      <p:grpSpPr>
+        <a:xfrm>
+          <a:off x="0" y="0"/>
+          <a:ext cx="0" cy="0"/>
+          <a:chOff x="0" y="0"/>
+          <a:chExt cx="0" cy="0"/>
+        </a:xfrm>
+      </p:grpSpPr>
+      <p:sp>
+        <p:nvSpPr>
+          <p:cNvPr id="2" name="Title 1"/>
+          <p:cNvSpPr>
+            <a:spLocks noGrp="1"/>
+          </p:cNvSpPr>
+          <p:nvPr>
+            <p:ph type="title"/>
+          </p:nvPr>
+        </p:nvSpPr>
+        <p:spPr/>
+        <p:txBody>
+          <a:bodyPr/>
+          <a:lstStyle/>
+          <a:p>
+            <a:r>
+              <a:rPr lang="en-GB" dirty="0" smtClean="0"/>
+              <a:t>Program flow – for loop</a:t>
+            </a:r>
+            <a:endParaRPr lang="en-GB" dirty="0"/>
+          </a:p>
+        </p:txBody>
+      </p:sp>
+      <p:sp>
+        <p:nvSpPr>
+          <p:cNvPr id="3" name="Content Placeholder 2"/>
+          <p:cNvSpPr>
+            <a:spLocks noGrp="1"/>
+          </p:cNvSpPr>
+          <p:nvPr>
+            <p:ph idx="1"/>
+          </p:nvPr>
+        </p:nvSpPr>
+        <p:spPr/>
+        <p:txBody>
+          <a:bodyPr>
+            <a:normAutofit/>
+          </a:bodyPr>
+          <a:lstStyle/>
+          <a:p>
+            <a:r>
+              <a:rPr lang="en-GB" dirty="0" smtClean="0"/>
+              <a:t>Combines the creation of the loop counter, the condition, and the change in the counter</a:t>
+            </a:r>
+          </a:p>
+          <a:p>
+            <a:r>
+              <a:rPr lang="en-GB" dirty="0" smtClean="0"/>
+              <a:t>Checks the condition after first iteration, so will always run at least once</a:t>
+            </a:r>
+          </a:p>
+          <a:p>
+            <a:pPr>
+              <a:buNone/>
+            </a:pPr>
+            <a:r>
+              <a:rPr lang="en-GB" dirty="0" smtClean="0"/>
+              <a:t>		for (</a:t>
+            </a:r>
+            <a:r>
+              <a:rPr lang="en-GB" dirty="0" err="1" smtClean="0"/>
+              <a:t>int</a:t>
+            </a:r>
+            <a:r>
+              <a:rPr lang="en-GB" dirty="0" smtClean="0"/>
+              <a:t> </a:t>
+            </a:r>
+            <a:r>
+              <a:rPr lang="en-GB" dirty="0" err="1" smtClean="0"/>
+              <a:t>i</a:t>
+            </a:r>
+            <a:r>
+              <a:rPr lang="en-GB" dirty="0" smtClean="0"/>
+              <a:t> = 10; </a:t>
+            </a:r>
+            <a:r>
+              <a:rPr lang="en-GB" dirty="0" err="1" smtClean="0"/>
+              <a:t>i</a:t>
+            </a:r>
+            <a:r>
+              <a:rPr lang="en-GB" dirty="0" smtClean="0"/>
+              <a:t> &gt; 0; </a:t>
+            </a:r>
+            <a:r>
+              <a:rPr lang="en-GB" dirty="0" err="1" smtClean="0"/>
+              <a:t>i</a:t>
+            </a:r>
+            <a:r>
+              <a:rPr lang="en-GB" dirty="0" smtClean="0"/>
+              <a:t>--) </a:t>
+            </a:r>
+            <a:r>
+              <a:rPr lang="en-GB" dirty="0" smtClean="0"/>
+              <a:t>	</a:t>
+            </a:r>
+            <a:r>
+              <a:rPr lang="en-GB" dirty="0" smtClean="0"/>
+              <a:t>	</a:t>
+            </a:r>
+          </a:p>
+          <a:p>
+            <a:pPr>
+              <a:buNone/>
+            </a:pPr>
+            <a:r>
+              <a:rPr lang="en-GB" dirty="0" smtClean="0"/>
+              <a:t>		 {</a:t>
+            </a:r>
+          </a:p>
+          <a:p>
+            <a:pPr>
+              <a:buNone/>
+            </a:pPr>
+            <a:r>
+              <a:rPr lang="en-GB" dirty="0" smtClean="0"/>
+              <a:t>	</a:t>
+            </a:r>
+            <a:r>
+              <a:rPr lang="en-GB" dirty="0" smtClean="0"/>
+              <a:t>		</a:t>
+            </a:r>
+            <a:r>
+              <a:rPr lang="en-GB" dirty="0" err="1" smtClean="0"/>
+              <a:t>Console.WriteLine</a:t>
+            </a:r>
+            <a:r>
+              <a:rPr lang="en-GB" dirty="0" smtClean="0"/>
+              <a:t>(</a:t>
+            </a:r>
+            <a:r>
+              <a:rPr lang="en-GB" dirty="0" err="1" smtClean="0"/>
+              <a:t>i.ToString</a:t>
+            </a:r>
+            <a:r>
+              <a:rPr lang="en-GB" dirty="0" smtClean="0"/>
+              <a:t>());</a:t>
+            </a:r>
+          </a:p>
+          <a:p>
+            <a:pPr>
+              <a:buNone/>
+            </a:pPr>
+            <a:r>
+              <a:rPr lang="en-GB" dirty="0" smtClean="0"/>
+              <a:t>		}</a:t>
+            </a:r>
+          </a:p>
+          <a:p>
+            <a:r>
+              <a:rPr lang="en-GB" dirty="0" smtClean="0"/>
+              <a:t>Can use break to get out of the loop</a:t>
+            </a:r>
+            <a:endParaRPr lang="en-GB" dirty="0"/>
+          </a:p>
+        </p:txBody>
+      </p:sp>
+    </p:spTree>
   </p:cSld>
   <p:clrMapOvr>
     <a:masterClrMapping/>
@@ -4123,7 +5098,7 @@
     </p:spTree>
     <p:extLst>
       <p:ext uri="{BB962C8B-B14F-4D97-AF65-F5344CB8AC3E}">
-        <p14:creationId xmlns:p14="http://schemas.microsoft.com/office/powerpoint/2010/main" val="2154589627"/>
+        <p14:creationId xmlns:p14="http://schemas.microsoft.com/office/powerpoint/2010/main" xmlns="" val="2154589627"/>
       </p:ext>
     </p:extLst>
   </p:cSld>
@@ -4287,7 +5262,7 @@
     </p:spTree>
     <p:extLst>
       <p:ext uri="{BB962C8B-B14F-4D97-AF65-F5344CB8AC3E}">
-        <p14:creationId xmlns:p14="http://schemas.microsoft.com/office/powerpoint/2010/main" val="4232262784"/>
+        <p14:creationId xmlns:p14="http://schemas.microsoft.com/office/powerpoint/2010/main" xmlns="" val="4232262784"/>
       </p:ext>
     </p:extLst>
   </p:cSld>
@@ -4404,7 +5379,7 @@
     </p:spTree>
     <p:extLst>
       <p:ext uri="{BB962C8B-B14F-4D97-AF65-F5344CB8AC3E}">
-        <p14:creationId xmlns:p14="http://schemas.microsoft.com/office/powerpoint/2010/main" val="3488989693"/>
+        <p14:creationId xmlns:p14="http://schemas.microsoft.com/office/powerpoint/2010/main" xmlns="" val="3488989693"/>
       </p:ext>
     </p:extLst>
   </p:cSld>
@@ -4464,7 +5439,7 @@
             <p:ph idx="1"/>
             <p:extLst>
               <p:ext uri="{D42A27DB-BD31-4B8C-83A1-F6EECF244321}">
-                <p14:modId xmlns:p14="http://schemas.microsoft.com/office/powerpoint/2010/main" val="3856182305"/>
+                <p14:modId xmlns:p14="http://schemas.microsoft.com/office/powerpoint/2010/main" xmlns="" val="3856182305"/>
               </p:ext>
             </p:extLst>
           </p:nvPr>
@@ -7576,7 +8551,7 @@
     </p:spTree>
     <p:extLst>
       <p:ext uri="{BB962C8B-B14F-4D97-AF65-F5344CB8AC3E}">
-        <p14:creationId xmlns:p14="http://schemas.microsoft.com/office/powerpoint/2010/main" val="1571059126"/>
+        <p14:creationId xmlns:p14="http://schemas.microsoft.com/office/powerpoint/2010/main" xmlns="" val="1571059126"/>
       </p:ext>
     </p:extLst>
   </p:cSld>
@@ -7701,7 +8676,7 @@
     </p:spTree>
     <p:extLst>
       <p:ext uri="{BB962C8B-B14F-4D97-AF65-F5344CB8AC3E}">
-        <p14:creationId xmlns:p14="http://schemas.microsoft.com/office/powerpoint/2010/main" val="2095863398"/>
+        <p14:creationId xmlns:p14="http://schemas.microsoft.com/office/powerpoint/2010/main" xmlns="" val="2095863398"/>
       </p:ext>
     </p:extLst>
   </p:cSld>
@@ -7841,7 +8816,7 @@
     </p:spTree>
     <p:extLst>
       <p:ext uri="{BB962C8B-B14F-4D97-AF65-F5344CB8AC3E}">
-        <p14:creationId xmlns:p14="http://schemas.microsoft.com/office/powerpoint/2010/main" val="3132902260"/>
+        <p14:creationId xmlns:p14="http://schemas.microsoft.com/office/powerpoint/2010/main" xmlns="" val="3132902260"/>
       </p:ext>
     </p:extLst>
   </p:cSld>
@@ -7987,7 +8962,7 @@
     </p:spTree>
     <p:extLst>
       <p:ext uri="{BB962C8B-B14F-4D97-AF65-F5344CB8AC3E}">
-        <p14:creationId xmlns:p14="http://schemas.microsoft.com/office/powerpoint/2010/main" val="628313174"/>
+        <p14:creationId xmlns:p14="http://schemas.microsoft.com/office/powerpoint/2010/main" xmlns="" val="628313174"/>
       </p:ext>
     </p:extLst>
   </p:cSld>
@@ -8252,7 +9227,7 @@
   <a:extraClrSchemeLst/>
   <a:extLst>
     <a:ext uri="{05A4C25C-085E-4340-85A3-A5531E510DB2}">
-      <thm15:themeFamily xmlns:thm15="http://schemas.microsoft.com/office/thememl/2012/main" xmlns="" name="Office Theme" id="{62F939B6-93AF-4DB8-9C6B-D6C7DFDC589F}" vid="{4A3C46E8-61CC-4603-A589-7422A47A8E4A}"/>
+      <thm15:themeFamily xmlns="" xmlns:thm15="http://schemas.microsoft.com/office/thememl/2012/main" name="Office Theme" id="{62F939B6-93AF-4DB8-9C6B-D6C7DFDC589F}" vid="{4A3C46E8-61CC-4603-A589-7422A47A8E4A}"/>
     </a:ext>
   </a:extLst>
 </a:theme>

--- a/Mentoring/Mentoring.pptx
+++ b/Mentoring/Mentoring.pptx
@@ -25,6 +25,13 @@
     <p:sldId id="273" r:id="rId19"/>
     <p:sldId id="274" r:id="rId20"/>
     <p:sldId id="275" r:id="rId21"/>
+    <p:sldId id="276" r:id="rId22"/>
+    <p:sldId id="277" r:id="rId23"/>
+    <p:sldId id="279" r:id="rId24"/>
+    <p:sldId id="278" r:id="rId25"/>
+    <p:sldId id="280" r:id="rId26"/>
+    <p:sldId id="281" r:id="rId27"/>
+    <p:sldId id="282" r:id="rId28"/>
   </p:sldIdLst>
   <p:sldSz cx="12192000" cy="6858000"/>
   <p:notesSz cx="6858000" cy="9144000"/>
@@ -123,6 +130,22 @@
       </a:defRPr>
     </a:lvl9pPr>
   </p:defaultTextStyle>
+  <p:extLst>
+    <p:ext uri="{EFAFB233-063F-42B5-8137-9DF3F51BA10A}">
+      <p15:sldGuideLst xmlns:p15="http://schemas.microsoft.com/office/powerpoint/2012/main">
+        <p15:guide id="1" orient="horz" pos="2160">
+          <p15:clr>
+            <a:srgbClr val="A4A3A4"/>
+          </p15:clr>
+        </p15:guide>
+        <p15:guide id="2" pos="3840">
+          <p15:clr>
+            <a:srgbClr val="A4A3A4"/>
+          </p15:clr>
+        </p15:guide>
+      </p15:sldGuideLst>
+    </p:ext>
+  </p:extLst>
 </p:presentation>
 </file>
 
@@ -258,7 +281,7 @@
             <a:fld id="{86493750-F22B-4E7D-BCCE-8D9C8E191F2D}" type="datetimeFigureOut">
               <a:rPr lang="en-GB" smtClean="0"/>
               <a:pPr/>
-              <a:t>29/04/2015</a:t>
+              <a:t>03/05/2015</a:t>
             </a:fld>
             <a:endParaRPr lang="en-GB"/>
           </a:p>
@@ -310,7 +333,7 @@
     </p:spTree>
     <p:extLst>
       <p:ext uri="{BB962C8B-B14F-4D97-AF65-F5344CB8AC3E}">
-        <p14:creationId xmlns:p14="http://schemas.microsoft.com/office/powerpoint/2010/main" xmlns="" val="2058599619"/>
+        <p14:creationId xmlns:p14="http://schemas.microsoft.com/office/powerpoint/2010/main" val="2058599619"/>
       </p:ext>
     </p:extLst>
   </p:cSld>
@@ -430,7 +453,7 @@
             <a:fld id="{86493750-F22B-4E7D-BCCE-8D9C8E191F2D}" type="datetimeFigureOut">
               <a:rPr lang="en-GB" smtClean="0"/>
               <a:pPr/>
-              <a:t>29/04/2015</a:t>
+              <a:t>03/05/2015</a:t>
             </a:fld>
             <a:endParaRPr lang="en-GB"/>
           </a:p>
@@ -482,7 +505,7 @@
     </p:spTree>
     <p:extLst>
       <p:ext uri="{BB962C8B-B14F-4D97-AF65-F5344CB8AC3E}">
-        <p14:creationId xmlns:p14="http://schemas.microsoft.com/office/powerpoint/2010/main" xmlns="" val="3984300148"/>
+        <p14:creationId xmlns:p14="http://schemas.microsoft.com/office/powerpoint/2010/main" val="3984300148"/>
       </p:ext>
     </p:extLst>
   </p:cSld>
@@ -612,7 +635,7 @@
             <a:fld id="{86493750-F22B-4E7D-BCCE-8D9C8E191F2D}" type="datetimeFigureOut">
               <a:rPr lang="en-GB" smtClean="0"/>
               <a:pPr/>
-              <a:t>29/04/2015</a:t>
+              <a:t>03/05/2015</a:t>
             </a:fld>
             <a:endParaRPr lang="en-GB"/>
           </a:p>
@@ -664,7 +687,7 @@
     </p:spTree>
     <p:extLst>
       <p:ext uri="{BB962C8B-B14F-4D97-AF65-F5344CB8AC3E}">
-        <p14:creationId xmlns:p14="http://schemas.microsoft.com/office/powerpoint/2010/main" xmlns="" val="1263319666"/>
+        <p14:creationId xmlns:p14="http://schemas.microsoft.com/office/powerpoint/2010/main" val="1263319666"/>
       </p:ext>
     </p:extLst>
   </p:cSld>
@@ -784,7 +807,7 @@
             <a:fld id="{86493750-F22B-4E7D-BCCE-8D9C8E191F2D}" type="datetimeFigureOut">
               <a:rPr lang="en-GB" smtClean="0"/>
               <a:pPr/>
-              <a:t>29/04/2015</a:t>
+              <a:t>03/05/2015</a:t>
             </a:fld>
             <a:endParaRPr lang="en-GB"/>
           </a:p>
@@ -836,7 +859,7 @@
     </p:spTree>
     <p:extLst>
       <p:ext uri="{BB962C8B-B14F-4D97-AF65-F5344CB8AC3E}">
-        <p14:creationId xmlns:p14="http://schemas.microsoft.com/office/powerpoint/2010/main" xmlns="" val="100123728"/>
+        <p14:creationId xmlns:p14="http://schemas.microsoft.com/office/powerpoint/2010/main" val="100123728"/>
       </p:ext>
     </p:extLst>
   </p:cSld>
@@ -1032,7 +1055,7 @@
             <a:fld id="{86493750-F22B-4E7D-BCCE-8D9C8E191F2D}" type="datetimeFigureOut">
               <a:rPr lang="en-GB" smtClean="0"/>
               <a:pPr/>
-              <a:t>29/04/2015</a:t>
+              <a:t>03/05/2015</a:t>
             </a:fld>
             <a:endParaRPr lang="en-GB"/>
           </a:p>
@@ -1084,7 +1107,7 @@
     </p:spTree>
     <p:extLst>
       <p:ext uri="{BB962C8B-B14F-4D97-AF65-F5344CB8AC3E}">
-        <p14:creationId xmlns:p14="http://schemas.microsoft.com/office/powerpoint/2010/main" xmlns="" val="3090918771"/>
+        <p14:creationId xmlns:p14="http://schemas.microsoft.com/office/powerpoint/2010/main" val="3090918771"/>
       </p:ext>
     </p:extLst>
   </p:cSld>
@@ -1266,7 +1289,7 @@
             <a:fld id="{86493750-F22B-4E7D-BCCE-8D9C8E191F2D}" type="datetimeFigureOut">
               <a:rPr lang="en-GB" smtClean="0"/>
               <a:pPr/>
-              <a:t>29/04/2015</a:t>
+              <a:t>03/05/2015</a:t>
             </a:fld>
             <a:endParaRPr lang="en-GB"/>
           </a:p>
@@ -1318,7 +1341,7 @@
     </p:spTree>
     <p:extLst>
       <p:ext uri="{BB962C8B-B14F-4D97-AF65-F5344CB8AC3E}">
-        <p14:creationId xmlns:p14="http://schemas.microsoft.com/office/powerpoint/2010/main" xmlns="" val="73995833"/>
+        <p14:creationId xmlns:p14="http://schemas.microsoft.com/office/powerpoint/2010/main" val="73995833"/>
       </p:ext>
     </p:extLst>
   </p:cSld>
@@ -1635,7 +1658,7 @@
             <a:fld id="{86493750-F22B-4E7D-BCCE-8D9C8E191F2D}" type="datetimeFigureOut">
               <a:rPr lang="en-GB" smtClean="0"/>
               <a:pPr/>
-              <a:t>29/04/2015</a:t>
+              <a:t>03/05/2015</a:t>
             </a:fld>
             <a:endParaRPr lang="en-GB"/>
           </a:p>
@@ -1687,7 +1710,7 @@
     </p:spTree>
     <p:extLst>
       <p:ext uri="{BB962C8B-B14F-4D97-AF65-F5344CB8AC3E}">
-        <p14:creationId xmlns:p14="http://schemas.microsoft.com/office/powerpoint/2010/main" xmlns="" val="4212562317"/>
+        <p14:creationId xmlns:p14="http://schemas.microsoft.com/office/powerpoint/2010/main" val="4212562317"/>
       </p:ext>
     </p:extLst>
   </p:cSld>
@@ -1755,7 +1778,7 @@
             <a:fld id="{86493750-F22B-4E7D-BCCE-8D9C8E191F2D}" type="datetimeFigureOut">
               <a:rPr lang="en-GB" smtClean="0"/>
               <a:pPr/>
-              <a:t>29/04/2015</a:t>
+              <a:t>03/05/2015</a:t>
             </a:fld>
             <a:endParaRPr lang="en-GB"/>
           </a:p>
@@ -1807,7 +1830,7 @@
     </p:spTree>
     <p:extLst>
       <p:ext uri="{BB962C8B-B14F-4D97-AF65-F5344CB8AC3E}">
-        <p14:creationId xmlns:p14="http://schemas.microsoft.com/office/powerpoint/2010/main" xmlns="" val="268999207"/>
+        <p14:creationId xmlns:p14="http://schemas.microsoft.com/office/powerpoint/2010/main" val="268999207"/>
       </p:ext>
     </p:extLst>
   </p:cSld>
@@ -1852,7 +1875,7 @@
             <a:fld id="{86493750-F22B-4E7D-BCCE-8D9C8E191F2D}" type="datetimeFigureOut">
               <a:rPr lang="en-GB" smtClean="0"/>
               <a:pPr/>
-              <a:t>29/04/2015</a:t>
+              <a:t>03/05/2015</a:t>
             </a:fld>
             <a:endParaRPr lang="en-GB"/>
           </a:p>
@@ -1904,7 +1927,7 @@
     </p:spTree>
     <p:extLst>
       <p:ext uri="{BB962C8B-B14F-4D97-AF65-F5344CB8AC3E}">
-        <p14:creationId xmlns:p14="http://schemas.microsoft.com/office/powerpoint/2010/main" xmlns="" val="1253232629"/>
+        <p14:creationId xmlns:p14="http://schemas.microsoft.com/office/powerpoint/2010/main" val="1253232629"/>
       </p:ext>
     </p:extLst>
   </p:cSld>
@@ -2131,7 +2154,7 @@
             <a:fld id="{86493750-F22B-4E7D-BCCE-8D9C8E191F2D}" type="datetimeFigureOut">
               <a:rPr lang="en-GB" smtClean="0"/>
               <a:pPr/>
-              <a:t>29/04/2015</a:t>
+              <a:t>03/05/2015</a:t>
             </a:fld>
             <a:endParaRPr lang="en-GB"/>
           </a:p>
@@ -2183,7 +2206,7 @@
     </p:spTree>
     <p:extLst>
       <p:ext uri="{BB962C8B-B14F-4D97-AF65-F5344CB8AC3E}">
-        <p14:creationId xmlns:p14="http://schemas.microsoft.com/office/powerpoint/2010/main" xmlns="" val="1566747817"/>
+        <p14:creationId xmlns:p14="http://schemas.microsoft.com/office/powerpoint/2010/main" val="1566747817"/>
       </p:ext>
     </p:extLst>
   </p:cSld>
@@ -2386,7 +2409,7 @@
             <a:fld id="{86493750-F22B-4E7D-BCCE-8D9C8E191F2D}" type="datetimeFigureOut">
               <a:rPr lang="en-GB" smtClean="0"/>
               <a:pPr/>
-              <a:t>29/04/2015</a:t>
+              <a:t>03/05/2015</a:t>
             </a:fld>
             <a:endParaRPr lang="en-GB"/>
           </a:p>
@@ -2438,7 +2461,7 @@
     </p:spTree>
     <p:extLst>
       <p:ext uri="{BB962C8B-B14F-4D97-AF65-F5344CB8AC3E}">
-        <p14:creationId xmlns:p14="http://schemas.microsoft.com/office/powerpoint/2010/main" xmlns="" val="2197038133"/>
+        <p14:creationId xmlns:p14="http://schemas.microsoft.com/office/powerpoint/2010/main" val="2197038133"/>
       </p:ext>
     </p:extLst>
   </p:cSld>
@@ -2601,7 +2624,7 @@
             <a:fld id="{86493750-F22B-4E7D-BCCE-8D9C8E191F2D}" type="datetimeFigureOut">
               <a:rPr lang="en-GB" smtClean="0"/>
               <a:pPr/>
-              <a:t>29/04/2015</a:t>
+              <a:t>03/05/2015</a:t>
             </a:fld>
             <a:endParaRPr lang="en-GB"/>
           </a:p>
@@ -2689,7 +2712,7 @@
     </p:spTree>
     <p:extLst>
       <p:ext uri="{BB962C8B-B14F-4D97-AF65-F5344CB8AC3E}">
-        <p14:creationId xmlns:p14="http://schemas.microsoft.com/office/powerpoint/2010/main" xmlns="" val="2454303294"/>
+        <p14:creationId xmlns:p14="http://schemas.microsoft.com/office/powerpoint/2010/main" val="2454303294"/>
       </p:ext>
     </p:extLst>
   </p:cSld>
@@ -3056,7 +3079,7 @@
     </p:spTree>
     <p:extLst>
       <p:ext uri="{BB962C8B-B14F-4D97-AF65-F5344CB8AC3E}">
-        <p14:creationId xmlns:p14="http://schemas.microsoft.com/office/powerpoint/2010/main" xmlns="" val="1185252511"/>
+        <p14:creationId xmlns:p14="http://schemas.microsoft.com/office/powerpoint/2010/main" val="1185252511"/>
       </p:ext>
     </p:extLst>
   </p:cSld>
@@ -3150,7 +3173,7 @@
     </p:spTree>
     <p:extLst>
       <p:ext uri="{BB962C8B-B14F-4D97-AF65-F5344CB8AC3E}">
-        <p14:creationId xmlns:p14="http://schemas.microsoft.com/office/powerpoint/2010/main" xmlns="" val="3132902260"/>
+        <p14:creationId xmlns:p14="http://schemas.microsoft.com/office/powerpoint/2010/main" val="3132902260"/>
       </p:ext>
     </p:extLst>
   </p:cSld>
@@ -3339,7 +3362,7 @@
     </p:spTree>
     <p:extLst>
       <p:ext uri="{BB962C8B-B14F-4D97-AF65-F5344CB8AC3E}">
-        <p14:creationId xmlns:p14="http://schemas.microsoft.com/office/powerpoint/2010/main" xmlns="" val="3184111263"/>
+        <p14:creationId xmlns:p14="http://schemas.microsoft.com/office/powerpoint/2010/main" val="3184111263"/>
       </p:ext>
     </p:extLst>
   </p:cSld>
@@ -3494,7 +3517,7 @@
     </p:spTree>
     <p:extLst>
       <p:ext uri="{BB962C8B-B14F-4D97-AF65-F5344CB8AC3E}">
-        <p14:creationId xmlns:p14="http://schemas.microsoft.com/office/powerpoint/2010/main" xmlns="" val="3132902260"/>
+        <p14:creationId xmlns:p14="http://schemas.microsoft.com/office/powerpoint/2010/main" val="3132902260"/>
       </p:ext>
     </p:extLst>
   </p:cSld>
@@ -3587,7 +3610,7 @@
     </p:spTree>
     <p:extLst>
       <p:ext uri="{BB962C8B-B14F-4D97-AF65-F5344CB8AC3E}">
-        <p14:creationId xmlns:p14="http://schemas.microsoft.com/office/powerpoint/2010/main" xmlns="" val="3132902260"/>
+        <p14:creationId xmlns:p14="http://schemas.microsoft.com/office/powerpoint/2010/main" val="3132902260"/>
       </p:ext>
     </p:extLst>
   </p:cSld>
@@ -3719,7 +3742,7 @@
     </p:spTree>
     <p:extLst>
       <p:ext uri="{BB962C8B-B14F-4D97-AF65-F5344CB8AC3E}">
-        <p14:creationId xmlns:p14="http://schemas.microsoft.com/office/powerpoint/2010/main" xmlns="" val="3132902260"/>
+        <p14:creationId xmlns:p14="http://schemas.microsoft.com/office/powerpoint/2010/main" val="3132902260"/>
       </p:ext>
     </p:extLst>
   </p:cSld>
@@ -3806,7 +3829,7 @@
     </p:spTree>
     <p:extLst>
       <p:ext uri="{BB962C8B-B14F-4D97-AF65-F5344CB8AC3E}">
-        <p14:creationId xmlns:p14="http://schemas.microsoft.com/office/powerpoint/2010/main" xmlns="" val="3132902260"/>
+        <p14:creationId xmlns:p14="http://schemas.microsoft.com/office/powerpoint/2010/main" val="3132902260"/>
       </p:ext>
     </p:extLst>
   </p:cSld>
@@ -3912,11 +3935,7 @@
             </a:pPr>
             <a:r>
               <a:rPr lang="en-GB" dirty="0" smtClean="0"/>
-              <a:t>	</a:t>
-            </a:r>
-            <a:r>
-              <a:rPr lang="en-GB" dirty="0" smtClean="0"/>
-              <a:t>	if (Age &gt; 65)</a:t>
+              <a:t>		if (Age &gt; 65)</a:t>
             </a:r>
           </a:p>
           <a:p>
@@ -3925,11 +3944,7 @@
             </a:pPr>
             <a:r>
               <a:rPr lang="en-GB" dirty="0" smtClean="0"/>
-              <a:t>	</a:t>
-            </a:r>
-            <a:r>
-              <a:rPr lang="en-GB" dirty="0" smtClean="0"/>
-              <a:t>		return “Senior citizen”</a:t>
+              <a:t>			return “Senior citizen”</a:t>
             </a:r>
           </a:p>
           <a:p>
@@ -3938,11 +3953,7 @@
             </a:pPr>
             <a:r>
               <a:rPr lang="en-GB" dirty="0" smtClean="0"/>
-              <a:t>	</a:t>
-            </a:r>
-            <a:r>
-              <a:rPr lang="en-GB" dirty="0" smtClean="0"/>
-              <a:t>	else if (Age &gt;= 21)</a:t>
+              <a:t>		else if (Age &gt;= 21)</a:t>
             </a:r>
           </a:p>
           <a:p>
@@ -3951,11 +3962,7 @@
             </a:pPr>
             <a:r>
               <a:rPr lang="en-GB" dirty="0" smtClean="0"/>
-              <a:t>	</a:t>
-            </a:r>
-            <a:r>
-              <a:rPr lang="en-GB" dirty="0" smtClean="0"/>
-              <a:t>		return “Adult”</a:t>
+              <a:t>			return “Adult”</a:t>
             </a:r>
           </a:p>
           <a:p>
@@ -3964,11 +3971,7 @@
             </a:pPr>
             <a:r>
               <a:rPr lang="en-GB" dirty="0" smtClean="0"/>
-              <a:t>	</a:t>
-            </a:r>
-            <a:r>
-              <a:rPr lang="en-GB" dirty="0" smtClean="0"/>
-              <a:t>	else</a:t>
+              <a:t>		else</a:t>
             </a:r>
           </a:p>
           <a:p>
@@ -3977,11 +3980,7 @@
             </a:pPr>
             <a:r>
               <a:rPr lang="en-GB" dirty="0" smtClean="0"/>
-              <a:t>	</a:t>
-            </a:r>
-            <a:r>
-              <a:rPr lang="en-GB" dirty="0" smtClean="0"/>
-              <a:t>		return “Child” </a:t>
+              <a:t>			return “Child” </a:t>
             </a:r>
             <a:endParaRPr lang="en-GB" dirty="0"/>
           </a:p>
@@ -4127,11 +4126,7 @@
             </a:pPr>
             <a:r>
               <a:rPr lang="en-GB" dirty="0" smtClean="0"/>
-              <a:t>	</a:t>
-            </a:r>
-            <a:r>
-              <a:rPr lang="en-GB" dirty="0" smtClean="0"/>
-              <a:t>	break;</a:t>
+              <a:t>		break;</a:t>
             </a:r>
           </a:p>
           <a:p>
@@ -4140,11 +4135,7 @@
             </a:pPr>
             <a:r>
               <a:rPr lang="en-GB" dirty="0" smtClean="0"/>
-              <a:t>	</a:t>
-            </a:r>
-            <a:r>
-              <a:rPr lang="en-GB" dirty="0" smtClean="0"/>
-              <a:t>case </a:t>
+              <a:t>	case </a:t>
             </a:r>
             <a:r>
               <a:rPr lang="en-GB" dirty="0" err="1" smtClean="0"/>
@@ -4158,11 +4149,7 @@
             </a:pPr>
             <a:r>
               <a:rPr lang="en-GB" dirty="0" smtClean="0"/>
-              <a:t>	</a:t>
-            </a:r>
-            <a:r>
-              <a:rPr lang="en-GB" dirty="0" smtClean="0"/>
-              <a:t>	</a:t>
+              <a:t>		</a:t>
             </a:r>
             <a:r>
               <a:rPr lang="en-GB" dirty="0" err="1" smtClean="0"/>
@@ -4170,15 +4157,7 @@
             </a:r>
             <a:r>
               <a:rPr lang="en-GB" dirty="0" smtClean="0"/>
-              <a:t>(“</a:t>
-            </a:r>
-            <a:r>
-              <a:rPr lang="en-GB" dirty="0" smtClean="0"/>
-              <a:t>Patient gender is female</a:t>
-            </a:r>
-            <a:r>
-              <a:rPr lang="en-GB" dirty="0" smtClean="0"/>
-              <a:t>”)</a:t>
+              <a:t>(“Patient gender is female”)</a:t>
             </a:r>
           </a:p>
           <a:p>
@@ -4196,11 +4175,7 @@
             </a:pPr>
             <a:r>
               <a:rPr lang="en-GB" dirty="0" smtClean="0"/>
-              <a:t>	</a:t>
-            </a:r>
-            <a:r>
-              <a:rPr lang="en-GB" dirty="0" smtClean="0"/>
-              <a:t>default:</a:t>
+              <a:t>	default:</a:t>
             </a:r>
           </a:p>
           <a:p>
@@ -4209,11 +4184,7 @@
             </a:pPr>
             <a:r>
               <a:rPr lang="en-GB" dirty="0" smtClean="0"/>
-              <a:t>	</a:t>
-            </a:r>
-            <a:r>
-              <a:rPr lang="en-GB" dirty="0" smtClean="0"/>
-              <a:t>	</a:t>
+              <a:t>		</a:t>
             </a:r>
             <a:r>
               <a:rPr lang="en-GB" dirty="0" err="1" smtClean="0"/>
@@ -4225,11 +4196,7 @@
             </a:r>
             <a:r>
               <a:rPr lang="en-GB" smtClean="0"/>
-              <a:t>is </a:t>
-            </a:r>
-            <a:r>
-              <a:rPr lang="en-GB" smtClean="0"/>
-              <a:t>unknown”)</a:t>
+              <a:t>is unknown”)</a:t>
             </a:r>
             <a:endParaRPr lang="en-GB" dirty="0" smtClean="0"/>
           </a:p>
@@ -4340,15 +4307,7 @@
             </a:r>
             <a:r>
               <a:rPr lang="en-GB" dirty="0" smtClean="0"/>
-              <a:t> x = 10;</a:t>
-            </a:r>
-            <a:r>
-              <a:rPr lang="en-GB" dirty="0" smtClean="0"/>
-              <a:t>	</a:t>
-            </a:r>
-            <a:r>
-              <a:rPr lang="en-GB" dirty="0" smtClean="0"/>
-              <a:t>	</a:t>
+              <a:t> x = 10;		</a:t>
             </a:r>
           </a:p>
           <a:p>
@@ -4366,11 +4325,7 @@
             </a:pPr>
             <a:r>
               <a:rPr lang="en-GB" dirty="0" smtClean="0"/>
-              <a:t>	</a:t>
-            </a:r>
-            <a:r>
-              <a:rPr lang="en-GB" dirty="0" smtClean="0"/>
-              <a:t>	{</a:t>
+              <a:t>		{</a:t>
             </a:r>
           </a:p>
           <a:p>
@@ -4379,11 +4334,7 @@
             </a:pPr>
             <a:r>
               <a:rPr lang="en-GB" dirty="0" smtClean="0"/>
-              <a:t>	</a:t>
-            </a:r>
-            <a:r>
-              <a:rPr lang="en-GB" dirty="0" smtClean="0"/>
-              <a:t>		</a:t>
+              <a:t>			</a:t>
             </a:r>
             <a:r>
               <a:rPr lang="en-GB" dirty="0" err="1" smtClean="0"/>
@@ -4518,15 +4469,7 @@
             </a:r>
             <a:r>
               <a:rPr lang="en-GB" dirty="0" smtClean="0"/>
-              <a:t> x = 10;</a:t>
-            </a:r>
-            <a:r>
-              <a:rPr lang="en-GB" dirty="0" smtClean="0"/>
-              <a:t>	</a:t>
-            </a:r>
-            <a:r>
-              <a:rPr lang="en-GB" dirty="0" smtClean="0"/>
-              <a:t>	</a:t>
+              <a:t> x = 10;		</a:t>
             </a:r>
           </a:p>
           <a:p>
@@ -4544,11 +4487,7 @@
             </a:pPr>
             <a:r>
               <a:rPr lang="en-GB" dirty="0" smtClean="0"/>
-              <a:t>	</a:t>
-            </a:r>
-            <a:r>
-              <a:rPr lang="en-GB" dirty="0" smtClean="0"/>
-              <a:t>	{</a:t>
+              <a:t>		{</a:t>
             </a:r>
           </a:p>
           <a:p>
@@ -4557,11 +4496,7 @@
             </a:pPr>
             <a:r>
               <a:rPr lang="en-GB" dirty="0" smtClean="0"/>
-              <a:t>	</a:t>
-            </a:r>
-            <a:r>
-              <a:rPr lang="en-GB" dirty="0" smtClean="0"/>
-              <a:t>		</a:t>
+              <a:t>			</a:t>
             </a:r>
             <a:r>
               <a:rPr lang="en-GB" dirty="0" err="1" smtClean="0"/>
@@ -4744,7 +4679,7 @@
     </p:spTree>
     <p:extLst>
       <p:ext uri="{BB962C8B-B14F-4D97-AF65-F5344CB8AC3E}">
-        <p14:creationId xmlns:p14="http://schemas.microsoft.com/office/powerpoint/2010/main" xmlns="" val="35582945"/>
+        <p14:creationId xmlns:p14="http://schemas.microsoft.com/office/powerpoint/2010/main" val="35582945"/>
       </p:ext>
     </p:extLst>
   </p:cSld>
@@ -4817,26 +4752,12 @@
             </a:r>
           </a:p>
           <a:p>
-            <a:r>
-              <a:rPr lang="en-GB" dirty="0" smtClean="0"/>
-              <a:t>Checks the condition after first iteration, so will always run at least once</a:t>
-            </a:r>
-          </a:p>
-          <a:p>
-            <a:pPr>
+            <a:pPr marL="0" indent="0">
               <a:buNone/>
             </a:pPr>
             <a:r>
               <a:rPr lang="en-GB" dirty="0" smtClean="0"/>
-              <a:t>		for (</a:t>
-            </a:r>
-            <a:r>
-              <a:rPr lang="en-GB" dirty="0" err="1" smtClean="0"/>
-              <a:t>int</a:t>
-            </a:r>
-            <a:r>
-              <a:rPr lang="en-GB" dirty="0" smtClean="0"/>
-              <a:t> </a:t>
+              <a:t>	for (int </a:t>
             </a:r>
             <a:r>
               <a:rPr lang="en-GB" dirty="0" err="1" smtClean="0"/>
@@ -4844,7 +4765,11 @@
             </a:r>
             <a:r>
               <a:rPr lang="en-GB" dirty="0" smtClean="0"/>
-              <a:t> = 10; </a:t>
+              <a:t> = </a:t>
+            </a:r>
+            <a:r>
+              <a:rPr lang="en-GB" dirty="0" smtClean="0"/>
+              <a:t>0; </a:t>
             </a:r>
             <a:r>
               <a:rPr lang="en-GB" dirty="0" err="1" smtClean="0"/>
@@ -4852,7 +4777,11 @@
             </a:r>
             <a:r>
               <a:rPr lang="en-GB" dirty="0" smtClean="0"/>
-              <a:t> &gt; 0; </a:t>
+              <a:t> </a:t>
+            </a:r>
+            <a:r>
+              <a:rPr lang="en-GB" dirty="0" smtClean="0"/>
+              <a:t>&lt; 10; ++</a:t>
             </a:r>
             <a:r>
               <a:rPr lang="en-GB" dirty="0" err="1" smtClean="0"/>
@@ -4860,15 +4789,11 @@
             </a:r>
             <a:r>
               <a:rPr lang="en-GB" dirty="0" smtClean="0"/>
-              <a:t>--) </a:t>
-            </a:r>
-            <a:r>
-              <a:rPr lang="en-GB" dirty="0" smtClean="0"/>
-              <a:t>	</a:t>
-            </a:r>
-            <a:r>
-              <a:rPr lang="en-GB" dirty="0" smtClean="0"/>
-              <a:t>	</a:t>
+              <a:t>) </a:t>
+            </a:r>
+            <a:r>
+              <a:rPr lang="en-GB" dirty="0" smtClean="0"/>
+              <a:t>		</a:t>
             </a:r>
           </a:p>
           <a:p>
@@ -4886,11 +4811,7 @@
             </a:pPr>
             <a:r>
               <a:rPr lang="en-GB" dirty="0" smtClean="0"/>
-              <a:t>	</a:t>
-            </a:r>
-            <a:r>
-              <a:rPr lang="en-GB" dirty="0" smtClean="0"/>
-              <a:t>		</a:t>
+              <a:t>			</a:t>
             </a:r>
             <a:r>
               <a:rPr lang="en-GB" dirty="0" err="1" smtClean="0"/>
@@ -4928,6 +4849,850 @@
         </p:txBody>
       </p:sp>
     </p:spTree>
+  </p:cSld>
+  <p:clrMapOvr>
+    <a:masterClrMapping/>
+  </p:clrMapOvr>
+</p:sld>
+</file>
+
+<file path=ppt/slides/slide21.xml><?xml version="1.0" encoding="utf-8"?>
+<p:sld xmlns:a="http://schemas.openxmlformats.org/drawingml/2006/main" xmlns:r="http://schemas.openxmlformats.org/officeDocument/2006/relationships" xmlns:p="http://schemas.openxmlformats.org/presentationml/2006/main">
+  <p:cSld>
+    <p:spTree>
+      <p:nvGrpSpPr>
+        <p:cNvPr id="1" name=""/>
+        <p:cNvGrpSpPr/>
+        <p:nvPr/>
+      </p:nvGrpSpPr>
+      <p:grpSpPr>
+        <a:xfrm>
+          <a:off x="0" y="0"/>
+          <a:ext cx="0" cy="0"/>
+          <a:chOff x="0" y="0"/>
+          <a:chExt cx="0" cy="0"/>
+        </a:xfrm>
+      </p:grpSpPr>
+      <p:sp>
+        <p:nvSpPr>
+          <p:cNvPr id="2" name="Title 1"/>
+          <p:cNvSpPr>
+            <a:spLocks noGrp="1"/>
+          </p:cNvSpPr>
+          <p:nvPr>
+            <p:ph type="title"/>
+          </p:nvPr>
+        </p:nvSpPr>
+        <p:spPr/>
+        <p:txBody>
+          <a:bodyPr/>
+          <a:lstStyle/>
+          <a:p>
+            <a:r>
+              <a:rPr lang="en-GB" dirty="0" smtClean="0"/>
+              <a:t>Program flow – </a:t>
+            </a:r>
+            <a:r>
+              <a:rPr lang="en-GB" dirty="0" err="1" smtClean="0"/>
+              <a:t>foreach</a:t>
+            </a:r>
+            <a:r>
+              <a:rPr lang="en-GB" dirty="0" smtClean="0"/>
+              <a:t> </a:t>
+            </a:r>
+            <a:r>
+              <a:rPr lang="en-GB" dirty="0" smtClean="0"/>
+              <a:t>loop</a:t>
+            </a:r>
+            <a:endParaRPr lang="en-GB" dirty="0"/>
+          </a:p>
+        </p:txBody>
+      </p:sp>
+      <p:sp>
+        <p:nvSpPr>
+          <p:cNvPr id="3" name="Content Placeholder 2"/>
+          <p:cNvSpPr>
+            <a:spLocks noGrp="1"/>
+          </p:cNvSpPr>
+          <p:nvPr>
+            <p:ph idx="1"/>
+          </p:nvPr>
+        </p:nvSpPr>
+        <p:spPr/>
+        <p:txBody>
+          <a:bodyPr>
+            <a:normAutofit lnSpcReduction="10000"/>
+          </a:bodyPr>
+          <a:lstStyle/>
+          <a:p>
+            <a:r>
+              <a:rPr lang="en-GB" dirty="0" smtClean="0"/>
+              <a:t>This can be used for any collection that implements the </a:t>
+            </a:r>
+            <a:r>
+              <a:rPr lang="en-GB" dirty="0" err="1" smtClean="0"/>
+              <a:t>IEnumerable</a:t>
+            </a:r>
+            <a:r>
+              <a:rPr lang="en-GB" dirty="0" smtClean="0"/>
+              <a:t> interface.</a:t>
+            </a:r>
+          </a:p>
+          <a:p>
+            <a:r>
+              <a:rPr lang="en-GB" dirty="0" smtClean="0"/>
+              <a:t>Includes arrays and Lists</a:t>
+            </a:r>
+          </a:p>
+          <a:p>
+            <a:r>
+              <a:rPr lang="en-GB" dirty="0" smtClean="0"/>
+              <a:t>E.g. using array</a:t>
+            </a:r>
+          </a:p>
+          <a:p>
+            <a:pPr marL="0" indent="0">
+              <a:buNone/>
+            </a:pPr>
+            <a:r>
+              <a:rPr lang="en-GB" dirty="0" smtClean="0"/>
+              <a:t>	int[] </a:t>
+            </a:r>
+            <a:r>
+              <a:rPr lang="en-GB" dirty="0" err="1" smtClean="0"/>
+              <a:t>intArray</a:t>
+            </a:r>
+            <a:r>
+              <a:rPr lang="en-GB" dirty="0" smtClean="0"/>
+              <a:t> = new int[](1,2,3,4,5);</a:t>
+            </a:r>
+          </a:p>
+          <a:p>
+            <a:pPr marL="0" indent="0">
+              <a:buNone/>
+            </a:pPr>
+            <a:r>
+              <a:rPr lang="en-GB" dirty="0" smtClean="0"/>
+              <a:t>	</a:t>
+            </a:r>
+            <a:r>
+              <a:rPr lang="en-GB" dirty="0" err="1" smtClean="0"/>
+              <a:t>foreach</a:t>
+            </a:r>
+            <a:r>
+              <a:rPr lang="en-GB" dirty="0" smtClean="0"/>
+              <a:t>(int </a:t>
+            </a:r>
+            <a:r>
+              <a:rPr lang="en-GB" dirty="0" smtClean="0"/>
+              <a:t>value in </a:t>
+            </a:r>
+            <a:r>
+              <a:rPr lang="en-GB" dirty="0" err="1" smtClean="0"/>
+              <a:t>intArray</a:t>
+            </a:r>
+            <a:r>
+              <a:rPr lang="en-GB" dirty="0" smtClean="0"/>
+              <a:t>)</a:t>
+            </a:r>
+          </a:p>
+          <a:p>
+            <a:pPr marL="0" indent="0">
+              <a:buNone/>
+            </a:pPr>
+            <a:r>
+              <a:rPr lang="en-GB" dirty="0" smtClean="0"/>
+              <a:t>	{</a:t>
+            </a:r>
+          </a:p>
+          <a:p>
+            <a:pPr marL="0" indent="0">
+              <a:buNone/>
+            </a:pPr>
+            <a:r>
+              <a:rPr lang="en-GB" dirty="0" smtClean="0"/>
+              <a:t>	</a:t>
+            </a:r>
+            <a:r>
+              <a:rPr lang="en-GB" dirty="0"/>
+              <a:t>	</a:t>
+            </a:r>
+            <a:r>
+              <a:rPr lang="en-GB" dirty="0" err="1" smtClean="0"/>
+              <a:t>Console.writeline</a:t>
+            </a:r>
+            <a:r>
+              <a:rPr lang="en-GB" dirty="0" smtClean="0"/>
+              <a:t>(</a:t>
+            </a:r>
+            <a:r>
+              <a:rPr lang="en-GB" dirty="0" err="1" smtClean="0"/>
+              <a:t>i</a:t>
+            </a:r>
+            <a:r>
+              <a:rPr lang="en-GB" dirty="0" smtClean="0"/>
+              <a:t>);</a:t>
+            </a:r>
+          </a:p>
+          <a:p>
+            <a:pPr marL="0" indent="0">
+              <a:buNone/>
+            </a:pPr>
+            <a:r>
+              <a:rPr lang="en-GB" dirty="0" smtClean="0"/>
+              <a:t>	}</a:t>
+            </a:r>
+            <a:endParaRPr lang="en-GB" dirty="0"/>
+          </a:p>
+        </p:txBody>
+      </p:sp>
+    </p:spTree>
+    <p:extLst>
+      <p:ext uri="{BB962C8B-B14F-4D97-AF65-F5344CB8AC3E}">
+        <p14:creationId xmlns:p14="http://schemas.microsoft.com/office/powerpoint/2010/main" val="2693559124"/>
+      </p:ext>
+    </p:extLst>
+  </p:cSld>
+  <p:clrMapOvr>
+    <a:masterClrMapping/>
+  </p:clrMapOvr>
+</p:sld>
+</file>
+
+<file path=ppt/slides/slide22.xml><?xml version="1.0" encoding="utf-8"?>
+<p:sld xmlns:a="http://schemas.openxmlformats.org/drawingml/2006/main" xmlns:r="http://schemas.openxmlformats.org/officeDocument/2006/relationships" xmlns:p="http://schemas.openxmlformats.org/presentationml/2006/main">
+  <p:cSld>
+    <p:spTree>
+      <p:nvGrpSpPr>
+        <p:cNvPr id="1" name=""/>
+        <p:cNvGrpSpPr/>
+        <p:nvPr/>
+      </p:nvGrpSpPr>
+      <p:grpSpPr>
+        <a:xfrm>
+          <a:off x="0" y="0"/>
+          <a:ext cx="0" cy="0"/>
+          <a:chOff x="0" y="0"/>
+          <a:chExt cx="0" cy="0"/>
+        </a:xfrm>
+      </p:grpSpPr>
+      <p:sp>
+        <p:nvSpPr>
+          <p:cNvPr id="2" name="Title 1"/>
+          <p:cNvSpPr>
+            <a:spLocks noGrp="1"/>
+          </p:cNvSpPr>
+          <p:nvPr>
+            <p:ph type="title"/>
+          </p:nvPr>
+        </p:nvSpPr>
+        <p:spPr/>
+        <p:txBody>
+          <a:bodyPr/>
+          <a:lstStyle/>
+          <a:p>
+            <a:r>
+              <a:rPr lang="en-GB" dirty="0" smtClean="0"/>
+              <a:t>Object Oriented Programming (OOP)</a:t>
+            </a:r>
+            <a:endParaRPr lang="en-GB" dirty="0"/>
+          </a:p>
+        </p:txBody>
+      </p:sp>
+      <p:sp>
+        <p:nvSpPr>
+          <p:cNvPr id="3" name="Content Placeholder 2"/>
+          <p:cNvSpPr>
+            <a:spLocks noGrp="1"/>
+          </p:cNvSpPr>
+          <p:nvPr>
+            <p:ph idx="1"/>
+          </p:nvPr>
+        </p:nvSpPr>
+        <p:spPr/>
+        <p:txBody>
+          <a:bodyPr>
+            <a:normAutofit/>
+          </a:bodyPr>
+          <a:lstStyle/>
+          <a:p>
+            <a:r>
+              <a:rPr lang="en-GB" dirty="0" smtClean="0"/>
+              <a:t>A method of programming which is based on the idea of ‘objects’, structures that contain both the </a:t>
+            </a:r>
+            <a:r>
+              <a:rPr lang="en-GB" b="1" dirty="0" smtClean="0"/>
+              <a:t>data</a:t>
+            </a:r>
+            <a:r>
+              <a:rPr lang="en-GB" dirty="0" smtClean="0"/>
+              <a:t> belonging to an object and its </a:t>
+            </a:r>
+            <a:r>
+              <a:rPr lang="en-GB" b="1" dirty="0" smtClean="0"/>
+              <a:t>behaviour</a:t>
+            </a:r>
+          </a:p>
+          <a:p>
+            <a:r>
+              <a:rPr lang="en-GB" dirty="0" smtClean="0"/>
+              <a:t>Objects are designed to interact cleanly with one another</a:t>
+            </a:r>
+          </a:p>
+          <a:p>
+            <a:r>
+              <a:rPr lang="en-GB" dirty="0" smtClean="0"/>
+              <a:t>By focussing on objects we get a closer model to the business model</a:t>
+            </a:r>
+          </a:p>
+          <a:p>
+            <a:r>
+              <a:rPr lang="en-GB" dirty="0" smtClean="0"/>
+              <a:t>An object methods can alter the state of its data.</a:t>
+            </a:r>
+            <a:endParaRPr lang="en-GB" dirty="0"/>
+          </a:p>
+        </p:txBody>
+      </p:sp>
+    </p:spTree>
+    <p:extLst>
+      <p:ext uri="{BB962C8B-B14F-4D97-AF65-F5344CB8AC3E}">
+        <p14:creationId xmlns:p14="http://schemas.microsoft.com/office/powerpoint/2010/main" val="2221471901"/>
+      </p:ext>
+    </p:extLst>
+  </p:cSld>
+  <p:clrMapOvr>
+    <a:masterClrMapping/>
+  </p:clrMapOvr>
+</p:sld>
+</file>
+
+<file path=ppt/slides/slide23.xml><?xml version="1.0" encoding="utf-8"?>
+<p:sld xmlns:a="http://schemas.openxmlformats.org/drawingml/2006/main" xmlns:r="http://schemas.openxmlformats.org/officeDocument/2006/relationships" xmlns:p="http://schemas.openxmlformats.org/presentationml/2006/main">
+  <p:cSld>
+    <p:spTree>
+      <p:nvGrpSpPr>
+        <p:cNvPr id="1" name=""/>
+        <p:cNvGrpSpPr/>
+        <p:nvPr/>
+      </p:nvGrpSpPr>
+      <p:grpSpPr>
+        <a:xfrm>
+          <a:off x="0" y="0"/>
+          <a:ext cx="0" cy="0"/>
+          <a:chOff x="0" y="0"/>
+          <a:chExt cx="0" cy="0"/>
+        </a:xfrm>
+      </p:grpSpPr>
+      <p:sp>
+        <p:nvSpPr>
+          <p:cNvPr id="2" name="Title 1"/>
+          <p:cNvSpPr>
+            <a:spLocks noGrp="1"/>
+          </p:cNvSpPr>
+          <p:nvPr>
+            <p:ph type="title"/>
+          </p:nvPr>
+        </p:nvSpPr>
+        <p:spPr/>
+        <p:txBody>
+          <a:bodyPr/>
+          <a:lstStyle/>
+          <a:p>
+            <a:r>
+              <a:rPr lang="en-GB" dirty="0" smtClean="0"/>
+              <a:t>Object Oriented Programming (OOP)</a:t>
+            </a:r>
+            <a:endParaRPr lang="en-GB" dirty="0"/>
+          </a:p>
+        </p:txBody>
+      </p:sp>
+      <p:sp>
+        <p:nvSpPr>
+          <p:cNvPr id="3" name="Content Placeholder 2"/>
+          <p:cNvSpPr>
+            <a:spLocks noGrp="1"/>
+          </p:cNvSpPr>
+          <p:nvPr>
+            <p:ph idx="1"/>
+          </p:nvPr>
+        </p:nvSpPr>
+        <p:spPr/>
+        <p:txBody>
+          <a:bodyPr>
+            <a:normAutofit/>
+          </a:bodyPr>
+          <a:lstStyle/>
+          <a:p>
+            <a:r>
+              <a:rPr lang="en-GB" dirty="0" smtClean="0"/>
+              <a:t>Identify classes</a:t>
+            </a:r>
+          </a:p>
+          <a:p>
+            <a:r>
+              <a:rPr lang="en-GB" dirty="0" smtClean="0"/>
+              <a:t>Separate responsibilities</a:t>
+            </a:r>
+          </a:p>
+          <a:p>
+            <a:r>
+              <a:rPr lang="en-GB" dirty="0" smtClean="0"/>
+              <a:t>Establish relationships</a:t>
+            </a:r>
+          </a:p>
+          <a:p>
+            <a:r>
+              <a:rPr lang="en-GB" dirty="0" smtClean="0"/>
+              <a:t>Leverage Reuse</a:t>
+            </a:r>
+            <a:endParaRPr lang="en-GB" dirty="0"/>
+          </a:p>
+        </p:txBody>
+      </p:sp>
+    </p:spTree>
+    <p:extLst>
+      <p:ext uri="{BB962C8B-B14F-4D97-AF65-F5344CB8AC3E}">
+        <p14:creationId xmlns:p14="http://schemas.microsoft.com/office/powerpoint/2010/main" val="2237350768"/>
+      </p:ext>
+    </p:extLst>
+  </p:cSld>
+  <p:clrMapOvr>
+    <a:masterClrMapping/>
+  </p:clrMapOvr>
+</p:sld>
+</file>
+
+<file path=ppt/slides/slide24.xml><?xml version="1.0" encoding="utf-8"?>
+<p:sld xmlns:a="http://schemas.openxmlformats.org/drawingml/2006/main" xmlns:r="http://schemas.openxmlformats.org/officeDocument/2006/relationships" xmlns:p="http://schemas.openxmlformats.org/presentationml/2006/main">
+  <p:cSld>
+    <p:spTree>
+      <p:nvGrpSpPr>
+        <p:cNvPr id="1" name=""/>
+        <p:cNvGrpSpPr/>
+        <p:nvPr/>
+      </p:nvGrpSpPr>
+      <p:grpSpPr>
+        <a:xfrm>
+          <a:off x="0" y="0"/>
+          <a:ext cx="0" cy="0"/>
+          <a:chOff x="0" y="0"/>
+          <a:chExt cx="0" cy="0"/>
+        </a:xfrm>
+      </p:grpSpPr>
+      <p:sp>
+        <p:nvSpPr>
+          <p:cNvPr id="2" name="Title 1"/>
+          <p:cNvSpPr>
+            <a:spLocks noGrp="1"/>
+          </p:cNvSpPr>
+          <p:nvPr>
+            <p:ph type="title"/>
+          </p:nvPr>
+        </p:nvSpPr>
+        <p:spPr/>
+        <p:txBody>
+          <a:bodyPr/>
+          <a:lstStyle/>
+          <a:p>
+            <a:r>
+              <a:rPr lang="en-GB" dirty="0" smtClean="0"/>
+              <a:t>Object Oriented Programming – Class vs Object</a:t>
+            </a:r>
+            <a:endParaRPr lang="en-GB" dirty="0"/>
+          </a:p>
+        </p:txBody>
+      </p:sp>
+      <p:sp>
+        <p:nvSpPr>
+          <p:cNvPr id="3" name="Content Placeholder 2"/>
+          <p:cNvSpPr>
+            <a:spLocks noGrp="1"/>
+          </p:cNvSpPr>
+          <p:nvPr>
+            <p:ph idx="1"/>
+          </p:nvPr>
+        </p:nvSpPr>
+        <p:spPr/>
+        <p:txBody>
+          <a:bodyPr>
+            <a:normAutofit/>
+          </a:bodyPr>
+          <a:lstStyle/>
+          <a:p>
+            <a:r>
+              <a:rPr lang="en-GB" dirty="0" smtClean="0"/>
+              <a:t>A class is the template that represents a business entity, and manages the state through properties, and the behaviour through methods</a:t>
+            </a:r>
+          </a:p>
+          <a:p>
+            <a:r>
+              <a:rPr lang="en-GB" dirty="0" smtClean="0"/>
+              <a:t>Properties and methods define the members of a class</a:t>
+            </a:r>
+          </a:p>
+          <a:p>
+            <a:r>
+              <a:rPr lang="en-GB" dirty="0" smtClean="0"/>
+              <a:t>Object is an instance of a class, created using the new keyword.</a:t>
+            </a:r>
+          </a:p>
+          <a:p>
+            <a:r>
+              <a:rPr lang="en-GB" dirty="0" smtClean="0"/>
+              <a:t>The object represents a specific instance of the class.</a:t>
+            </a:r>
+          </a:p>
+          <a:p>
+            <a:r>
+              <a:rPr lang="en-GB" dirty="0" smtClean="0"/>
+              <a:t>Business Object is also a term used to refer to a class</a:t>
+            </a:r>
+            <a:endParaRPr lang="en-GB" dirty="0"/>
+          </a:p>
+        </p:txBody>
+      </p:sp>
+    </p:spTree>
+    <p:extLst>
+      <p:ext uri="{BB962C8B-B14F-4D97-AF65-F5344CB8AC3E}">
+        <p14:creationId xmlns:p14="http://schemas.microsoft.com/office/powerpoint/2010/main" val="2926083702"/>
+      </p:ext>
+    </p:extLst>
+  </p:cSld>
+  <p:clrMapOvr>
+    <a:masterClrMapping/>
+  </p:clrMapOvr>
+</p:sld>
+</file>
+
+<file path=ppt/slides/slide25.xml><?xml version="1.0" encoding="utf-8"?>
+<p:sld xmlns:a="http://schemas.openxmlformats.org/drawingml/2006/main" xmlns:r="http://schemas.openxmlformats.org/officeDocument/2006/relationships" xmlns:p="http://schemas.openxmlformats.org/presentationml/2006/main">
+  <p:cSld>
+    <p:spTree>
+      <p:nvGrpSpPr>
+        <p:cNvPr id="1" name=""/>
+        <p:cNvGrpSpPr/>
+        <p:nvPr/>
+      </p:nvGrpSpPr>
+      <p:grpSpPr>
+        <a:xfrm>
+          <a:off x="0" y="0"/>
+          <a:ext cx="0" cy="0"/>
+          <a:chOff x="0" y="0"/>
+          <a:chExt cx="0" cy="0"/>
+        </a:xfrm>
+      </p:grpSpPr>
+      <p:sp>
+        <p:nvSpPr>
+          <p:cNvPr id="2" name="Title 1"/>
+          <p:cNvSpPr>
+            <a:spLocks noGrp="1"/>
+          </p:cNvSpPr>
+          <p:nvPr>
+            <p:ph type="title"/>
+          </p:nvPr>
+        </p:nvSpPr>
+        <p:spPr/>
+        <p:txBody>
+          <a:bodyPr/>
+          <a:lstStyle/>
+          <a:p>
+            <a:r>
+              <a:rPr lang="en-GB" dirty="0" smtClean="0"/>
+              <a:t>Object Oriented Programming – Identify objects</a:t>
+            </a:r>
+            <a:endParaRPr lang="en-GB" dirty="0"/>
+          </a:p>
+        </p:txBody>
+      </p:sp>
+      <p:sp>
+        <p:nvSpPr>
+          <p:cNvPr id="3" name="Content Placeholder 2"/>
+          <p:cNvSpPr>
+            <a:spLocks noGrp="1"/>
+          </p:cNvSpPr>
+          <p:nvPr>
+            <p:ph idx="1"/>
+          </p:nvPr>
+        </p:nvSpPr>
+        <p:spPr/>
+        <p:txBody>
+          <a:bodyPr>
+            <a:normAutofit/>
+          </a:bodyPr>
+          <a:lstStyle/>
+          <a:p>
+            <a:r>
+              <a:rPr lang="en-GB" dirty="0" smtClean="0"/>
+              <a:t>The process of turning a set of requirements into a set of classes</a:t>
+            </a:r>
+          </a:p>
+          <a:p>
+            <a:r>
+              <a:rPr lang="en-GB" dirty="0" smtClean="0"/>
+              <a:t>Classes should represent business entities.</a:t>
+            </a:r>
+          </a:p>
+          <a:p>
+            <a:r>
+              <a:rPr lang="en-GB" dirty="0" smtClean="0"/>
+              <a:t>Start by looking at the nouns – should it be a class.</a:t>
+            </a:r>
+          </a:p>
+          <a:p>
+            <a:r>
+              <a:rPr lang="en-GB" dirty="0" smtClean="0"/>
+              <a:t>Then identify properties and methods for each class.</a:t>
+            </a:r>
+          </a:p>
+          <a:p>
+            <a:r>
+              <a:rPr lang="en-GB" dirty="0" smtClean="0"/>
+              <a:t>Looking at properties may identify other classes.</a:t>
+            </a:r>
+          </a:p>
+          <a:p>
+            <a:r>
+              <a:rPr lang="en-GB" dirty="0" smtClean="0"/>
+              <a:t>Properties may change over time, so may need to consider changes over time</a:t>
+            </a:r>
+          </a:p>
+          <a:p>
+            <a:endParaRPr lang="en-GB" dirty="0"/>
+          </a:p>
+        </p:txBody>
+      </p:sp>
+    </p:spTree>
+    <p:extLst>
+      <p:ext uri="{BB962C8B-B14F-4D97-AF65-F5344CB8AC3E}">
+        <p14:creationId xmlns:p14="http://schemas.microsoft.com/office/powerpoint/2010/main" val="1472586889"/>
+      </p:ext>
+    </p:extLst>
+  </p:cSld>
+  <p:clrMapOvr>
+    <a:masterClrMapping/>
+  </p:clrMapOvr>
+</p:sld>
+</file>
+
+<file path=ppt/slides/slide26.xml><?xml version="1.0" encoding="utf-8"?>
+<p:sld xmlns:a="http://schemas.openxmlformats.org/drawingml/2006/main" xmlns:r="http://schemas.openxmlformats.org/officeDocument/2006/relationships" xmlns:p="http://schemas.openxmlformats.org/presentationml/2006/main">
+  <p:cSld>
+    <p:spTree>
+      <p:nvGrpSpPr>
+        <p:cNvPr id="1" name=""/>
+        <p:cNvGrpSpPr/>
+        <p:nvPr/>
+      </p:nvGrpSpPr>
+      <p:grpSpPr>
+        <a:xfrm>
+          <a:off x="0" y="0"/>
+          <a:ext cx="0" cy="0"/>
+          <a:chOff x="0" y="0"/>
+          <a:chExt cx="0" cy="0"/>
+        </a:xfrm>
+      </p:grpSpPr>
+      <p:sp>
+        <p:nvSpPr>
+          <p:cNvPr id="2" name="Title 1"/>
+          <p:cNvSpPr>
+            <a:spLocks noGrp="1"/>
+          </p:cNvSpPr>
+          <p:nvPr>
+            <p:ph type="title"/>
+          </p:nvPr>
+        </p:nvSpPr>
+        <p:spPr/>
+        <p:txBody>
+          <a:bodyPr/>
+          <a:lstStyle/>
+          <a:p>
+            <a:r>
+              <a:rPr lang="en-GB" dirty="0" smtClean="0"/>
+              <a:t>Object Oriented Programming – Abstraction</a:t>
+            </a:r>
+            <a:endParaRPr lang="en-GB" dirty="0"/>
+          </a:p>
+        </p:txBody>
+      </p:sp>
+      <p:sp>
+        <p:nvSpPr>
+          <p:cNvPr id="3" name="Content Placeholder 2"/>
+          <p:cNvSpPr>
+            <a:spLocks noGrp="1"/>
+          </p:cNvSpPr>
+          <p:nvPr>
+            <p:ph idx="1"/>
+          </p:nvPr>
+        </p:nvSpPr>
+        <p:spPr/>
+        <p:txBody>
+          <a:bodyPr>
+            <a:normAutofit/>
+          </a:bodyPr>
+          <a:lstStyle/>
+          <a:p>
+            <a:r>
+              <a:rPr lang="en-GB" dirty="0" smtClean="0"/>
+              <a:t>One of the 4 pillars of OOP</a:t>
+            </a:r>
+          </a:p>
+          <a:p>
+            <a:r>
+              <a:rPr lang="en-GB" dirty="0" smtClean="0"/>
+              <a:t>Classes simplify reality by abstracting out only what is important for the application  you are designing.</a:t>
+            </a:r>
+          </a:p>
+          <a:p>
+            <a:r>
+              <a:rPr lang="en-GB" dirty="0" smtClean="0"/>
+              <a:t>Ignores extraneous details</a:t>
+            </a:r>
+          </a:p>
+          <a:p>
+            <a:r>
+              <a:rPr lang="en-GB" dirty="0" smtClean="0"/>
+              <a:t>YAGNI</a:t>
+            </a:r>
+          </a:p>
+          <a:p>
+            <a:endParaRPr lang="en-GB" dirty="0"/>
+          </a:p>
+        </p:txBody>
+      </p:sp>
+    </p:spTree>
+    <p:extLst>
+      <p:ext uri="{BB962C8B-B14F-4D97-AF65-F5344CB8AC3E}">
+        <p14:creationId xmlns:p14="http://schemas.microsoft.com/office/powerpoint/2010/main" val="375352079"/>
+      </p:ext>
+    </p:extLst>
+  </p:cSld>
+  <p:clrMapOvr>
+    <a:masterClrMapping/>
+  </p:clrMapOvr>
+</p:sld>
+</file>
+
+<file path=ppt/slides/slide27.xml><?xml version="1.0" encoding="utf-8"?>
+<p:sld xmlns:a="http://schemas.openxmlformats.org/drawingml/2006/main" xmlns:r="http://schemas.openxmlformats.org/officeDocument/2006/relationships" xmlns:p="http://schemas.openxmlformats.org/presentationml/2006/main">
+  <p:cSld>
+    <p:spTree>
+      <p:nvGrpSpPr>
+        <p:cNvPr id="1" name=""/>
+        <p:cNvGrpSpPr/>
+        <p:nvPr/>
+      </p:nvGrpSpPr>
+      <p:grpSpPr>
+        <a:xfrm>
+          <a:off x="0" y="0"/>
+          <a:ext cx="0" cy="0"/>
+          <a:chOff x="0" y="0"/>
+          <a:chExt cx="0" cy="0"/>
+        </a:xfrm>
+      </p:grpSpPr>
+      <p:sp>
+        <p:nvSpPr>
+          <p:cNvPr id="2" name="Title 1"/>
+          <p:cNvSpPr>
+            <a:spLocks noGrp="1"/>
+          </p:cNvSpPr>
+          <p:nvPr>
+            <p:ph type="title"/>
+          </p:nvPr>
+        </p:nvSpPr>
+        <p:spPr/>
+        <p:txBody>
+          <a:bodyPr/>
+          <a:lstStyle/>
+          <a:p>
+            <a:r>
+              <a:rPr lang="en-GB" dirty="0" smtClean="0"/>
+              <a:t>Object Oriented Programming – Encapsulation</a:t>
+            </a:r>
+            <a:endParaRPr lang="en-GB" dirty="0"/>
+          </a:p>
+        </p:txBody>
+      </p:sp>
+      <p:sp>
+        <p:nvSpPr>
+          <p:cNvPr id="3" name="Content Placeholder 2"/>
+          <p:cNvSpPr>
+            <a:spLocks noGrp="1"/>
+          </p:cNvSpPr>
+          <p:nvPr>
+            <p:ph idx="1"/>
+          </p:nvPr>
+        </p:nvSpPr>
+        <p:spPr/>
+        <p:txBody>
+          <a:bodyPr>
+            <a:normAutofit fontScale="92500" lnSpcReduction="20000"/>
+          </a:bodyPr>
+          <a:lstStyle/>
+          <a:p>
+            <a:r>
+              <a:rPr lang="en-GB" dirty="0" smtClean="0"/>
+              <a:t>Hiding of complexity</a:t>
+            </a:r>
+          </a:p>
+          <a:p>
+            <a:r>
+              <a:rPr lang="en-GB" dirty="0" smtClean="0"/>
+              <a:t>Fields are hidden within the class, and are only accessible through getters and setters</a:t>
+            </a:r>
+          </a:p>
+          <a:p>
+            <a:r>
+              <a:rPr lang="en-GB" dirty="0" smtClean="0"/>
+              <a:t>Operation details hidden behind methods.</a:t>
+            </a:r>
+          </a:p>
+          <a:p>
+            <a:r>
+              <a:rPr lang="en-GB" dirty="0" smtClean="0"/>
+              <a:t>Allows objects to work together without needing to know any detail about other classes</a:t>
+            </a:r>
+          </a:p>
+          <a:p>
+            <a:r>
+              <a:rPr lang="en-GB" dirty="0" smtClean="0"/>
+              <a:t>Protects the data – prevents corruption.</a:t>
+            </a:r>
+          </a:p>
+          <a:p>
+            <a:r>
+              <a:rPr lang="en-GB" dirty="0" smtClean="0"/>
+              <a:t>Can carry out actions such as validation of data to setter</a:t>
+            </a:r>
+          </a:p>
+          <a:p>
+            <a:r>
+              <a:rPr lang="en-GB" dirty="0" smtClean="0"/>
+              <a:t>Helps to manage complexity. Code is easier to modify and test.</a:t>
+            </a:r>
+          </a:p>
+          <a:p>
+            <a:r>
+              <a:rPr lang="en-GB" dirty="0" smtClean="0"/>
+              <a:t>Implementation can be changed without affecting the rest of </a:t>
+            </a:r>
+            <a:r>
+              <a:rPr lang="en-GB" smtClean="0"/>
+              <a:t>the application</a:t>
+            </a:r>
+            <a:endParaRPr lang="en-GB" dirty="0" smtClean="0"/>
+          </a:p>
+          <a:p>
+            <a:endParaRPr lang="en-GB" dirty="0"/>
+          </a:p>
+        </p:txBody>
+      </p:sp>
+    </p:spTree>
+    <p:extLst>
+      <p:ext uri="{BB962C8B-B14F-4D97-AF65-F5344CB8AC3E}">
+        <p14:creationId xmlns:p14="http://schemas.microsoft.com/office/powerpoint/2010/main" val="1101892528"/>
+      </p:ext>
+    </p:extLst>
   </p:cSld>
   <p:clrMapOvr>
     <a:masterClrMapping/>
@@ -5098,7 +5863,7 @@
     </p:spTree>
     <p:extLst>
       <p:ext uri="{BB962C8B-B14F-4D97-AF65-F5344CB8AC3E}">
-        <p14:creationId xmlns:p14="http://schemas.microsoft.com/office/powerpoint/2010/main" xmlns="" val="2154589627"/>
+        <p14:creationId xmlns:p14="http://schemas.microsoft.com/office/powerpoint/2010/main" val="2154589627"/>
       </p:ext>
     </p:extLst>
   </p:cSld>
@@ -5262,7 +6027,7 @@
     </p:spTree>
     <p:extLst>
       <p:ext uri="{BB962C8B-B14F-4D97-AF65-F5344CB8AC3E}">
-        <p14:creationId xmlns:p14="http://schemas.microsoft.com/office/powerpoint/2010/main" xmlns="" val="4232262784"/>
+        <p14:creationId xmlns:p14="http://schemas.microsoft.com/office/powerpoint/2010/main" val="4232262784"/>
       </p:ext>
     </p:extLst>
   </p:cSld>
@@ -5379,7 +6144,7 @@
     </p:spTree>
     <p:extLst>
       <p:ext uri="{BB962C8B-B14F-4D97-AF65-F5344CB8AC3E}">
-        <p14:creationId xmlns:p14="http://schemas.microsoft.com/office/powerpoint/2010/main" xmlns="" val="3488989693"/>
+        <p14:creationId xmlns:p14="http://schemas.microsoft.com/office/powerpoint/2010/main" val="3488989693"/>
       </p:ext>
     </p:extLst>
   </p:cSld>
@@ -5439,7 +6204,7 @@
             <p:ph idx="1"/>
             <p:extLst>
               <p:ext uri="{D42A27DB-BD31-4B8C-83A1-F6EECF244321}">
-                <p14:modId xmlns:p14="http://schemas.microsoft.com/office/powerpoint/2010/main" xmlns="" val="3856182305"/>
+                <p14:modId xmlns:p14="http://schemas.microsoft.com/office/powerpoint/2010/main" val="3856182305"/>
               </p:ext>
             </p:extLst>
           </p:nvPr>
@@ -8551,7 +9316,7 @@
     </p:spTree>
     <p:extLst>
       <p:ext uri="{BB962C8B-B14F-4D97-AF65-F5344CB8AC3E}">
-        <p14:creationId xmlns:p14="http://schemas.microsoft.com/office/powerpoint/2010/main" xmlns="" val="1571059126"/>
+        <p14:creationId xmlns:p14="http://schemas.microsoft.com/office/powerpoint/2010/main" val="1571059126"/>
       </p:ext>
     </p:extLst>
   </p:cSld>
@@ -8676,7 +9441,7 @@
     </p:spTree>
     <p:extLst>
       <p:ext uri="{BB962C8B-B14F-4D97-AF65-F5344CB8AC3E}">
-        <p14:creationId xmlns:p14="http://schemas.microsoft.com/office/powerpoint/2010/main" xmlns="" val="2095863398"/>
+        <p14:creationId xmlns:p14="http://schemas.microsoft.com/office/powerpoint/2010/main" val="2095863398"/>
       </p:ext>
     </p:extLst>
   </p:cSld>
@@ -8816,7 +9581,7 @@
     </p:spTree>
     <p:extLst>
       <p:ext uri="{BB962C8B-B14F-4D97-AF65-F5344CB8AC3E}">
-        <p14:creationId xmlns:p14="http://schemas.microsoft.com/office/powerpoint/2010/main" xmlns="" val="3132902260"/>
+        <p14:creationId xmlns:p14="http://schemas.microsoft.com/office/powerpoint/2010/main" val="3132902260"/>
       </p:ext>
     </p:extLst>
   </p:cSld>
@@ -8962,7 +9727,7 @@
     </p:spTree>
     <p:extLst>
       <p:ext uri="{BB962C8B-B14F-4D97-AF65-F5344CB8AC3E}">
-        <p14:creationId xmlns:p14="http://schemas.microsoft.com/office/powerpoint/2010/main" xmlns="" val="628313174"/>
+        <p14:creationId xmlns:p14="http://schemas.microsoft.com/office/powerpoint/2010/main" val="628313174"/>
       </p:ext>
     </p:extLst>
   </p:cSld>
@@ -9227,7 +9992,7 @@
   <a:extraClrSchemeLst/>
   <a:extLst>
     <a:ext uri="{05A4C25C-085E-4340-85A3-A5531E510DB2}">
-      <thm15:themeFamily xmlns="" xmlns:thm15="http://schemas.microsoft.com/office/thememl/2012/main" name="Office Theme" id="{62F939B6-93AF-4DB8-9C6B-D6C7DFDC589F}" vid="{4A3C46E8-61CC-4603-A589-7422A47A8E4A}"/>
+      <thm15:themeFamily xmlns:thm15="http://schemas.microsoft.com/office/thememl/2012/main" name="Office Theme" id="{62F939B6-93AF-4DB8-9C6B-D6C7DFDC589F}" vid="{4A3C46E8-61CC-4603-A589-7422A47A8E4A}"/>
     </a:ext>
   </a:extLst>
 </a:theme>
